--- a/Raspberry Pi Intro.pptx
+++ b/Raspberry Pi Intro.pptx
@@ -361,7 +361,7 @@
           <a:p>
             <a:fld id="{89DC392C-9050-497D-830E-DA763E318C79}" type="datetimeFigureOut">
               <a:rPr lang="en-US" smtClean="0"/>
-              <a:t>9/13/2022</a:t>
+              <a:t>9/14/2022</a:t>
             </a:fld>
             <a:endParaRPr lang="en-US"/>
           </a:p>
@@ -41339,7 +41339,7 @@
           <a:p>
             <a:fld id="{753AC6FD-C489-4773-8211-D5E6AABF82B7}" type="datetimeFigureOut">
               <a:rPr lang="en-US" smtClean="0"/>
-              <a:t>9/6/2022</a:t>
+              <a:t>9/14/2022</a:t>
             </a:fld>
             <a:endParaRPr lang="en-US"/>
           </a:p>
@@ -53099,7 +53099,7 @@
           <a:p>
             <a:r>
               <a:rPr lang="en-US" dirty="0"/>
-              <a:t>RPi 4 will need the HDMI to HDMI Micro adapter. Plug into HDMI0</a:t>
+              <a:t>RPi 4 will need the HDMI to HDMI Micro adapter. Plug into HDMI 1</a:t>
             </a:r>
           </a:p>
         </p:txBody>

--- a/Raspberry Pi Intro.pptx
+++ b/Raspberry Pi Intro.pptx
@@ -5,7 +5,7 @@
     <p:sldMasterId id="2147483660" r:id="rId1"/>
   </p:sldMasterIdLst>
   <p:notesMasterIdLst>
-    <p:notesMasterId r:id="rId21"/>
+    <p:notesMasterId r:id="rId22"/>
   </p:notesMasterIdLst>
   <p:sldIdLst>
     <p:sldId id="256" r:id="rId2"/>
@@ -18,15 +18,16 @@
     <p:sldId id="263" r:id="rId9"/>
     <p:sldId id="264" r:id="rId10"/>
     <p:sldId id="265" r:id="rId11"/>
-    <p:sldId id="266" r:id="rId12"/>
-    <p:sldId id="271" r:id="rId13"/>
-    <p:sldId id="269" r:id="rId14"/>
-    <p:sldId id="270" r:id="rId15"/>
-    <p:sldId id="268" r:id="rId16"/>
-    <p:sldId id="273" r:id="rId17"/>
-    <p:sldId id="274" r:id="rId18"/>
-    <p:sldId id="272" r:id="rId19"/>
-    <p:sldId id="303" r:id="rId20"/>
+    <p:sldId id="304" r:id="rId12"/>
+    <p:sldId id="266" r:id="rId13"/>
+    <p:sldId id="271" r:id="rId14"/>
+    <p:sldId id="269" r:id="rId15"/>
+    <p:sldId id="270" r:id="rId16"/>
+    <p:sldId id="268" r:id="rId17"/>
+    <p:sldId id="273" r:id="rId18"/>
+    <p:sldId id="274" r:id="rId19"/>
+    <p:sldId id="272" r:id="rId20"/>
+    <p:sldId id="303" r:id="rId21"/>
   </p:sldIdLst>
   <p:sldSz cx="12192000" cy="6858000"/>
   <p:notesSz cx="6858000" cy="9144000"/>
@@ -277,6 +278,81 @@
     </p:extLst>
   </p:cmAuthor>
 </p:cmAuthorLst>
+</file>
+
+<file path=ppt/changesInfos/changesInfo1.xml><?xml version="1.0" encoding="utf-8"?>
+<pc:chgInfo xmlns:a="http://schemas.openxmlformats.org/drawingml/2006/main" xmlns:r="http://schemas.openxmlformats.org/officeDocument/2006/relationships" xmlns:ac="http://schemas.microsoft.com/office/drawing/2013/main/command" xmlns:pc="http://schemas.microsoft.com/office/powerpoint/2013/main/command">
+  <pc:docChgLst>
+    <pc:chgData name="Kelley, Todd W" userId="d27d4cb4-89b9-4445-97de-d6d70d6b1c5d" providerId="ADAL" clId="{EF5FD52B-6AFD-4697-98B5-A29A746949CC}"/>
+    <pc:docChg chg="addSld modSld">
+      <pc:chgData name="Kelley, Todd W" userId="d27d4cb4-89b9-4445-97de-d6d70d6b1c5d" providerId="ADAL" clId="{EF5FD52B-6AFD-4697-98B5-A29A746949CC}" dt="2022-09-14T17:50:05.233" v="230" actId="6549"/>
+      <pc:docMkLst>
+        <pc:docMk/>
+      </pc:docMkLst>
+      <pc:sldChg chg="modSp mod">
+        <pc:chgData name="Kelley, Todd W" userId="d27d4cb4-89b9-4445-97de-d6d70d6b1c5d" providerId="ADAL" clId="{EF5FD52B-6AFD-4697-98B5-A29A746949CC}" dt="2022-09-14T17:49:43.576" v="229" actId="6549"/>
+        <pc:sldMkLst>
+          <pc:docMk/>
+          <pc:sldMk cId="1982202001" sldId="266"/>
+        </pc:sldMkLst>
+        <pc:spChg chg="mod">
+          <ac:chgData name="Kelley, Todd W" userId="d27d4cb4-89b9-4445-97de-d6d70d6b1c5d" providerId="ADAL" clId="{EF5FD52B-6AFD-4697-98B5-A29A746949CC}" dt="2022-09-14T17:49:43.576" v="229" actId="6549"/>
+          <ac:spMkLst>
+            <pc:docMk/>
+            <pc:sldMk cId="1982202001" sldId="266"/>
+            <ac:spMk id="3" creationId="{00000000-0000-0000-0000-000000000000}"/>
+          </ac:spMkLst>
+        </pc:spChg>
+      </pc:sldChg>
+      <pc:sldChg chg="modSp mod">
+        <pc:chgData name="Kelley, Todd W" userId="d27d4cb4-89b9-4445-97de-d6d70d6b1c5d" providerId="ADAL" clId="{EF5FD52B-6AFD-4697-98B5-A29A746949CC}" dt="2022-09-14T17:50:05.233" v="230" actId="6549"/>
+        <pc:sldMkLst>
+          <pc:docMk/>
+          <pc:sldMk cId="3444751973" sldId="269"/>
+        </pc:sldMkLst>
+        <pc:spChg chg="mod">
+          <ac:chgData name="Kelley, Todd W" userId="d27d4cb4-89b9-4445-97de-d6d70d6b1c5d" providerId="ADAL" clId="{EF5FD52B-6AFD-4697-98B5-A29A746949CC}" dt="2022-09-14T17:50:05.233" v="230" actId="6549"/>
+          <ac:spMkLst>
+            <pc:docMk/>
+            <pc:sldMk cId="3444751973" sldId="269"/>
+            <ac:spMk id="3" creationId="{00000000-0000-0000-0000-000000000000}"/>
+          </ac:spMkLst>
+        </pc:spChg>
+      </pc:sldChg>
+      <pc:sldChg chg="addSp modSp add mod">
+        <pc:chgData name="Kelley, Todd W" userId="d27d4cb4-89b9-4445-97de-d6d70d6b1c5d" providerId="ADAL" clId="{EF5FD52B-6AFD-4697-98B5-A29A746949CC}" dt="2022-09-14T17:49:34.657" v="228" actId="208"/>
+        <pc:sldMkLst>
+          <pc:docMk/>
+          <pc:sldMk cId="1539767755" sldId="304"/>
+        </pc:sldMkLst>
+        <pc:spChg chg="mod">
+          <ac:chgData name="Kelley, Todd W" userId="d27d4cb4-89b9-4445-97de-d6d70d6b1c5d" providerId="ADAL" clId="{EF5FD52B-6AFD-4697-98B5-A29A746949CC}" dt="2022-09-14T17:47:13.324" v="13" actId="20577"/>
+          <ac:spMkLst>
+            <pc:docMk/>
+            <pc:sldMk cId="1539767755" sldId="304"/>
+            <ac:spMk id="2" creationId="{00000000-0000-0000-0000-000000000000}"/>
+          </ac:spMkLst>
+        </pc:spChg>
+        <pc:spChg chg="mod">
+          <ac:chgData name="Kelley, Todd W" userId="d27d4cb4-89b9-4445-97de-d6d70d6b1c5d" providerId="ADAL" clId="{EF5FD52B-6AFD-4697-98B5-A29A746949CC}" dt="2022-09-14T17:49:15.691" v="224" actId="20577"/>
+          <ac:spMkLst>
+            <pc:docMk/>
+            <pc:sldMk cId="1539767755" sldId="304"/>
+            <ac:spMk id="3" creationId="{00000000-0000-0000-0000-000000000000}"/>
+          </ac:spMkLst>
+        </pc:spChg>
+        <pc:spChg chg="add mod">
+          <ac:chgData name="Kelley, Todd W" userId="d27d4cb4-89b9-4445-97de-d6d70d6b1c5d" providerId="ADAL" clId="{EF5FD52B-6AFD-4697-98B5-A29A746949CC}" dt="2022-09-14T17:49:34.657" v="228" actId="208"/>
+          <ac:spMkLst>
+            <pc:docMk/>
+            <pc:sldMk cId="1539767755" sldId="304"/>
+            <ac:spMk id="5" creationId="{8747CDED-80E6-4A5E-BDB7-AAED6CD52FDE}"/>
+          </ac:spMkLst>
+        </pc:spChg>
+      </pc:sldChg>
+    </pc:docChg>
+  </pc:docChgLst>
+</pc:chgInfo>
 </file>
 
 <file path=ppt/notesMasters/notesMaster1.xml><?xml version="1.0" encoding="utf-8"?>
@@ -696,7 +772,7 @@
           <a:p>
             <a:fld id="{0C080C5C-2D0A-4FD5-AA40-E940E2D403BC}" type="slidenum">
               <a:rPr lang="en-US" smtClean="0"/>
-              <a:t>18</a:t>
+              <a:t>19</a:t>
             </a:fld>
             <a:endParaRPr lang="en-US"/>
           </a:p>
@@ -53181,6 +53257,169 @@
           <a:p>
             <a:r>
               <a:rPr lang="en-US" dirty="0"/>
+              <a:t>Connect Network Cable</a:t>
+            </a:r>
+          </a:p>
+        </p:txBody>
+      </p:sp>
+      <p:sp>
+        <p:nvSpPr>
+          <p:cNvPr id="3" name="Content Placeholder 2"/>
+          <p:cNvSpPr>
+            <a:spLocks noGrp="1"/>
+          </p:cNvSpPr>
+          <p:nvPr>
+            <p:ph idx="1"/>
+          </p:nvPr>
+        </p:nvSpPr>
+        <p:spPr>
+          <a:xfrm>
+            <a:off x="838200" y="1825625"/>
+            <a:ext cx="4244792" cy="4351338"/>
+          </a:xfrm>
+        </p:spPr>
+        <p:txBody>
+          <a:bodyPr/>
+          <a:lstStyle/>
+          <a:p>
+            <a:r>
+              <a:rPr lang="en-US" dirty="0"/>
+              <a:t>Disconnect the network cable from the back of the bench to the computer and plug in the 7 foot network cable into that network port and the RPi.</a:t>
+            </a:r>
+          </a:p>
+        </p:txBody>
+      </p:sp>
+      <p:pic>
+        <p:nvPicPr>
+          <p:cNvPr id="4" name="Picture 3"/>
+          <p:cNvPicPr>
+            <a:picLocks noChangeAspect="1"/>
+          </p:cNvPicPr>
+          <p:nvPr/>
+        </p:nvPicPr>
+        <p:blipFill>
+          <a:blip r:embed="rId2">
+            <a:extLst>
+              <a:ext uri="{28A0092B-C50C-407E-A947-70E740481C1C}">
+                <a14:useLocalDpi xmlns:a14="http://schemas.microsoft.com/office/drawing/2010/main" val="0"/>
+              </a:ext>
+            </a:extLst>
+          </a:blip>
+          <a:stretch>
+            <a:fillRect/>
+          </a:stretch>
+        </p:blipFill>
+        <p:spPr>
+          <a:xfrm>
+            <a:off x="5082992" y="1690688"/>
+            <a:ext cx="6270808" cy="4279826"/>
+          </a:xfrm>
+          <a:prstGeom prst="rect">
+            <a:avLst/>
+          </a:prstGeom>
+        </p:spPr>
+      </p:pic>
+      <p:sp>
+        <p:nvSpPr>
+          <p:cNvPr id="5" name="Arrow: Left 4">
+            <a:extLst>
+              <a:ext uri="{FF2B5EF4-FFF2-40B4-BE49-F238E27FC236}">
+                <a16:creationId xmlns:a16="http://schemas.microsoft.com/office/drawing/2014/main" id="{8747CDED-80E6-4A5E-BDB7-AAED6CD52FDE}"/>
+              </a:ext>
+            </a:extLst>
+          </p:cNvPr>
+          <p:cNvSpPr/>
+          <p:nvPr/>
+        </p:nvSpPr>
+        <p:spPr>
+          <a:xfrm>
+            <a:off x="9983800" y="3800475"/>
+            <a:ext cx="1144600" cy="609600"/>
+          </a:xfrm>
+          <a:prstGeom prst="leftArrow">
+            <a:avLst/>
+          </a:prstGeom>
+          <a:solidFill>
+            <a:srgbClr val="FF0000"/>
+          </a:solidFill>
+          <a:ln>
+            <a:solidFill>
+              <a:srgbClr val="FF0000"/>
+            </a:solidFill>
+          </a:ln>
+        </p:spPr>
+        <p:style>
+          <a:lnRef idx="2">
+            <a:schemeClr val="accent1">
+              <a:shade val="50000"/>
+            </a:schemeClr>
+          </a:lnRef>
+          <a:fillRef idx="1">
+            <a:schemeClr val="accent1"/>
+          </a:fillRef>
+          <a:effectRef idx="0">
+            <a:schemeClr val="accent1"/>
+          </a:effectRef>
+          <a:fontRef idx="minor">
+            <a:schemeClr val="lt1"/>
+          </a:fontRef>
+        </p:style>
+        <p:txBody>
+          <a:bodyPr rtlCol="0" anchor="ctr"/>
+          <a:lstStyle/>
+          <a:p>
+            <a:pPr algn="ctr"/>
+            <a:endParaRPr lang="en-US"/>
+          </a:p>
+        </p:txBody>
+      </p:sp>
+    </p:spTree>
+    <p:extLst>
+      <p:ext uri="{BB962C8B-B14F-4D97-AF65-F5344CB8AC3E}">
+        <p14:creationId xmlns:p14="http://schemas.microsoft.com/office/powerpoint/2010/main" val="1539767755"/>
+      </p:ext>
+    </p:extLst>
+  </p:cSld>
+  <p:clrMapOvr>
+    <a:masterClrMapping/>
+  </p:clrMapOvr>
+</p:sld>
+</file>
+
+<file path=ppt/slides/slide12.xml><?xml version="1.0" encoding="utf-8"?>
+<p:sld xmlns:a="http://schemas.openxmlformats.org/drawingml/2006/main" xmlns:r="http://schemas.openxmlformats.org/officeDocument/2006/relationships" xmlns:p="http://schemas.openxmlformats.org/presentationml/2006/main">
+  <p:cSld>
+    <p:spTree>
+      <p:nvGrpSpPr>
+        <p:cNvPr id="1" name=""/>
+        <p:cNvGrpSpPr/>
+        <p:nvPr/>
+      </p:nvGrpSpPr>
+      <p:grpSpPr>
+        <a:xfrm>
+          <a:off x="0" y="0"/>
+          <a:ext cx="0" cy="0"/>
+          <a:chOff x="0" y="0"/>
+          <a:chExt cx="0" cy="0"/>
+        </a:xfrm>
+      </p:grpSpPr>
+      <p:sp>
+        <p:nvSpPr>
+          <p:cNvPr id="2" name="Title 1"/>
+          <p:cNvSpPr>
+            <a:spLocks noGrp="1"/>
+          </p:cNvSpPr>
+          <p:nvPr>
+            <p:ph type="title"/>
+          </p:nvPr>
+        </p:nvSpPr>
+        <p:spPr/>
+        <p:txBody>
+          <a:bodyPr/>
+          <a:lstStyle/>
+          <a:p>
+            <a:r>
+              <a:rPr lang="en-US" dirty="0"/>
               <a:t>Connect Power</a:t>
             </a:r>
           </a:p>
@@ -53245,16 +53484,6 @@
             <a:r>
               <a:rPr lang="en-US" dirty="0"/>
               <a:t>, </a:t>
-            </a:r>
-          </a:p>
-          <a:p>
-            <a:r>
-              <a:rPr lang="en-US" dirty="0" err="1"/>
-              <a:t>Wifi</a:t>
-            </a:r>
-            <a:r>
-              <a:rPr lang="en-US" dirty="0"/>
-              <a:t> is UTAEELABS , PW: get2work</a:t>
             </a:r>
           </a:p>
           <a:p>
@@ -53413,7 +53642,7 @@
 </p:sld>
 </file>
 
-<file path=ppt/slides/slide12.xml><?xml version="1.0" encoding="utf-8"?>
+<file path=ppt/slides/slide13.xml><?xml version="1.0" encoding="utf-8"?>
 <p:sld xmlns:a="http://schemas.openxmlformats.org/drawingml/2006/main" xmlns:r="http://schemas.openxmlformats.org/officeDocument/2006/relationships" xmlns:p="http://schemas.openxmlformats.org/presentationml/2006/main">
   <p:cSld>
     <p:spTree>
@@ -53615,7 +53844,7 @@
 </p:sld>
 </file>
 
-<file path=ppt/slides/slide13.xml><?xml version="1.0" encoding="utf-8"?>
+<file path=ppt/slides/slide14.xml><?xml version="1.0" encoding="utf-8"?>
 <p:sld xmlns:a="http://schemas.openxmlformats.org/drawingml/2006/main" xmlns:r="http://schemas.openxmlformats.org/officeDocument/2006/relationships" xmlns:p="http://schemas.openxmlformats.org/presentationml/2006/main">
   <p:cSld>
     <p:spTree>
@@ -53681,21 +53910,7 @@
           </a:p>
           <a:p>
             <a:r>
-              <a:rPr lang="en-US" dirty="0"/>
-              <a:t>Use UTAEELAB </a:t>
-            </a:r>
-            <a:r>
-              <a:rPr lang="en-US" dirty="0" err="1"/>
-              <a:t>wifi</a:t>
-            </a:r>
-            <a:r>
-              <a:rPr lang="en-US" dirty="0"/>
-              <a:t>. Password is get2work.</a:t>
-            </a:r>
-          </a:p>
-          <a:p>
-            <a:r>
-              <a:rPr lang="en-US" dirty="0"/>
+              <a:rPr lang="en-US"/>
               <a:t>Download </a:t>
             </a:r>
             <a:r>
@@ -53754,7 +53969,7 @@
 </p:sld>
 </file>
 
-<file path=ppt/slides/slide14.xml><?xml version="1.0" encoding="utf-8"?>
+<file path=ppt/slides/slide15.xml><?xml version="1.0" encoding="utf-8"?>
 <p:sld xmlns:a="http://schemas.openxmlformats.org/drawingml/2006/main" xmlns:r="http://schemas.openxmlformats.org/officeDocument/2006/relationships" xmlns:p="http://schemas.openxmlformats.org/presentationml/2006/main">
   <p:cSld>
     <p:spTree>
@@ -53905,7 +54120,7 @@
 </p:sld>
 </file>
 
-<file path=ppt/slides/slide15.xml><?xml version="1.0" encoding="utf-8"?>
+<file path=ppt/slides/slide16.xml><?xml version="1.0" encoding="utf-8"?>
 <p:sld xmlns:a="http://schemas.openxmlformats.org/drawingml/2006/main" xmlns:r="http://schemas.openxmlformats.org/officeDocument/2006/relationships" xmlns:p="http://schemas.openxmlformats.org/presentationml/2006/main">
   <p:cSld>
     <p:spTree>
@@ -54028,7 +54243,7 @@
 </p:sld>
 </file>
 
-<file path=ppt/slides/slide16.xml><?xml version="1.0" encoding="utf-8"?>
+<file path=ppt/slides/slide17.xml><?xml version="1.0" encoding="utf-8"?>
 <p:sld xmlns:a="http://schemas.openxmlformats.org/drawingml/2006/main" xmlns:r="http://schemas.openxmlformats.org/officeDocument/2006/relationships" xmlns:p="http://schemas.openxmlformats.org/presentationml/2006/main">
   <p:cSld>
     <p:spTree>
@@ -54228,7 +54443,7 @@
 </p:sld>
 </file>
 
-<file path=ppt/slides/slide17.xml><?xml version="1.0" encoding="utf-8"?>
+<file path=ppt/slides/slide18.xml><?xml version="1.0" encoding="utf-8"?>
 <p:sld xmlns:a="http://schemas.openxmlformats.org/drawingml/2006/main" xmlns:r="http://schemas.openxmlformats.org/officeDocument/2006/relationships" xmlns:p="http://schemas.openxmlformats.org/presentationml/2006/main">
   <p:cSld>
     <p:spTree>
@@ -54344,7 +54559,7 @@
 </p:sld>
 </file>
 
-<file path=ppt/slides/slide18.xml><?xml version="1.0" encoding="utf-8"?>
+<file path=ppt/slides/slide19.xml><?xml version="1.0" encoding="utf-8"?>
 <p:sld xmlns:a="http://schemas.openxmlformats.org/drawingml/2006/main" xmlns:r="http://schemas.openxmlformats.org/officeDocument/2006/relationships" xmlns:p="http://schemas.openxmlformats.org/presentationml/2006/main">
   <p:cSld>
     <p:spTree>
@@ -54925,7 +55140,113 @@
 </p:sld>
 </file>
 
-<file path=ppt/slides/slide19.xml><?xml version="1.0" encoding="utf-8"?>
+<file path=ppt/slides/slide2.xml><?xml version="1.0" encoding="utf-8"?>
+<p:sld xmlns:a="http://schemas.openxmlformats.org/drawingml/2006/main" xmlns:r="http://schemas.openxmlformats.org/officeDocument/2006/relationships" xmlns:p="http://schemas.openxmlformats.org/presentationml/2006/main">
+  <p:cSld>
+    <p:spTree>
+      <p:nvGrpSpPr>
+        <p:cNvPr id="1" name=""/>
+        <p:cNvGrpSpPr/>
+        <p:nvPr/>
+      </p:nvGrpSpPr>
+      <p:grpSpPr>
+        <a:xfrm>
+          <a:off x="0" y="0"/>
+          <a:ext cx="0" cy="0"/>
+          <a:chOff x="0" y="0"/>
+          <a:chExt cx="0" cy="0"/>
+        </a:xfrm>
+      </p:grpSpPr>
+      <p:sp>
+        <p:nvSpPr>
+          <p:cNvPr id="2" name="Title 1"/>
+          <p:cNvSpPr>
+            <a:spLocks noGrp="1"/>
+          </p:cNvSpPr>
+          <p:nvPr>
+            <p:ph type="title"/>
+          </p:nvPr>
+        </p:nvSpPr>
+        <p:spPr/>
+        <p:txBody>
+          <a:bodyPr/>
+          <a:lstStyle/>
+          <a:p>
+            <a:r>
+              <a:rPr lang="en-US" dirty="0"/>
+              <a:t>How to format the SD card</a:t>
+            </a:r>
+          </a:p>
+        </p:txBody>
+      </p:sp>
+      <p:sp>
+        <p:nvSpPr>
+          <p:cNvPr id="3" name="Content Placeholder 2"/>
+          <p:cNvSpPr>
+            <a:spLocks noGrp="1"/>
+          </p:cNvSpPr>
+          <p:nvPr>
+            <p:ph idx="1"/>
+          </p:nvPr>
+        </p:nvSpPr>
+        <p:spPr>
+          <a:xfrm>
+            <a:off x="838200" y="1825625"/>
+            <a:ext cx="4053840" cy="4351338"/>
+          </a:xfrm>
+        </p:spPr>
+        <p:txBody>
+          <a:bodyPr/>
+          <a:lstStyle/>
+          <a:p>
+            <a:pPr marL="0" indent="0">
+              <a:buNone/>
+            </a:pPr>
+            <a:r>
+              <a:rPr lang="en-US" dirty="0"/>
+              <a:t>Search for Raspberry Pi OS</a:t>
+            </a:r>
+          </a:p>
+        </p:txBody>
+      </p:sp>
+      <p:pic>
+        <p:nvPicPr>
+          <p:cNvPr id="4" name="Picture 3"/>
+          <p:cNvPicPr>
+            <a:picLocks noChangeAspect="1"/>
+          </p:cNvPicPr>
+          <p:nvPr/>
+        </p:nvPicPr>
+        <p:blipFill>
+          <a:blip r:embed="rId2"/>
+          <a:stretch>
+            <a:fillRect/>
+          </a:stretch>
+        </p:blipFill>
+        <p:spPr>
+          <a:xfrm>
+            <a:off x="5148069" y="1462088"/>
+            <a:ext cx="6506530" cy="4914899"/>
+          </a:xfrm>
+          <a:prstGeom prst="rect">
+            <a:avLst/>
+          </a:prstGeom>
+        </p:spPr>
+      </p:pic>
+    </p:spTree>
+    <p:extLst>
+      <p:ext uri="{BB962C8B-B14F-4D97-AF65-F5344CB8AC3E}">
+        <p14:creationId xmlns:p14="http://schemas.microsoft.com/office/powerpoint/2010/main" val="3339072767"/>
+      </p:ext>
+    </p:extLst>
+  </p:cSld>
+  <p:clrMapOvr>
+    <a:masterClrMapping/>
+  </p:clrMapOvr>
+</p:sld>
+</file>
+
+<file path=ppt/slides/slide20.xml><?xml version="1.0" encoding="utf-8"?>
 <p:sld xmlns:a="http://schemas.openxmlformats.org/drawingml/2006/main" xmlns:r="http://schemas.openxmlformats.org/officeDocument/2006/relationships" xmlns:p="http://schemas.openxmlformats.org/presentationml/2006/main">
   <p:cSld>
     <p:spTree>
@@ -55009,112 +55330,6 @@
         </p:txBody>
       </p:sp>
     </p:spTree>
-  </p:cSld>
-  <p:clrMapOvr>
-    <a:masterClrMapping/>
-  </p:clrMapOvr>
-</p:sld>
-</file>
-
-<file path=ppt/slides/slide2.xml><?xml version="1.0" encoding="utf-8"?>
-<p:sld xmlns:a="http://schemas.openxmlformats.org/drawingml/2006/main" xmlns:r="http://schemas.openxmlformats.org/officeDocument/2006/relationships" xmlns:p="http://schemas.openxmlformats.org/presentationml/2006/main">
-  <p:cSld>
-    <p:spTree>
-      <p:nvGrpSpPr>
-        <p:cNvPr id="1" name=""/>
-        <p:cNvGrpSpPr/>
-        <p:nvPr/>
-      </p:nvGrpSpPr>
-      <p:grpSpPr>
-        <a:xfrm>
-          <a:off x="0" y="0"/>
-          <a:ext cx="0" cy="0"/>
-          <a:chOff x="0" y="0"/>
-          <a:chExt cx="0" cy="0"/>
-        </a:xfrm>
-      </p:grpSpPr>
-      <p:sp>
-        <p:nvSpPr>
-          <p:cNvPr id="2" name="Title 1"/>
-          <p:cNvSpPr>
-            <a:spLocks noGrp="1"/>
-          </p:cNvSpPr>
-          <p:nvPr>
-            <p:ph type="title"/>
-          </p:nvPr>
-        </p:nvSpPr>
-        <p:spPr/>
-        <p:txBody>
-          <a:bodyPr/>
-          <a:lstStyle/>
-          <a:p>
-            <a:r>
-              <a:rPr lang="en-US" dirty="0"/>
-              <a:t>How to format the SD card</a:t>
-            </a:r>
-          </a:p>
-        </p:txBody>
-      </p:sp>
-      <p:sp>
-        <p:nvSpPr>
-          <p:cNvPr id="3" name="Content Placeholder 2"/>
-          <p:cNvSpPr>
-            <a:spLocks noGrp="1"/>
-          </p:cNvSpPr>
-          <p:nvPr>
-            <p:ph idx="1"/>
-          </p:nvPr>
-        </p:nvSpPr>
-        <p:spPr>
-          <a:xfrm>
-            <a:off x="838200" y="1825625"/>
-            <a:ext cx="4053840" cy="4351338"/>
-          </a:xfrm>
-        </p:spPr>
-        <p:txBody>
-          <a:bodyPr/>
-          <a:lstStyle/>
-          <a:p>
-            <a:pPr marL="0" indent="0">
-              <a:buNone/>
-            </a:pPr>
-            <a:r>
-              <a:rPr lang="en-US" dirty="0"/>
-              <a:t>Search for Raspberry Pi OS</a:t>
-            </a:r>
-          </a:p>
-        </p:txBody>
-      </p:sp>
-      <p:pic>
-        <p:nvPicPr>
-          <p:cNvPr id="4" name="Picture 3"/>
-          <p:cNvPicPr>
-            <a:picLocks noChangeAspect="1"/>
-          </p:cNvPicPr>
-          <p:nvPr/>
-        </p:nvPicPr>
-        <p:blipFill>
-          <a:blip r:embed="rId2"/>
-          <a:stretch>
-            <a:fillRect/>
-          </a:stretch>
-        </p:blipFill>
-        <p:spPr>
-          <a:xfrm>
-            <a:off x="5148069" y="1462088"/>
-            <a:ext cx="6506530" cy="4914899"/>
-          </a:xfrm>
-          <a:prstGeom prst="rect">
-            <a:avLst/>
-          </a:prstGeom>
-        </p:spPr>
-      </p:pic>
-    </p:spTree>
-    <p:extLst>
-      <p:ext uri="{BB962C8B-B14F-4D97-AF65-F5344CB8AC3E}">
-        <p14:creationId xmlns:p14="http://schemas.microsoft.com/office/powerpoint/2010/main" val="3339072767"/>
-      </p:ext>
-    </p:extLst>
   </p:cSld>
   <p:clrMapOvr>
     <a:masterClrMapping/>

--- a/Raspberry Pi Intro.pptx
+++ b/Raspberry Pi Intro.pptx
@@ -280,12 +280,20 @@
 </p:cmAuthorLst>
 </file>
 
+<file path=ppt/revisionInfo.xml><?xml version="1.0" encoding="utf-8"?>
+<p1510:revInfo xmlns:a="http://schemas.openxmlformats.org/drawingml/2006/main" xmlns:r="http://schemas.openxmlformats.org/officeDocument/2006/relationships" xmlns:p1510="http://schemas.microsoft.com/office/powerpoint/2015/10/main">
+  <p1510:revLst>
+    <p1510:client id="{EF5FD52B-6AFD-4697-98B5-A29A746949CC}" v="2" dt="2022-09-21T21:48:40.827"/>
+  </p1510:revLst>
+</p1510:revInfo>
+</file>
+
 <file path=ppt/changesInfos/changesInfo1.xml><?xml version="1.0" encoding="utf-8"?>
 <pc:chgInfo xmlns:a="http://schemas.openxmlformats.org/drawingml/2006/main" xmlns:r="http://schemas.openxmlformats.org/officeDocument/2006/relationships" xmlns:ac="http://schemas.microsoft.com/office/drawing/2013/main/command" xmlns:pc="http://schemas.microsoft.com/office/powerpoint/2013/main/command">
   <pc:docChgLst>
     <pc:chgData name="Kelley, Todd W" userId="d27d4cb4-89b9-4445-97de-d6d70d6b1c5d" providerId="ADAL" clId="{EF5FD52B-6AFD-4697-98B5-A29A746949CC}"/>
-    <pc:docChg chg="addSld modSld">
-      <pc:chgData name="Kelley, Todd W" userId="d27d4cb4-89b9-4445-97de-d6d70d6b1c5d" providerId="ADAL" clId="{EF5FD52B-6AFD-4697-98B5-A29A746949CC}" dt="2022-09-14T17:50:05.233" v="230" actId="6549"/>
+    <pc:docChg chg="undo custSel addSld modSld">
+      <pc:chgData name="Kelley, Todd W" userId="d27d4cb4-89b9-4445-97de-d6d70d6b1c5d" providerId="ADAL" clId="{EF5FD52B-6AFD-4697-98B5-A29A746949CC}" dt="2022-09-22T14:29:02.554" v="371" actId="20577"/>
       <pc:docMkLst>
         <pc:docMk/>
       </pc:docMkLst>
@@ -304,6 +312,21 @@
           </ac:spMkLst>
         </pc:spChg>
       </pc:sldChg>
+      <pc:sldChg chg="modSp">
+        <pc:chgData name="Kelley, Todd W" userId="d27d4cb4-89b9-4445-97de-d6d70d6b1c5d" providerId="ADAL" clId="{EF5FD52B-6AFD-4697-98B5-A29A746949CC}" dt="2022-09-21T21:48:40.827" v="301" actId="14100"/>
+        <pc:sldMkLst>
+          <pc:docMk/>
+          <pc:sldMk cId="3961016685" sldId="268"/>
+        </pc:sldMkLst>
+        <pc:picChg chg="mod">
+          <ac:chgData name="Kelley, Todd W" userId="d27d4cb4-89b9-4445-97de-d6d70d6b1c5d" providerId="ADAL" clId="{EF5FD52B-6AFD-4697-98B5-A29A746949CC}" dt="2022-09-21T21:48:40.827" v="301" actId="14100"/>
+          <ac:picMkLst>
+            <pc:docMk/>
+            <pc:sldMk cId="3961016685" sldId="268"/>
+            <ac:picMk id="1026" creationId="{2E791452-1469-488D-968D-95292D7E8A49}"/>
+          </ac:picMkLst>
+        </pc:picChg>
+      </pc:sldChg>
       <pc:sldChg chg="modSp mod">
         <pc:chgData name="Kelley, Todd W" userId="d27d4cb4-89b9-4445-97de-d6d70d6b1c5d" providerId="ADAL" clId="{EF5FD52B-6AFD-4697-98B5-A29A746949CC}" dt="2022-09-14T17:50:05.233" v="230" actId="6549"/>
         <pc:sldMkLst>
@@ -316,6 +339,29 @@
             <pc:docMk/>
             <pc:sldMk cId="3444751973" sldId="269"/>
             <ac:spMk id="3" creationId="{00000000-0000-0000-0000-000000000000}"/>
+          </ac:spMkLst>
+        </pc:spChg>
+      </pc:sldChg>
+      <pc:sldChg chg="modSp mod modNotesTx">
+        <pc:chgData name="Kelley, Todd W" userId="d27d4cb4-89b9-4445-97de-d6d70d6b1c5d" providerId="ADAL" clId="{EF5FD52B-6AFD-4697-98B5-A29A746949CC}" dt="2022-09-22T14:29:02.554" v="371" actId="20577"/>
+        <pc:sldMkLst>
+          <pc:docMk/>
+          <pc:sldMk cId="2608985330" sldId="272"/>
+        </pc:sldMkLst>
+        <pc:spChg chg="mod">
+          <ac:chgData name="Kelley, Todd W" userId="d27d4cb4-89b9-4445-97de-d6d70d6b1c5d" providerId="ADAL" clId="{EF5FD52B-6AFD-4697-98B5-A29A746949CC}" dt="2022-09-22T14:27:05.738" v="363" actId="1076"/>
+          <ac:spMkLst>
+            <pc:docMk/>
+            <pc:sldMk cId="2608985330" sldId="272"/>
+            <ac:spMk id="3" creationId="{EE695DDB-8AAA-4685-84F5-4F72B981CA3D}"/>
+          </ac:spMkLst>
+        </pc:spChg>
+        <pc:spChg chg="mod">
+          <ac:chgData name="Kelley, Todd W" userId="d27d4cb4-89b9-4445-97de-d6d70d6b1c5d" providerId="ADAL" clId="{EF5FD52B-6AFD-4697-98B5-A29A746949CC}" dt="2022-09-22T14:29:02.554" v="371" actId="20577"/>
+          <ac:spMkLst>
+            <pc:docMk/>
+            <pc:sldMk cId="2608985330" sldId="272"/>
+            <ac:spMk id="5" creationId="{00000000-0000-0000-0000-000000000000}"/>
           </ac:spMkLst>
         </pc:spChg>
       </pc:sldChg>
@@ -437,7 +483,7 @@
           <a:p>
             <a:fld id="{89DC392C-9050-497D-830E-DA763E318C79}" type="datetimeFigureOut">
               <a:rPr lang="en-US" smtClean="0"/>
-              <a:t>9/14/2022</a:t>
+              <a:t>9/21/2022</a:t>
             </a:fld>
             <a:endParaRPr lang="en-US"/>
           </a:p>
@@ -752,6 +798,131 @@
               <a:rPr lang="en-US" dirty="0"/>
               <a:t># https://sourceforge.net/p/raspberry-gpio-python/wiki/Examples/</a:t>
             </a:r>
+          </a:p>
+          <a:p>
+            <a:r>
+              <a:rPr lang="en-US" b="0" i="0" dirty="0">
+                <a:solidFill>
+                  <a:srgbClr val="212529"/>
+                </a:solidFill>
+                <a:effectLst/>
+                <a:latin typeface="-apple-system"/>
+              </a:rPr>
+              <a:t>GPIO BCM (</a:t>
+            </a:r>
+            <a:r>
+              <a:rPr lang="en-US" b="1" i="0" dirty="0">
+                <a:solidFill>
+                  <a:srgbClr val="212529"/>
+                </a:solidFill>
+                <a:effectLst/>
+                <a:latin typeface="-apple-system"/>
+              </a:rPr>
+              <a:t>GPIO.BCM</a:t>
+            </a:r>
+            <a:r>
+              <a:rPr lang="en-US" b="0" i="0" dirty="0">
+                <a:solidFill>
+                  <a:srgbClr val="212529"/>
+                </a:solidFill>
+                <a:effectLst/>
+                <a:latin typeface="-apple-system"/>
+              </a:rPr>
+              <a:t>) is the </a:t>
+            </a:r>
+            <a:r>
+              <a:rPr lang="en-US" b="1" i="0" dirty="0">
+                <a:solidFill>
+                  <a:srgbClr val="212529"/>
+                </a:solidFill>
+                <a:effectLst/>
+                <a:latin typeface="-apple-system"/>
+              </a:rPr>
+              <a:t>B</a:t>
+            </a:r>
+            <a:r>
+              <a:rPr lang="en-US" b="0" i="0" dirty="0">
+                <a:solidFill>
+                  <a:srgbClr val="212529"/>
+                </a:solidFill>
+                <a:effectLst/>
+                <a:latin typeface="-apple-system"/>
+              </a:rPr>
+              <a:t>roadcom </a:t>
+            </a:r>
+            <a:r>
+              <a:rPr lang="en-US" b="1" i="0" dirty="0">
+                <a:solidFill>
+                  <a:srgbClr val="212529"/>
+                </a:solidFill>
+                <a:effectLst/>
+                <a:latin typeface="-apple-system"/>
+              </a:rPr>
+              <a:t>S</a:t>
+            </a:r>
+            <a:r>
+              <a:rPr lang="en-US" b="0" i="0" dirty="0">
+                <a:solidFill>
+                  <a:srgbClr val="212529"/>
+                </a:solidFill>
+                <a:effectLst/>
+                <a:latin typeface="-apple-system"/>
+              </a:rPr>
+              <a:t>oc </a:t>
+            </a:r>
+            <a:r>
+              <a:rPr lang="en-US" b="1" i="0" dirty="0">
+                <a:solidFill>
+                  <a:srgbClr val="212529"/>
+                </a:solidFill>
+                <a:effectLst/>
+                <a:latin typeface="-apple-system"/>
+              </a:rPr>
+              <a:t>C</a:t>
+            </a:r>
+            <a:r>
+              <a:rPr lang="en-US" b="0" i="0" dirty="0">
+                <a:solidFill>
+                  <a:srgbClr val="212529"/>
+                </a:solidFill>
+                <a:effectLst/>
+                <a:latin typeface="-apple-system"/>
+              </a:rPr>
+              <a:t>hannel numbering</a:t>
+            </a:r>
+          </a:p>
+          <a:p>
+            <a:r>
+              <a:rPr lang="en-US" b="0" i="0" dirty="0">
+                <a:solidFill>
+                  <a:srgbClr val="212529"/>
+                </a:solidFill>
+                <a:effectLst/>
+                <a:latin typeface="-apple-system"/>
+              </a:rPr>
+              <a:t>GPIO board (</a:t>
+            </a:r>
+            <a:r>
+              <a:rPr lang="en-US" b="1" i="0" dirty="0" err="1">
+                <a:solidFill>
+                  <a:srgbClr val="212529"/>
+                </a:solidFill>
+                <a:effectLst/>
+                <a:latin typeface="-apple-system"/>
+              </a:rPr>
+              <a:t>GPIO.Board</a:t>
+            </a:r>
+            <a:r>
+              <a:rPr lang="en-US" b="0" i="0" dirty="0">
+                <a:solidFill>
+                  <a:srgbClr val="212529"/>
+                </a:solidFill>
+                <a:effectLst/>
+                <a:latin typeface="-apple-system"/>
+              </a:rPr>
+              <a:t>) is the pin reference numbering system</a:t>
+            </a:r>
+            <a:endParaRPr lang="en-US" dirty="0"/>
           </a:p>
         </p:txBody>
       </p:sp>
@@ -41415,7 +41586,7 @@
           <a:p>
             <a:fld id="{753AC6FD-C489-4773-8211-D5E6AABF82B7}" type="datetimeFigureOut">
               <a:rPr lang="en-US" smtClean="0"/>
-              <a:t>9/14/2022</a:t>
+              <a:t>9/21/2022</a:t>
             </a:fld>
             <a:endParaRPr lang="en-US"/>
           </a:p>
@@ -54584,8 +54755,8 @@
         </p:nvSpPr>
         <p:spPr>
           <a:xfrm>
-            <a:off x="550118" y="1531581"/>
-            <a:ext cx="6488858" cy="4832092"/>
+            <a:off x="550117" y="1531581"/>
+            <a:ext cx="7412783" cy="4832092"/>
           </a:xfrm>
           <a:prstGeom prst="rect">
             <a:avLst/>
@@ -54667,7 +54838,7 @@
           <a:p>
             <a:r>
               <a:rPr lang="en-US" dirty="0"/>
-              <a:t>duty = 50 </a:t>
+              <a:t>duty = 10 </a:t>
             </a:r>
           </a:p>
           <a:p>
@@ -54697,6 +54868,14 @@
             <a:r>
               <a:rPr lang="en-US" dirty="0"/>
               <a:t>(GPIO.BCM) # BCM way of referring to pins </a:t>
+            </a:r>
+            <a:r>
+              <a:rPr lang="en-US" dirty="0" err="1"/>
+              <a:t>GPIO.Board</a:t>
+            </a:r>
+            <a:r>
+              <a:rPr lang="en-US" dirty="0"/>
+              <a:t> uses pin numbers </a:t>
             </a:r>
           </a:p>
           <a:p>
@@ -54779,8 +54958,13 @@
             </a:r>
             <a:r>
               <a:rPr lang="en-US" dirty="0"/>
-              <a:t>, 1000) # PWM frequency = 200Hz </a:t>
+              <a:t>, 1000) # PWM </a:t>
             </a:r>
+            <a:r>
+              <a:rPr lang="en-US"/>
+              <a:t>frequency in Hz </a:t>
+            </a:r>
+            <a:endParaRPr lang="en-US" dirty="0"/>
           </a:p>
           <a:p>
             <a:endParaRPr lang="en-US" dirty="0"/>
@@ -54832,8 +55016,8 @@
         </p:nvSpPr>
         <p:spPr>
           <a:xfrm>
-            <a:off x="7865595" y="1747025"/>
-            <a:ext cx="3776287" cy="4616648"/>
+            <a:off x="8189445" y="885250"/>
+            <a:ext cx="3776287" cy="5478423"/>
           </a:xfrm>
           <a:prstGeom prst="rect">
             <a:avLst/>
@@ -54920,7 +55104,7 @@
             </a:r>
             <a:r>
               <a:rPr lang="en-US" dirty="0"/>
-              <a:t>, GPIO.LOW) </a:t>
+              <a:t>, GPIO.HIGH) </a:t>
             </a:r>
           </a:p>
           <a:p>
@@ -54960,13 +55144,19 @@
             </a:r>
             <a:r>
               <a:rPr lang="en-US" dirty="0"/>
-              <a:t>, GPIO.HIGH) </a:t>
+              <a:t>, GPIO.LOW) </a:t>
             </a:r>
           </a:p>
           <a:p>
             <a:r>
               <a:rPr lang="en-US" dirty="0"/>
-              <a:t>            </a:t>
+              <a:t>            for dc in range(1, 101, 1): # Increase duty cycle: 0~100</a:t>
+            </a:r>
+          </a:p>
+          <a:p>
+            <a:r>
+              <a:rPr lang="en-US" dirty="0"/>
+              <a:t>                </a:t>
             </a:r>
             <a:r>
               <a:rPr lang="en-US" dirty="0" err="1"/>
@@ -54974,13 +55164,13 @@
             </a:r>
             <a:r>
               <a:rPr lang="en-US" dirty="0"/>
-              <a:t>(duty) </a:t>
+              <a:t>(dc) # Change duty cycle</a:t>
             </a:r>
           </a:p>
           <a:p>
             <a:r>
               <a:rPr lang="en-US" dirty="0"/>
-              <a:t>            </a:t>
+              <a:t>                </a:t>
             </a:r>
             <a:r>
               <a:rPr lang="en-US" dirty="0" err="1"/>
@@ -54988,35 +55178,19 @@
             </a:r>
             <a:r>
               <a:rPr lang="en-US" dirty="0"/>
-              <a:t>(1.5) </a:t>
+              <a:t>(0.02)</a:t>
             </a:r>
           </a:p>
           <a:p>
             <a:r>
               <a:rPr lang="en-US" dirty="0"/>
-              <a:t>            </a:t>
-            </a:r>
-            <a:r>
-              <a:rPr lang="en-US" dirty="0" err="1"/>
-              <a:t>GPIO.output</a:t>
-            </a:r>
-            <a:r>
-              <a:rPr lang="en-US" dirty="0"/>
-              <a:t>(</a:t>
-            </a:r>
-            <a:r>
-              <a:rPr lang="en-US" dirty="0" err="1"/>
-              <a:t>ledPin</a:t>
-            </a:r>
-            <a:r>
-              <a:rPr lang="en-US" dirty="0"/>
-              <a:t>, GPIO.LOW) </a:t>
+              <a:t>            for dc in range(100, 0, -1): # Decrease duty cycle: 100~0</a:t>
             </a:r>
           </a:p>
           <a:p>
             <a:r>
               <a:rPr lang="en-US" dirty="0"/>
-              <a:t>            </a:t>
+              <a:t>                </a:t>
             </a:r>
             <a:r>
               <a:rPr lang="en-US" dirty="0" err="1"/>
@@ -55024,13 +55198,13 @@
             </a:r>
             <a:r>
               <a:rPr lang="en-US" dirty="0"/>
-              <a:t>(100) </a:t>
+              <a:t>(dc)</a:t>
             </a:r>
           </a:p>
           <a:p>
             <a:r>
               <a:rPr lang="en-US" dirty="0"/>
-              <a:t>            </a:t>
+              <a:t>                </a:t>
             </a:r>
             <a:r>
               <a:rPr lang="en-US" dirty="0" err="1"/>
@@ -55038,7 +55212,7 @@
             </a:r>
             <a:r>
               <a:rPr lang="en-US" dirty="0"/>
-              <a:t>(1.5) </a:t>
+              <a:t>(0.02)</a:t>
             </a:r>
           </a:p>
           <a:p>
@@ -55089,7 +55263,7 @@
             </a:r>
             <a:r>
               <a:rPr lang="en-US" dirty="0"/>
-              <a:t>() </a:t>
+              <a:t>()</a:t>
             </a:r>
           </a:p>
         </p:txBody>

--- a/Raspberry Pi Intro.pptx
+++ b/Raspberry Pi Intro.pptx
@@ -280,121 +280,21 @@
 </p:cmAuthorLst>
 </file>
 
-<file path=ppt/revisionInfo.xml><?xml version="1.0" encoding="utf-8"?>
-<p1510:revInfo xmlns:a="http://schemas.openxmlformats.org/drawingml/2006/main" xmlns:r="http://schemas.openxmlformats.org/officeDocument/2006/relationships" xmlns:p1510="http://schemas.microsoft.com/office/powerpoint/2015/10/main">
-  <p1510:revLst>
-    <p1510:client id="{EF5FD52B-6AFD-4697-98B5-A29A746949CC}" v="2" dt="2022-09-21T21:48:40.827"/>
-  </p1510:revLst>
-</p1510:revInfo>
-</file>
-
 <file path=ppt/changesInfos/changesInfo1.xml><?xml version="1.0" encoding="utf-8"?>
 <pc:chgInfo xmlns:a="http://schemas.openxmlformats.org/drawingml/2006/main" xmlns:r="http://schemas.openxmlformats.org/officeDocument/2006/relationships" xmlns:ac="http://schemas.microsoft.com/office/drawing/2013/main/command" xmlns:pc="http://schemas.microsoft.com/office/powerpoint/2013/main/command">
   <pc:docChgLst>
-    <pc:chgData name="Kelley, Todd W" userId="d27d4cb4-89b9-4445-97de-d6d70d6b1c5d" providerId="ADAL" clId="{EF5FD52B-6AFD-4697-98B5-A29A746949CC}"/>
-    <pc:docChg chg="undo custSel addSld modSld">
-      <pc:chgData name="Kelley, Todd W" userId="d27d4cb4-89b9-4445-97de-d6d70d6b1c5d" providerId="ADAL" clId="{EF5FD52B-6AFD-4697-98B5-A29A746949CC}" dt="2022-09-22T14:29:02.554" v="371" actId="20577"/>
+    <pc:chgData name="Kelley, Todd W" userId="d27d4cb4-89b9-4445-97de-d6d70d6b1c5d" providerId="ADAL" clId="{9C9C5C14-3054-4EDC-B148-AFDFF93F58B0}"/>
+    <pc:docChg chg="modSld">
+      <pc:chgData name="Kelley, Todd W" userId="d27d4cb4-89b9-4445-97de-d6d70d6b1c5d" providerId="ADAL" clId="{9C9C5C14-3054-4EDC-B148-AFDFF93F58B0}" dt="2022-09-22T14:43:13.998" v="33" actId="20577"/>
       <pc:docMkLst>
         <pc:docMk/>
       </pc:docMkLst>
-      <pc:sldChg chg="modSp mod">
-        <pc:chgData name="Kelley, Todd W" userId="d27d4cb4-89b9-4445-97de-d6d70d6b1c5d" providerId="ADAL" clId="{EF5FD52B-6AFD-4697-98B5-A29A746949CC}" dt="2022-09-14T17:49:43.576" v="229" actId="6549"/>
-        <pc:sldMkLst>
-          <pc:docMk/>
-          <pc:sldMk cId="1982202001" sldId="266"/>
-        </pc:sldMkLst>
-        <pc:spChg chg="mod">
-          <ac:chgData name="Kelley, Todd W" userId="d27d4cb4-89b9-4445-97de-d6d70d6b1c5d" providerId="ADAL" clId="{EF5FD52B-6AFD-4697-98B5-A29A746949CC}" dt="2022-09-14T17:49:43.576" v="229" actId="6549"/>
-          <ac:spMkLst>
-            <pc:docMk/>
-            <pc:sldMk cId="1982202001" sldId="266"/>
-            <ac:spMk id="3" creationId="{00000000-0000-0000-0000-000000000000}"/>
-          </ac:spMkLst>
-        </pc:spChg>
-      </pc:sldChg>
-      <pc:sldChg chg="modSp">
-        <pc:chgData name="Kelley, Todd W" userId="d27d4cb4-89b9-4445-97de-d6d70d6b1c5d" providerId="ADAL" clId="{EF5FD52B-6AFD-4697-98B5-A29A746949CC}" dt="2022-09-21T21:48:40.827" v="301" actId="14100"/>
-        <pc:sldMkLst>
-          <pc:docMk/>
-          <pc:sldMk cId="3961016685" sldId="268"/>
-        </pc:sldMkLst>
-        <pc:picChg chg="mod">
-          <ac:chgData name="Kelley, Todd W" userId="d27d4cb4-89b9-4445-97de-d6d70d6b1c5d" providerId="ADAL" clId="{EF5FD52B-6AFD-4697-98B5-A29A746949CC}" dt="2022-09-21T21:48:40.827" v="301" actId="14100"/>
-          <ac:picMkLst>
-            <pc:docMk/>
-            <pc:sldMk cId="3961016685" sldId="268"/>
-            <ac:picMk id="1026" creationId="{2E791452-1469-488D-968D-95292D7E8A49}"/>
-          </ac:picMkLst>
-        </pc:picChg>
-      </pc:sldChg>
-      <pc:sldChg chg="modSp mod">
-        <pc:chgData name="Kelley, Todd W" userId="d27d4cb4-89b9-4445-97de-d6d70d6b1c5d" providerId="ADAL" clId="{EF5FD52B-6AFD-4697-98B5-A29A746949CC}" dt="2022-09-14T17:50:05.233" v="230" actId="6549"/>
-        <pc:sldMkLst>
-          <pc:docMk/>
-          <pc:sldMk cId="3444751973" sldId="269"/>
-        </pc:sldMkLst>
-        <pc:spChg chg="mod">
-          <ac:chgData name="Kelley, Todd W" userId="d27d4cb4-89b9-4445-97de-d6d70d6b1c5d" providerId="ADAL" clId="{EF5FD52B-6AFD-4697-98B5-A29A746949CC}" dt="2022-09-14T17:50:05.233" v="230" actId="6549"/>
-          <ac:spMkLst>
-            <pc:docMk/>
-            <pc:sldMk cId="3444751973" sldId="269"/>
-            <ac:spMk id="3" creationId="{00000000-0000-0000-0000-000000000000}"/>
-          </ac:spMkLst>
-        </pc:spChg>
-      </pc:sldChg>
-      <pc:sldChg chg="modSp mod modNotesTx">
-        <pc:chgData name="Kelley, Todd W" userId="d27d4cb4-89b9-4445-97de-d6d70d6b1c5d" providerId="ADAL" clId="{EF5FD52B-6AFD-4697-98B5-A29A746949CC}" dt="2022-09-22T14:29:02.554" v="371" actId="20577"/>
+      <pc:sldChg chg="modNotesTx">
+        <pc:chgData name="Kelley, Todd W" userId="d27d4cb4-89b9-4445-97de-d6d70d6b1c5d" providerId="ADAL" clId="{9C9C5C14-3054-4EDC-B148-AFDFF93F58B0}" dt="2022-09-22T14:43:13.998" v="33" actId="20577"/>
         <pc:sldMkLst>
           <pc:docMk/>
           <pc:sldMk cId="2608985330" sldId="272"/>
         </pc:sldMkLst>
-        <pc:spChg chg="mod">
-          <ac:chgData name="Kelley, Todd W" userId="d27d4cb4-89b9-4445-97de-d6d70d6b1c5d" providerId="ADAL" clId="{EF5FD52B-6AFD-4697-98B5-A29A746949CC}" dt="2022-09-22T14:27:05.738" v="363" actId="1076"/>
-          <ac:spMkLst>
-            <pc:docMk/>
-            <pc:sldMk cId="2608985330" sldId="272"/>
-            <ac:spMk id="3" creationId="{EE695DDB-8AAA-4685-84F5-4F72B981CA3D}"/>
-          </ac:spMkLst>
-        </pc:spChg>
-        <pc:spChg chg="mod">
-          <ac:chgData name="Kelley, Todd W" userId="d27d4cb4-89b9-4445-97de-d6d70d6b1c5d" providerId="ADAL" clId="{EF5FD52B-6AFD-4697-98B5-A29A746949CC}" dt="2022-09-22T14:29:02.554" v="371" actId="20577"/>
-          <ac:spMkLst>
-            <pc:docMk/>
-            <pc:sldMk cId="2608985330" sldId="272"/>
-            <ac:spMk id="5" creationId="{00000000-0000-0000-0000-000000000000}"/>
-          </ac:spMkLst>
-        </pc:spChg>
-      </pc:sldChg>
-      <pc:sldChg chg="addSp modSp add mod">
-        <pc:chgData name="Kelley, Todd W" userId="d27d4cb4-89b9-4445-97de-d6d70d6b1c5d" providerId="ADAL" clId="{EF5FD52B-6AFD-4697-98B5-A29A746949CC}" dt="2022-09-14T17:49:34.657" v="228" actId="208"/>
-        <pc:sldMkLst>
-          <pc:docMk/>
-          <pc:sldMk cId="1539767755" sldId="304"/>
-        </pc:sldMkLst>
-        <pc:spChg chg="mod">
-          <ac:chgData name="Kelley, Todd W" userId="d27d4cb4-89b9-4445-97de-d6d70d6b1c5d" providerId="ADAL" clId="{EF5FD52B-6AFD-4697-98B5-A29A746949CC}" dt="2022-09-14T17:47:13.324" v="13" actId="20577"/>
-          <ac:spMkLst>
-            <pc:docMk/>
-            <pc:sldMk cId="1539767755" sldId="304"/>
-            <ac:spMk id="2" creationId="{00000000-0000-0000-0000-000000000000}"/>
-          </ac:spMkLst>
-        </pc:spChg>
-        <pc:spChg chg="mod">
-          <ac:chgData name="Kelley, Todd W" userId="d27d4cb4-89b9-4445-97de-d6d70d6b1c5d" providerId="ADAL" clId="{EF5FD52B-6AFD-4697-98B5-A29A746949CC}" dt="2022-09-14T17:49:15.691" v="224" actId="20577"/>
-          <ac:spMkLst>
-            <pc:docMk/>
-            <pc:sldMk cId="1539767755" sldId="304"/>
-            <ac:spMk id="3" creationId="{00000000-0000-0000-0000-000000000000}"/>
-          </ac:spMkLst>
-        </pc:spChg>
-        <pc:spChg chg="add mod">
-          <ac:chgData name="Kelley, Todd W" userId="d27d4cb4-89b9-4445-97de-d6d70d6b1c5d" providerId="ADAL" clId="{EF5FD52B-6AFD-4697-98B5-A29A746949CC}" dt="2022-09-14T17:49:34.657" v="228" actId="208"/>
-          <ac:spMkLst>
-            <pc:docMk/>
-            <pc:sldMk cId="1539767755" sldId="304"/>
-            <ac:spMk id="5" creationId="{8747CDED-80E6-4A5E-BDB7-AAED6CD52FDE}"/>
-          </ac:spMkLst>
-        </pc:spChg>
       </pc:sldChg>
     </pc:docChg>
   </pc:docChgLst>
@@ -483,7 +383,7 @@
           <a:p>
             <a:fld id="{89DC392C-9050-497D-830E-DA763E318C79}" type="datetimeFigureOut">
               <a:rPr lang="en-US" smtClean="0"/>
-              <a:t>9/21/2022</a:t>
+              <a:t>9/22/2022</a:t>
             </a:fld>
             <a:endParaRPr lang="en-US"/>
           </a:p>
@@ -801,126 +701,16 @@
           </a:p>
           <a:p>
             <a:r>
-              <a:rPr lang="en-US" b="0" i="0" dirty="0">
-                <a:solidFill>
-                  <a:srgbClr val="212529"/>
-                </a:solidFill>
-                <a:effectLst/>
-                <a:latin typeface="-apple-system"/>
-              </a:rPr>
-              <a:t>GPIO BCM (</a:t>
-            </a:r>
-            <a:r>
-              <a:rPr lang="en-US" b="1" i="0" dirty="0">
-                <a:solidFill>
-                  <a:srgbClr val="212529"/>
-                </a:solidFill>
-                <a:effectLst/>
-                <a:latin typeface="-apple-system"/>
-              </a:rPr>
-              <a:t>GPIO.BCM</a:t>
-            </a:r>
-            <a:r>
-              <a:rPr lang="en-US" b="0" i="0" dirty="0">
-                <a:solidFill>
-                  <a:srgbClr val="212529"/>
-                </a:solidFill>
-                <a:effectLst/>
-                <a:latin typeface="-apple-system"/>
-              </a:rPr>
-              <a:t>) is the </a:t>
-            </a:r>
-            <a:r>
-              <a:rPr lang="en-US" b="1" i="0" dirty="0">
-                <a:solidFill>
-                  <a:srgbClr val="212529"/>
-                </a:solidFill>
-                <a:effectLst/>
-                <a:latin typeface="-apple-system"/>
-              </a:rPr>
-              <a:t>B</a:t>
-            </a:r>
-            <a:r>
-              <a:rPr lang="en-US" b="0" i="0" dirty="0">
-                <a:solidFill>
-                  <a:srgbClr val="212529"/>
-                </a:solidFill>
-                <a:effectLst/>
-                <a:latin typeface="-apple-system"/>
-              </a:rPr>
-              <a:t>roadcom </a:t>
-            </a:r>
-            <a:r>
-              <a:rPr lang="en-US" b="1" i="0" dirty="0">
-                <a:solidFill>
-                  <a:srgbClr val="212529"/>
-                </a:solidFill>
-                <a:effectLst/>
-                <a:latin typeface="-apple-system"/>
-              </a:rPr>
-              <a:t>S</a:t>
-            </a:r>
-            <a:r>
-              <a:rPr lang="en-US" b="0" i="0" dirty="0">
-                <a:solidFill>
-                  <a:srgbClr val="212529"/>
-                </a:solidFill>
-                <a:effectLst/>
-                <a:latin typeface="-apple-system"/>
-              </a:rPr>
-              <a:t>oc </a:t>
-            </a:r>
-            <a:r>
-              <a:rPr lang="en-US" b="1" i="0" dirty="0">
-                <a:solidFill>
-                  <a:srgbClr val="212529"/>
-                </a:solidFill>
-                <a:effectLst/>
-                <a:latin typeface="-apple-system"/>
-              </a:rPr>
-              <a:t>C</a:t>
-            </a:r>
-            <a:r>
-              <a:rPr lang="en-US" b="0" i="0" dirty="0">
-                <a:solidFill>
-                  <a:srgbClr val="212529"/>
-                </a:solidFill>
-                <a:effectLst/>
-                <a:latin typeface="-apple-system"/>
-              </a:rPr>
-              <a:t>hannel numbering</a:t>
-            </a:r>
-          </a:p>
-          <a:p>
-            <a:r>
-              <a:rPr lang="en-US" b="0" i="0" dirty="0">
-                <a:solidFill>
-                  <a:srgbClr val="212529"/>
-                </a:solidFill>
-                <a:effectLst/>
-                <a:latin typeface="-apple-system"/>
-              </a:rPr>
-              <a:t>GPIO board (</a:t>
-            </a:r>
-            <a:r>
-              <a:rPr lang="en-US" b="1" i="0" dirty="0" err="1">
-                <a:solidFill>
-                  <a:srgbClr val="212529"/>
-                </a:solidFill>
-                <a:effectLst/>
-                <a:latin typeface="-apple-system"/>
-              </a:rPr>
+              <a:rPr lang="en-US" dirty="0" err="1"/>
               <a:t>GPIO.Board</a:t>
             </a:r>
             <a:r>
-              <a:rPr lang="en-US" b="0" i="0" dirty="0">
-                <a:solidFill>
-                  <a:srgbClr val="212529"/>
-                </a:solidFill>
-                <a:effectLst/>
-                <a:latin typeface="-apple-system"/>
-              </a:rPr>
-              <a:t>) is the pin reference numbering system</a:t>
+              <a:rPr lang="en-US" dirty="0"/>
+              <a:t> will refer </a:t>
+            </a:r>
+            <a:r>
+              <a:rPr lang="en-US"/>
+              <a:t>to the pins</a:t>
             </a:r>
             <a:endParaRPr lang="en-US" dirty="0"/>
           </a:p>
@@ -41586,7 +41376,7 @@
           <a:p>
             <a:fld id="{753AC6FD-C489-4773-8211-D5E6AABF82B7}" type="datetimeFigureOut">
               <a:rPr lang="en-US" smtClean="0"/>
-              <a:t>9/21/2022</a:t>
+              <a:t>9/22/2022</a:t>
             </a:fld>
             <a:endParaRPr lang="en-US"/>
           </a:p>
@@ -54755,8 +54545,8 @@
         </p:nvSpPr>
         <p:spPr>
           <a:xfrm>
-            <a:off x="550117" y="1531581"/>
-            <a:ext cx="7412783" cy="4832092"/>
+            <a:off x="550118" y="1531581"/>
+            <a:ext cx="5231557" cy="5262979"/>
           </a:xfrm>
           <a:prstGeom prst="rect">
             <a:avLst/>
@@ -54781,13 +54571,19 @@
             </a:r>
             <a:r>
               <a:rPr lang="en-US" dirty="0"/>
-              <a:t> as GPIO</a:t>
+              <a:t> as GPIO </a:t>
             </a:r>
           </a:p>
           <a:p>
             <a:r>
               <a:rPr lang="en-US" dirty="0"/>
-              <a:t>import time </a:t>
+              <a:t>import time</a:t>
+            </a:r>
+          </a:p>
+          <a:p>
+            <a:r>
+              <a:rPr lang="en-US" dirty="0"/>
+              <a:t>import sys </a:t>
             </a:r>
           </a:p>
           <a:p>
@@ -54812,7 +54608,7 @@
             </a:r>
             <a:r>
               <a:rPr lang="en-US" dirty="0"/>
-              <a:t> = 18 </a:t>
+              <a:t> = 23 </a:t>
             </a:r>
           </a:p>
           <a:p>
@@ -54822,7 +54618,7 @@
             </a:r>
             <a:r>
               <a:rPr lang="en-US" dirty="0"/>
-              <a:t> = 23 </a:t>
+              <a:t> = 18</a:t>
             </a:r>
           </a:p>
           <a:p>
@@ -54838,7 +54634,7 @@
           <a:p>
             <a:r>
               <a:rPr lang="en-US" dirty="0"/>
-              <a:t>duty = 10 </a:t>
+              <a:t>duty = 10</a:t>
             </a:r>
           </a:p>
           <a:p>
@@ -54849,6 +54645,9 @@
               <a:rPr lang="en-US" dirty="0"/>
               <a:t>##GPIO setup ## </a:t>
             </a:r>
+          </a:p>
+          <a:p>
+            <a:endParaRPr lang="en-US" dirty="0"/>
           </a:p>
           <a:p>
             <a:r>
@@ -54868,14 +54667,6 @@
             <a:r>
               <a:rPr lang="en-US" dirty="0"/>
               <a:t>(GPIO.BCM) # BCM way of referring to pins </a:t>
-            </a:r>
-            <a:r>
-              <a:rPr lang="en-US" dirty="0" err="1"/>
-              <a:t>GPIO.Board</a:t>
-            </a:r>
-            <a:r>
-              <a:rPr lang="en-US" dirty="0"/>
-              <a:t> uses pin numbers </a:t>
             </a:r>
           </a:p>
           <a:p>
@@ -54958,13 +54749,8 @@
             </a:r>
             <a:r>
               <a:rPr lang="en-US" dirty="0"/>
-              <a:t>, 1000) # PWM </a:t>
+              <a:t>, 2000) # PWM frequency in Hz </a:t>
             </a:r>
-            <a:r>
-              <a:rPr lang="en-US"/>
-              <a:t>frequency in Hz </a:t>
-            </a:r>
-            <a:endParaRPr lang="en-US" dirty="0"/>
           </a:p>
           <a:p>
             <a:endParaRPr lang="en-US" dirty="0"/>
@@ -54988,17 +54774,17 @@
             </a:r>
           </a:p>
           <a:p>
+            <a:endParaRPr lang="en-US" dirty="0"/>
+          </a:p>
+          <a:p>
             <a:r>
               <a:rPr lang="en-US" dirty="0" err="1"/>
               <a:t>pwm.start</a:t>
             </a:r>
             <a:r>
               <a:rPr lang="en-US" dirty="0"/>
-              <a:t>(duty) # start at 75% </a:t>
+              <a:t>(duty) # start at 10% </a:t>
             </a:r>
-          </a:p>
-          <a:p>
-            <a:endParaRPr lang="en-US" dirty="0"/>
           </a:p>
         </p:txBody>
       </p:sp>
@@ -55016,8 +54802,8 @@
         </p:nvSpPr>
         <p:spPr>
           <a:xfrm>
-            <a:off x="8189445" y="885250"/>
-            <a:ext cx="3776287" cy="5478423"/>
+            <a:off x="6096000" y="1531581"/>
+            <a:ext cx="5600698" cy="4832092"/>
           </a:xfrm>
           <a:prstGeom prst="rect">
             <a:avLst/>
@@ -55263,7 +55049,7 @@
             </a:r>
             <a:r>
               <a:rPr lang="en-US" dirty="0"/>
-              <a:t>()</a:t>
+              <a:t>() </a:t>
             </a:r>
           </a:p>
         </p:txBody>

--- a/Raspberry Pi Intro.pptx
+++ b/Raspberry Pi Intro.pptx
@@ -5,32 +5,38 @@
     <p:sldMasterId id="2147483660" r:id="rId1"/>
   </p:sldMasterIdLst>
   <p:notesMasterIdLst>
-    <p:notesMasterId r:id="rId22"/>
+    <p:notesMasterId r:id="rId28"/>
   </p:notesMasterIdLst>
   <p:sldIdLst>
     <p:sldId id="256" r:id="rId2"/>
-    <p:sldId id="257" r:id="rId3"/>
-    <p:sldId id="258" r:id="rId4"/>
-    <p:sldId id="259" r:id="rId5"/>
-    <p:sldId id="260" r:id="rId6"/>
-    <p:sldId id="261" r:id="rId7"/>
-    <p:sldId id="262" r:id="rId8"/>
-    <p:sldId id="263" r:id="rId9"/>
-    <p:sldId id="264" r:id="rId10"/>
-    <p:sldId id="265" r:id="rId11"/>
-    <p:sldId id="304" r:id="rId12"/>
-    <p:sldId id="266" r:id="rId13"/>
-    <p:sldId id="271" r:id="rId14"/>
-    <p:sldId id="269" r:id="rId15"/>
-    <p:sldId id="270" r:id="rId16"/>
-    <p:sldId id="268" r:id="rId17"/>
-    <p:sldId id="273" r:id="rId18"/>
-    <p:sldId id="274" r:id="rId19"/>
-    <p:sldId id="272" r:id="rId20"/>
-    <p:sldId id="303" r:id="rId21"/>
+    <p:sldId id="305" r:id="rId3"/>
+    <p:sldId id="306" r:id="rId4"/>
+    <p:sldId id="308" r:id="rId5"/>
+    <p:sldId id="307" r:id="rId6"/>
+    <p:sldId id="264" r:id="rId7"/>
+    <p:sldId id="265" r:id="rId8"/>
+    <p:sldId id="304" r:id="rId9"/>
+    <p:sldId id="257" r:id="rId10"/>
+    <p:sldId id="258" r:id="rId11"/>
+    <p:sldId id="259" r:id="rId12"/>
+    <p:sldId id="260" r:id="rId13"/>
+    <p:sldId id="261" r:id="rId14"/>
+    <p:sldId id="262" r:id="rId15"/>
+    <p:sldId id="263" r:id="rId16"/>
+    <p:sldId id="266" r:id="rId17"/>
+    <p:sldId id="309" r:id="rId18"/>
+    <p:sldId id="310" r:id="rId19"/>
+    <p:sldId id="271" r:id="rId20"/>
+    <p:sldId id="269" r:id="rId21"/>
+    <p:sldId id="311" r:id="rId22"/>
+    <p:sldId id="270" r:id="rId23"/>
+    <p:sldId id="268" r:id="rId24"/>
+    <p:sldId id="273" r:id="rId25"/>
+    <p:sldId id="272" r:id="rId26"/>
+    <p:sldId id="303" r:id="rId27"/>
   </p:sldIdLst>
   <p:sldSz cx="12192000" cy="6858000"/>
-  <p:notesSz cx="6858000" cy="9144000"/>
+  <p:notesSz cx="7053263" cy="9309100"/>
   <p:defaultTextStyle>
     <a:defPPr marR="0" lvl="0" algn="l" rtl="0">
       <a:lnSpc>
@@ -280,6 +286,14 @@
 </p:cmAuthorLst>
 </file>
 
+<file path=ppt/revisionInfo.xml><?xml version="1.0" encoding="utf-8"?>
+<p1510:revInfo xmlns:a="http://schemas.openxmlformats.org/drawingml/2006/main" xmlns:r="http://schemas.openxmlformats.org/officeDocument/2006/relationships" xmlns:p1510="http://schemas.microsoft.com/office/powerpoint/2015/10/main">
+  <p1510:revLst>
+    <p1510:client id="{45CD42A0-997B-4F73-9F93-59BF539EDB4D}" v="46" dt="2023-02-15T20:35:33.309"/>
+  </p1510:revLst>
+</p1510:revInfo>
+</file>
+
 <file path=ppt/changesInfos/changesInfo1.xml><?xml version="1.0" encoding="utf-8"?>
 <pc:chgInfo xmlns:a="http://schemas.openxmlformats.org/drawingml/2006/main" xmlns:r="http://schemas.openxmlformats.org/officeDocument/2006/relationships" xmlns:ac="http://schemas.microsoft.com/office/drawing/2013/main/command" xmlns:pc="http://schemas.microsoft.com/office/powerpoint/2013/main/command">
   <pc:docChgLst>
@@ -295,6 +309,809 @@
           <pc:docMk/>
           <pc:sldMk cId="2608985330" sldId="272"/>
         </pc:sldMkLst>
+      </pc:sldChg>
+    </pc:docChg>
+  </pc:docChgLst>
+  <pc:docChgLst>
+    <pc:chgData name="Todd Kelley" userId="d27d4cb4-89b9-4445-97de-d6d70d6b1c5d" providerId="ADAL" clId="{45CD42A0-997B-4F73-9F93-59BF539EDB4D}"/>
+    <pc:docChg chg="undo custSel addSld delSld modSld modNotesMaster">
+      <pc:chgData name="Todd Kelley" userId="d27d4cb4-89b9-4445-97de-d6d70d6b1c5d" providerId="ADAL" clId="{45CD42A0-997B-4F73-9F93-59BF539EDB4D}" dt="2023-02-16T14:52:25.777" v="1402" actId="1076"/>
+      <pc:docMkLst>
+        <pc:docMk/>
+      </pc:docMkLst>
+      <pc:sldChg chg="del">
+        <pc:chgData name="Todd Kelley" userId="d27d4cb4-89b9-4445-97de-d6d70d6b1c5d" providerId="ADAL" clId="{45CD42A0-997B-4F73-9F93-59BF539EDB4D}" dt="2023-02-15T19:13:47.193" v="441" actId="2696"/>
+        <pc:sldMkLst>
+          <pc:docMk/>
+          <pc:sldMk cId="338125221" sldId="264"/>
+        </pc:sldMkLst>
+      </pc:sldChg>
+      <pc:sldChg chg="addSp delSp modSp add mod">
+        <pc:chgData name="Todd Kelley" userId="d27d4cb4-89b9-4445-97de-d6d70d6b1c5d" providerId="ADAL" clId="{45CD42A0-997B-4F73-9F93-59BF539EDB4D}" dt="2023-02-15T20:04:23.665" v="851" actId="14100"/>
+        <pc:sldMkLst>
+          <pc:docMk/>
+          <pc:sldMk cId="2221088527" sldId="264"/>
+        </pc:sldMkLst>
+        <pc:spChg chg="mod">
+          <ac:chgData name="Todd Kelley" userId="d27d4cb4-89b9-4445-97de-d6d70d6b1c5d" providerId="ADAL" clId="{45CD42A0-997B-4F73-9F93-59BF539EDB4D}" dt="2023-02-15T19:34:36.581" v="757" actId="20577"/>
+          <ac:spMkLst>
+            <pc:docMk/>
+            <pc:sldMk cId="2221088527" sldId="264"/>
+            <ac:spMk id="2" creationId="{00000000-0000-0000-0000-000000000000}"/>
+          </ac:spMkLst>
+        </pc:spChg>
+        <pc:spChg chg="mod">
+          <ac:chgData name="Todd Kelley" userId="d27d4cb4-89b9-4445-97de-d6d70d6b1c5d" providerId="ADAL" clId="{45CD42A0-997B-4F73-9F93-59BF539EDB4D}" dt="2023-02-15T19:35:24.299" v="795" actId="242"/>
+          <ac:spMkLst>
+            <pc:docMk/>
+            <pc:sldMk cId="2221088527" sldId="264"/>
+            <ac:spMk id="3" creationId="{00000000-0000-0000-0000-000000000000}"/>
+          </ac:spMkLst>
+        </pc:spChg>
+        <pc:spChg chg="add del">
+          <ac:chgData name="Todd Kelley" userId="d27d4cb4-89b9-4445-97de-d6d70d6b1c5d" providerId="ADAL" clId="{45CD42A0-997B-4F73-9F93-59BF539EDB4D}" dt="2023-02-15T19:36:24.124" v="798" actId="478"/>
+          <ac:spMkLst>
+            <pc:docMk/>
+            <pc:sldMk cId="2221088527" sldId="264"/>
+            <ac:spMk id="6" creationId="{37152DD6-3146-30BB-957F-8DA681FD5040}"/>
+          </ac:spMkLst>
+        </pc:spChg>
+        <pc:picChg chg="mod modCrop">
+          <ac:chgData name="Todd Kelley" userId="d27d4cb4-89b9-4445-97de-d6d70d6b1c5d" providerId="ADAL" clId="{45CD42A0-997B-4F73-9F93-59BF539EDB4D}" dt="2023-02-15T20:04:23.665" v="851" actId="14100"/>
+          <ac:picMkLst>
+            <pc:docMk/>
+            <pc:sldMk cId="2221088527" sldId="264"/>
+            <ac:picMk id="4" creationId="{00000000-0000-0000-0000-000000000000}"/>
+          </ac:picMkLst>
+        </pc:picChg>
+        <pc:picChg chg="add mod">
+          <ac:chgData name="Todd Kelley" userId="d27d4cb4-89b9-4445-97de-d6d70d6b1c5d" providerId="ADAL" clId="{45CD42A0-997B-4F73-9F93-59BF539EDB4D}" dt="2023-02-15T20:02:58.077" v="800" actId="1076"/>
+          <ac:picMkLst>
+            <pc:docMk/>
+            <pc:sldMk cId="2221088527" sldId="264"/>
+            <ac:picMk id="8" creationId="{464E4E28-A104-1B41-2AFC-EDF5320E98F3}"/>
+          </ac:picMkLst>
+        </pc:picChg>
+      </pc:sldChg>
+      <pc:sldChg chg="addSp delSp modSp add mod">
+        <pc:chgData name="Todd Kelley" userId="d27d4cb4-89b9-4445-97de-d6d70d6b1c5d" providerId="ADAL" clId="{45CD42A0-997B-4F73-9F93-59BF539EDB4D}" dt="2023-02-16T14:45:42.877" v="1366" actId="113"/>
+        <pc:sldMkLst>
+          <pc:docMk/>
+          <pc:sldMk cId="225407785" sldId="265"/>
+        </pc:sldMkLst>
+        <pc:spChg chg="mod">
+          <ac:chgData name="Todd Kelley" userId="d27d4cb4-89b9-4445-97de-d6d70d6b1c5d" providerId="ADAL" clId="{45CD42A0-997B-4F73-9F93-59BF539EDB4D}" dt="2023-02-16T14:45:42.877" v="1366" actId="113"/>
+          <ac:spMkLst>
+            <pc:docMk/>
+            <pc:sldMk cId="225407785" sldId="265"/>
+            <ac:spMk id="3" creationId="{00000000-0000-0000-0000-000000000000}"/>
+          </ac:spMkLst>
+        </pc:spChg>
+        <pc:picChg chg="del">
+          <ac:chgData name="Todd Kelley" userId="d27d4cb4-89b9-4445-97de-d6d70d6b1c5d" providerId="ADAL" clId="{45CD42A0-997B-4F73-9F93-59BF539EDB4D}" dt="2023-02-15T22:15:12.120" v="1301" actId="478"/>
+          <ac:picMkLst>
+            <pc:docMk/>
+            <pc:sldMk cId="225407785" sldId="265"/>
+            <ac:picMk id="4" creationId="{00000000-0000-0000-0000-000000000000}"/>
+          </ac:picMkLst>
+        </pc:picChg>
+        <pc:picChg chg="add mod">
+          <ac:chgData name="Todd Kelley" userId="d27d4cb4-89b9-4445-97de-d6d70d6b1c5d" providerId="ADAL" clId="{45CD42A0-997B-4F73-9F93-59BF539EDB4D}" dt="2023-02-15T22:16:17.732" v="1305" actId="14100"/>
+          <ac:picMkLst>
+            <pc:docMk/>
+            <pc:sldMk cId="225407785" sldId="265"/>
+            <ac:picMk id="10242" creationId="{8A9706A6-ADC4-1C09-5B05-611591F8FF5B}"/>
+          </ac:picMkLst>
+        </pc:picChg>
+      </pc:sldChg>
+      <pc:sldChg chg="del">
+        <pc:chgData name="Todd Kelley" userId="d27d4cb4-89b9-4445-97de-d6d70d6b1c5d" providerId="ADAL" clId="{45CD42A0-997B-4F73-9F93-59BF539EDB4D}" dt="2023-02-15T19:12:01.920" v="314" actId="2696"/>
+        <pc:sldMkLst>
+          <pc:docMk/>
+          <pc:sldMk cId="2648829952" sldId="265"/>
+        </pc:sldMkLst>
+      </pc:sldChg>
+      <pc:sldChg chg="addSp delSp modSp mod">
+        <pc:chgData name="Todd Kelley" userId="d27d4cb4-89b9-4445-97de-d6d70d6b1c5d" providerId="ADAL" clId="{45CD42A0-997B-4F73-9F93-59BF539EDB4D}" dt="2023-02-15T20:13:21.996" v="929" actId="20577"/>
+        <pc:sldMkLst>
+          <pc:docMk/>
+          <pc:sldMk cId="1982202001" sldId="266"/>
+        </pc:sldMkLst>
+        <pc:spChg chg="mod">
+          <ac:chgData name="Todd Kelley" userId="d27d4cb4-89b9-4445-97de-d6d70d6b1c5d" providerId="ADAL" clId="{45CD42A0-997B-4F73-9F93-59BF539EDB4D}" dt="2023-02-15T20:07:33.830" v="903" actId="20577"/>
+          <ac:spMkLst>
+            <pc:docMk/>
+            <pc:sldMk cId="1982202001" sldId="266"/>
+            <ac:spMk id="2" creationId="{00000000-0000-0000-0000-000000000000}"/>
+          </ac:spMkLst>
+        </pc:spChg>
+        <pc:spChg chg="mod">
+          <ac:chgData name="Todd Kelley" userId="d27d4cb4-89b9-4445-97de-d6d70d6b1c5d" providerId="ADAL" clId="{45CD42A0-997B-4F73-9F93-59BF539EDB4D}" dt="2023-02-15T20:13:21.996" v="929" actId="20577"/>
+          <ac:spMkLst>
+            <pc:docMk/>
+            <pc:sldMk cId="1982202001" sldId="266"/>
+            <ac:spMk id="3" creationId="{00000000-0000-0000-0000-000000000000}"/>
+          </ac:spMkLst>
+        </pc:spChg>
+        <pc:spChg chg="del">
+          <ac:chgData name="Todd Kelley" userId="d27d4cb4-89b9-4445-97de-d6d70d6b1c5d" providerId="ADAL" clId="{45CD42A0-997B-4F73-9F93-59BF539EDB4D}" dt="2023-02-15T20:12:28.203" v="922" actId="478"/>
+          <ac:spMkLst>
+            <pc:docMk/>
+            <pc:sldMk cId="1982202001" sldId="266"/>
+            <ac:spMk id="6" creationId="{00000000-0000-0000-0000-000000000000}"/>
+          </ac:spMkLst>
+        </pc:spChg>
+        <pc:spChg chg="del">
+          <ac:chgData name="Todd Kelley" userId="d27d4cb4-89b9-4445-97de-d6d70d6b1c5d" providerId="ADAL" clId="{45CD42A0-997B-4F73-9F93-59BF539EDB4D}" dt="2023-02-15T20:12:26.027" v="921" actId="478"/>
+          <ac:spMkLst>
+            <pc:docMk/>
+            <pc:sldMk cId="1982202001" sldId="266"/>
+            <ac:spMk id="7" creationId="{00000000-0000-0000-0000-000000000000}"/>
+          </ac:spMkLst>
+        </pc:spChg>
+        <pc:spChg chg="add del">
+          <ac:chgData name="Todd Kelley" userId="d27d4cb4-89b9-4445-97de-d6d70d6b1c5d" providerId="ADAL" clId="{45CD42A0-997B-4F73-9F93-59BF539EDB4D}" dt="2023-02-15T20:10:54.186" v="912" actId="478"/>
+          <ac:spMkLst>
+            <pc:docMk/>
+            <pc:sldMk cId="1982202001" sldId="266"/>
+            <ac:spMk id="8" creationId="{DF7F22DB-E9A7-04C3-B8CF-3DF1474CD690}"/>
+          </ac:spMkLst>
+        </pc:spChg>
+        <pc:picChg chg="del">
+          <ac:chgData name="Todd Kelley" userId="d27d4cb4-89b9-4445-97de-d6d70d6b1c5d" providerId="ADAL" clId="{45CD42A0-997B-4F73-9F93-59BF539EDB4D}" dt="2023-02-15T20:10:32.368" v="910" actId="478"/>
+          <ac:picMkLst>
+            <pc:docMk/>
+            <pc:sldMk cId="1982202001" sldId="266"/>
+            <ac:picMk id="4" creationId="{00000000-0000-0000-0000-000000000000}"/>
+          </ac:picMkLst>
+        </pc:picChg>
+        <pc:picChg chg="del">
+          <ac:chgData name="Todd Kelley" userId="d27d4cb4-89b9-4445-97de-d6d70d6b1c5d" providerId="ADAL" clId="{45CD42A0-997B-4F73-9F93-59BF539EDB4D}" dt="2023-02-15T20:10:31.456" v="909" actId="478"/>
+          <ac:picMkLst>
+            <pc:docMk/>
+            <pc:sldMk cId="1982202001" sldId="266"/>
+            <ac:picMk id="5" creationId="{00000000-0000-0000-0000-000000000000}"/>
+          </ac:picMkLst>
+        </pc:picChg>
+        <pc:picChg chg="add mod">
+          <ac:chgData name="Todd Kelley" userId="d27d4cb4-89b9-4445-97de-d6d70d6b1c5d" providerId="ADAL" clId="{45CD42A0-997B-4F73-9F93-59BF539EDB4D}" dt="2023-02-15T20:11:59.459" v="914" actId="1076"/>
+          <ac:picMkLst>
+            <pc:docMk/>
+            <pc:sldMk cId="1982202001" sldId="266"/>
+            <ac:picMk id="10" creationId="{B0666903-8BEF-DAAE-FB07-6ED335EB89A5}"/>
+          </ac:picMkLst>
+        </pc:picChg>
+      </pc:sldChg>
+      <pc:sldChg chg="addSp delSp modSp mod">
+        <pc:chgData name="Todd Kelley" userId="d27d4cb4-89b9-4445-97de-d6d70d6b1c5d" providerId="ADAL" clId="{45CD42A0-997B-4F73-9F93-59BF539EDB4D}" dt="2023-02-16T14:48:08.966" v="1375" actId="20577"/>
+        <pc:sldMkLst>
+          <pc:docMk/>
+          <pc:sldMk cId="3961016685" sldId="268"/>
+        </pc:sldMkLst>
+        <pc:spChg chg="mod">
+          <ac:chgData name="Todd Kelley" userId="d27d4cb4-89b9-4445-97de-d6d70d6b1c5d" providerId="ADAL" clId="{45CD42A0-997B-4F73-9F93-59BF539EDB4D}" dt="2023-02-16T14:48:08.966" v="1375" actId="20577"/>
+          <ac:spMkLst>
+            <pc:docMk/>
+            <pc:sldMk cId="3961016685" sldId="268"/>
+            <ac:spMk id="2" creationId="{00000000-0000-0000-0000-000000000000}"/>
+          </ac:spMkLst>
+        </pc:spChg>
+        <pc:picChg chg="del">
+          <ac:chgData name="Todd Kelley" userId="d27d4cb4-89b9-4445-97de-d6d70d6b1c5d" providerId="ADAL" clId="{45CD42A0-997B-4F73-9F93-59BF539EDB4D}" dt="2023-02-15T19:14:12.903" v="443" actId="478"/>
+          <ac:picMkLst>
+            <pc:docMk/>
+            <pc:sldMk cId="3961016685" sldId="268"/>
+            <ac:picMk id="1026" creationId="{2E791452-1469-488D-968D-95292D7E8A49}"/>
+          </ac:picMkLst>
+        </pc:picChg>
+        <pc:picChg chg="add mod">
+          <ac:chgData name="Todd Kelley" userId="d27d4cb4-89b9-4445-97de-d6d70d6b1c5d" providerId="ADAL" clId="{45CD42A0-997B-4F73-9F93-59BF539EDB4D}" dt="2023-02-15T19:14:49.104" v="447" actId="1076"/>
+          <ac:picMkLst>
+            <pc:docMk/>
+            <pc:sldMk cId="3961016685" sldId="268"/>
+            <ac:picMk id="3074" creationId="{81AEB4C7-EC69-B2F9-22FE-98D8584C74D0}"/>
+          </ac:picMkLst>
+        </pc:picChg>
+      </pc:sldChg>
+      <pc:sldChg chg="addSp delSp modSp mod">
+        <pc:chgData name="Todd Kelley" userId="d27d4cb4-89b9-4445-97de-d6d70d6b1c5d" providerId="ADAL" clId="{45CD42A0-997B-4F73-9F93-59BF539EDB4D}" dt="2023-02-15T20:29:10.200" v="1103" actId="1076"/>
+        <pc:sldMkLst>
+          <pc:docMk/>
+          <pc:sldMk cId="3444751973" sldId="269"/>
+        </pc:sldMkLst>
+        <pc:spChg chg="mod">
+          <ac:chgData name="Todd Kelley" userId="d27d4cb4-89b9-4445-97de-d6d70d6b1c5d" providerId="ADAL" clId="{45CD42A0-997B-4F73-9F93-59BF539EDB4D}" dt="2023-02-15T20:29:02.814" v="1100" actId="6549"/>
+          <ac:spMkLst>
+            <pc:docMk/>
+            <pc:sldMk cId="3444751973" sldId="269"/>
+            <ac:spMk id="3" creationId="{00000000-0000-0000-0000-000000000000}"/>
+          </ac:spMkLst>
+        </pc:spChg>
+        <pc:picChg chg="del mod">
+          <ac:chgData name="Todd Kelley" userId="d27d4cb4-89b9-4445-97de-d6d70d6b1c5d" providerId="ADAL" clId="{45CD42A0-997B-4F73-9F93-59BF539EDB4D}" dt="2023-02-15T20:29:00.297" v="1099" actId="478"/>
+          <ac:picMkLst>
+            <pc:docMk/>
+            <pc:sldMk cId="3444751973" sldId="269"/>
+            <ac:picMk id="4" creationId="{00000000-0000-0000-0000-000000000000}"/>
+          </ac:picMkLst>
+        </pc:picChg>
+        <pc:picChg chg="add mod">
+          <ac:chgData name="Todd Kelley" userId="d27d4cb4-89b9-4445-97de-d6d70d6b1c5d" providerId="ADAL" clId="{45CD42A0-997B-4F73-9F93-59BF539EDB4D}" dt="2023-02-15T20:29:10.200" v="1103" actId="1076"/>
+          <ac:picMkLst>
+            <pc:docMk/>
+            <pc:sldMk cId="3444751973" sldId="269"/>
+            <ac:picMk id="6" creationId="{8201153A-79D6-1D2C-8B81-FF21D073D66A}"/>
+          </ac:picMkLst>
+        </pc:picChg>
+        <pc:picChg chg="add del">
+          <ac:chgData name="Todd Kelley" userId="d27d4cb4-89b9-4445-97de-d6d70d6b1c5d" providerId="ADAL" clId="{45CD42A0-997B-4F73-9F93-59BF539EDB4D}" dt="2023-02-15T20:26:57.736" v="1084"/>
+          <ac:picMkLst>
+            <pc:docMk/>
+            <pc:sldMk cId="3444751973" sldId="269"/>
+            <ac:picMk id="7170" creationId="{04570484-3256-73FF-A8E3-F7DCA74CF079}"/>
+          </ac:picMkLst>
+        </pc:picChg>
+        <pc:picChg chg="add del mod">
+          <ac:chgData name="Todd Kelley" userId="d27d4cb4-89b9-4445-97de-d6d70d6b1c5d" providerId="ADAL" clId="{45CD42A0-997B-4F73-9F93-59BF539EDB4D}" dt="2023-02-15T20:27:25.648" v="1088" actId="478"/>
+          <ac:picMkLst>
+            <pc:docMk/>
+            <pc:sldMk cId="3444751973" sldId="269"/>
+            <ac:picMk id="7172" creationId="{CFC22B57-1A15-77C2-C910-C4F4281DF94F}"/>
+          </ac:picMkLst>
+        </pc:picChg>
+        <pc:picChg chg="add del">
+          <ac:chgData name="Todd Kelley" userId="d27d4cb4-89b9-4445-97de-d6d70d6b1c5d" providerId="ADAL" clId="{45CD42A0-997B-4F73-9F93-59BF539EDB4D}" dt="2023-02-15T20:27:43.026" v="1090"/>
+          <ac:picMkLst>
+            <pc:docMk/>
+            <pc:sldMk cId="3444751973" sldId="269"/>
+            <ac:picMk id="7174" creationId="{5B239413-3A00-BE75-CD8C-D656B6007D71}"/>
+          </ac:picMkLst>
+        </pc:picChg>
+      </pc:sldChg>
+      <pc:sldChg chg="modSp mod">
+        <pc:chgData name="Todd Kelley" userId="d27d4cb4-89b9-4445-97de-d6d70d6b1c5d" providerId="ADAL" clId="{45CD42A0-997B-4F73-9F93-59BF539EDB4D}" dt="2023-02-16T14:47:42.634" v="1369" actId="1076"/>
+        <pc:sldMkLst>
+          <pc:docMk/>
+          <pc:sldMk cId="1582093810" sldId="270"/>
+        </pc:sldMkLst>
+        <pc:spChg chg="mod">
+          <ac:chgData name="Todd Kelley" userId="d27d4cb4-89b9-4445-97de-d6d70d6b1c5d" providerId="ADAL" clId="{45CD42A0-997B-4F73-9F93-59BF539EDB4D}" dt="2023-02-15T20:30:32.419" v="1165" actId="20577"/>
+          <ac:spMkLst>
+            <pc:docMk/>
+            <pc:sldMk cId="1582093810" sldId="270"/>
+            <ac:spMk id="2" creationId="{00000000-0000-0000-0000-000000000000}"/>
+          </ac:spMkLst>
+        </pc:spChg>
+        <pc:spChg chg="mod">
+          <ac:chgData name="Todd Kelley" userId="d27d4cb4-89b9-4445-97de-d6d70d6b1c5d" providerId="ADAL" clId="{45CD42A0-997B-4F73-9F93-59BF539EDB4D}" dt="2023-02-16T14:47:37.124" v="1367" actId="242"/>
+          <ac:spMkLst>
+            <pc:docMk/>
+            <pc:sldMk cId="1582093810" sldId="270"/>
+            <ac:spMk id="3" creationId="{00000000-0000-0000-0000-000000000000}"/>
+          </ac:spMkLst>
+        </pc:spChg>
+        <pc:picChg chg="mod">
+          <ac:chgData name="Todd Kelley" userId="d27d4cb4-89b9-4445-97de-d6d70d6b1c5d" providerId="ADAL" clId="{45CD42A0-997B-4F73-9F93-59BF539EDB4D}" dt="2023-02-16T14:47:42.634" v="1369" actId="1076"/>
+          <ac:picMkLst>
+            <pc:docMk/>
+            <pc:sldMk cId="1582093810" sldId="270"/>
+            <ac:picMk id="5" creationId="{00000000-0000-0000-0000-000000000000}"/>
+          </ac:picMkLst>
+        </pc:picChg>
+      </pc:sldChg>
+      <pc:sldChg chg="addSp delSp modSp mod">
+        <pc:chgData name="Todd Kelley" userId="d27d4cb4-89b9-4445-97de-d6d70d6b1c5d" providerId="ADAL" clId="{45CD42A0-997B-4F73-9F93-59BF539EDB4D}" dt="2023-02-16T14:52:25.777" v="1402" actId="1076"/>
+        <pc:sldMkLst>
+          <pc:docMk/>
+          <pc:sldMk cId="2608985330" sldId="272"/>
+        </pc:sldMkLst>
+        <pc:spChg chg="add del">
+          <ac:chgData name="Todd Kelley" userId="d27d4cb4-89b9-4445-97de-d6d70d6b1c5d" providerId="ADAL" clId="{45CD42A0-997B-4F73-9F93-59BF539EDB4D}" dt="2023-02-15T20:50:42.737" v="1188"/>
+          <ac:spMkLst>
+            <pc:docMk/>
+            <pc:sldMk cId="2608985330" sldId="272"/>
+            <ac:spMk id="2" creationId="{5966D4B4-3EF7-BEE0-87BF-15DCDBEB21A5}"/>
+          </ac:spMkLst>
+        </pc:spChg>
+        <pc:spChg chg="del">
+          <ac:chgData name="Todd Kelley" userId="d27d4cb4-89b9-4445-97de-d6d70d6b1c5d" providerId="ADAL" clId="{45CD42A0-997B-4F73-9F93-59BF539EDB4D}" dt="2023-02-15T20:40:21.043" v="1186" actId="478"/>
+          <ac:spMkLst>
+            <pc:docMk/>
+            <pc:sldMk cId="2608985330" sldId="272"/>
+            <ac:spMk id="3" creationId="{EE695DDB-8AAA-4685-84F5-4F72B981CA3D}"/>
+          </ac:spMkLst>
+        </pc:spChg>
+        <pc:spChg chg="del mod">
+          <ac:chgData name="Todd Kelley" userId="d27d4cb4-89b9-4445-97de-d6d70d6b1c5d" providerId="ADAL" clId="{45CD42A0-997B-4F73-9F93-59BF539EDB4D}" dt="2023-02-15T20:40:19.402" v="1185" actId="478"/>
+          <ac:spMkLst>
+            <pc:docMk/>
+            <pc:sldMk cId="2608985330" sldId="272"/>
+            <ac:spMk id="5" creationId="{00000000-0000-0000-0000-000000000000}"/>
+          </ac:spMkLst>
+        </pc:spChg>
+        <pc:spChg chg="add del mod">
+          <ac:chgData name="Todd Kelley" userId="d27d4cb4-89b9-4445-97de-d6d70d6b1c5d" providerId="ADAL" clId="{45CD42A0-997B-4F73-9F93-59BF539EDB4D}" dt="2023-02-15T20:52:16.018" v="1205" actId="478"/>
+          <ac:spMkLst>
+            <pc:docMk/>
+            <pc:sldMk cId="2608985330" sldId="272"/>
+            <ac:spMk id="6" creationId="{9F1416FE-CDE6-B3FF-2333-16FDD056A89F}"/>
+          </ac:spMkLst>
+        </pc:spChg>
+        <pc:spChg chg="add del">
+          <ac:chgData name="Todd Kelley" userId="d27d4cb4-89b9-4445-97de-d6d70d6b1c5d" providerId="ADAL" clId="{45CD42A0-997B-4F73-9F93-59BF539EDB4D}" dt="2023-02-15T20:50:51.275" v="1191"/>
+          <ac:spMkLst>
+            <pc:docMk/>
+            <pc:sldMk cId="2608985330" sldId="272"/>
+            <ac:spMk id="7" creationId="{F6724D0F-0ECF-3D62-4DB4-36058D4EF12D}"/>
+          </ac:spMkLst>
+        </pc:spChg>
+        <pc:spChg chg="add del">
+          <ac:chgData name="Todd Kelley" userId="d27d4cb4-89b9-4445-97de-d6d70d6b1c5d" providerId="ADAL" clId="{45CD42A0-997B-4F73-9F93-59BF539EDB4D}" dt="2023-02-15T20:51:02.762" v="1194"/>
+          <ac:spMkLst>
+            <pc:docMk/>
+            <pc:sldMk cId="2608985330" sldId="272"/>
+            <ac:spMk id="8" creationId="{FD013D57-7D86-D3C9-7246-FADFAC5CA598}"/>
+          </ac:spMkLst>
+        </pc:spChg>
+        <pc:spChg chg="add del">
+          <ac:chgData name="Todd Kelley" userId="d27d4cb4-89b9-4445-97de-d6d70d6b1c5d" providerId="ADAL" clId="{45CD42A0-997B-4F73-9F93-59BF539EDB4D}" dt="2023-02-15T20:51:11.186" v="1196"/>
+          <ac:spMkLst>
+            <pc:docMk/>
+            <pc:sldMk cId="2608985330" sldId="272"/>
+            <ac:spMk id="9" creationId="{22981384-7FAD-FCA9-C4A4-A5DB9040EAF2}"/>
+          </ac:spMkLst>
+        </pc:spChg>
+        <pc:spChg chg="add del mod">
+          <ac:chgData name="Todd Kelley" userId="d27d4cb4-89b9-4445-97de-d6d70d6b1c5d" providerId="ADAL" clId="{45CD42A0-997B-4F73-9F93-59BF539EDB4D}" dt="2023-02-15T20:52:12.651" v="1204"/>
+          <ac:spMkLst>
+            <pc:docMk/>
+            <pc:sldMk cId="2608985330" sldId="272"/>
+            <ac:spMk id="10" creationId="{4E953B88-DDC4-0EC4-FD9B-916879B5F9B0}"/>
+          </ac:spMkLst>
+        </pc:spChg>
+        <pc:spChg chg="add del mod">
+          <ac:chgData name="Todd Kelley" userId="d27d4cb4-89b9-4445-97de-d6d70d6b1c5d" providerId="ADAL" clId="{45CD42A0-997B-4F73-9F93-59BF539EDB4D}" dt="2023-02-16T14:34:55.228" v="1318" actId="478"/>
+          <ac:spMkLst>
+            <pc:docMk/>
+            <pc:sldMk cId="2608985330" sldId="272"/>
+            <ac:spMk id="11" creationId="{B34FA2B8-3A7B-F4C6-3A4D-79A8512889E2}"/>
+          </ac:spMkLst>
+        </pc:spChg>
+        <pc:spChg chg="add del mod">
+          <ac:chgData name="Todd Kelley" userId="d27d4cb4-89b9-4445-97de-d6d70d6b1c5d" providerId="ADAL" clId="{45CD42A0-997B-4F73-9F93-59BF539EDB4D}" dt="2023-02-16T14:34:33.252" v="1314" actId="478"/>
+          <ac:spMkLst>
+            <pc:docMk/>
+            <pc:sldMk cId="2608985330" sldId="272"/>
+            <ac:spMk id="12" creationId="{52B5E77D-6A28-486F-2D1F-CF7A392404A7}"/>
+          </ac:spMkLst>
+        </pc:spChg>
+        <pc:spChg chg="add mod">
+          <ac:chgData name="Todd Kelley" userId="d27d4cb4-89b9-4445-97de-d6d70d6b1c5d" providerId="ADAL" clId="{45CD42A0-997B-4F73-9F93-59BF539EDB4D}" dt="2023-02-16T14:52:25.777" v="1402" actId="1076"/>
+          <ac:spMkLst>
+            <pc:docMk/>
+            <pc:sldMk cId="2608985330" sldId="272"/>
+            <ac:spMk id="14" creationId="{70F696C4-6E74-C8A8-16D4-9867A327643C}"/>
+          </ac:spMkLst>
+        </pc:spChg>
+        <pc:spChg chg="add del">
+          <ac:chgData name="Todd Kelley" userId="d27d4cb4-89b9-4445-97de-d6d70d6b1c5d" providerId="ADAL" clId="{45CD42A0-997B-4F73-9F93-59BF539EDB4D}" dt="2023-02-16T14:51:09.395" v="1385"/>
+          <ac:spMkLst>
+            <pc:docMk/>
+            <pc:sldMk cId="2608985330" sldId="272"/>
+            <ac:spMk id="15" creationId="{8E674317-646D-0DC9-8627-E33CB503CD02}"/>
+          </ac:spMkLst>
+        </pc:spChg>
+        <pc:spChg chg="add mod">
+          <ac:chgData name="Todd Kelley" userId="d27d4cb4-89b9-4445-97de-d6d70d6b1c5d" providerId="ADAL" clId="{45CD42A0-997B-4F73-9F93-59BF539EDB4D}" dt="2023-02-16T14:52:16.561" v="1398" actId="207"/>
+          <ac:spMkLst>
+            <pc:docMk/>
+            <pc:sldMk cId="2608985330" sldId="272"/>
+            <ac:spMk id="17" creationId="{4B146D26-08C2-6B48-8B56-8FDF2635ED03}"/>
+          </ac:spMkLst>
+        </pc:spChg>
+        <pc:graphicFrameChg chg="add del mod">
+          <ac:chgData name="Todd Kelley" userId="d27d4cb4-89b9-4445-97de-d6d70d6b1c5d" providerId="ADAL" clId="{45CD42A0-997B-4F73-9F93-59BF539EDB4D}" dt="2023-02-15T20:57:54.879" v="1296" actId="478"/>
+          <ac:graphicFrameMkLst>
+            <pc:docMk/>
+            <pc:sldMk cId="2608985330" sldId="272"/>
+            <ac:graphicFrameMk id="13" creationId="{C60D1E42-2417-D293-31EC-BBDE50E84303}"/>
+          </ac:graphicFrameMkLst>
+        </pc:graphicFrameChg>
+        <pc:picChg chg="add del mod">
+          <ac:chgData name="Todd Kelley" userId="d27d4cb4-89b9-4445-97de-d6d70d6b1c5d" providerId="ADAL" clId="{45CD42A0-997B-4F73-9F93-59BF539EDB4D}" dt="2023-02-16T14:50:09.513" v="1383" actId="478"/>
+          <ac:picMkLst>
+            <pc:docMk/>
+            <pc:sldMk cId="2608985330" sldId="272"/>
+            <ac:picMk id="9226" creationId="{D6F9A1DC-DD7A-1458-746F-9FD9946679A3}"/>
+          </ac:picMkLst>
+        </pc:picChg>
+      </pc:sldChg>
+      <pc:sldChg chg="addSp modSp mod">
+        <pc:chgData name="Todd Kelley" userId="d27d4cb4-89b9-4445-97de-d6d70d6b1c5d" providerId="ADAL" clId="{45CD42A0-997B-4F73-9F93-59BF539EDB4D}" dt="2023-02-16T14:48:30.376" v="1379" actId="20577"/>
+        <pc:sldMkLst>
+          <pc:docMk/>
+          <pc:sldMk cId="4155170653" sldId="273"/>
+        </pc:sldMkLst>
+        <pc:spChg chg="mod">
+          <ac:chgData name="Todd Kelley" userId="d27d4cb4-89b9-4445-97de-d6d70d6b1c5d" providerId="ADAL" clId="{45CD42A0-997B-4F73-9F93-59BF539EDB4D}" dt="2023-02-15T20:34:46.338" v="1171" actId="20577"/>
+          <ac:spMkLst>
+            <pc:docMk/>
+            <pc:sldMk cId="4155170653" sldId="273"/>
+            <ac:spMk id="2" creationId="{86B5BF8B-BDD9-4D6C-8D58-5EE2C55D913B}"/>
+          </ac:spMkLst>
+        </pc:spChg>
+        <pc:spChg chg="mod">
+          <ac:chgData name="Todd Kelley" userId="d27d4cb4-89b9-4445-97de-d6d70d6b1c5d" providerId="ADAL" clId="{45CD42A0-997B-4F73-9F93-59BF539EDB4D}" dt="2023-02-16T14:48:30.376" v="1379" actId="20577"/>
+          <ac:spMkLst>
+            <pc:docMk/>
+            <pc:sldMk cId="4155170653" sldId="273"/>
+            <ac:spMk id="3" creationId="{3BCCBD9E-2F47-4DC2-B2DD-8BDCC019B071}"/>
+          </ac:spMkLst>
+        </pc:spChg>
+        <pc:picChg chg="add mod">
+          <ac:chgData name="Todd Kelley" userId="d27d4cb4-89b9-4445-97de-d6d70d6b1c5d" providerId="ADAL" clId="{45CD42A0-997B-4F73-9F93-59BF539EDB4D}" dt="2023-02-15T20:35:33.308" v="1180" actId="1076"/>
+          <ac:picMkLst>
+            <pc:docMk/>
+            <pc:sldMk cId="4155170653" sldId="273"/>
+            <ac:picMk id="8194" creationId="{37CD6E53-0A91-9D55-0E7A-EEDC3DEDF4C1}"/>
+          </ac:picMkLst>
+        </pc:picChg>
+      </pc:sldChg>
+      <pc:sldChg chg="del">
+        <pc:chgData name="Todd Kelley" userId="d27d4cb4-89b9-4445-97de-d6d70d6b1c5d" providerId="ADAL" clId="{45CD42A0-997B-4F73-9F93-59BF539EDB4D}" dt="2023-02-15T20:40:11.498" v="1182" actId="47"/>
+        <pc:sldMkLst>
+          <pc:docMk/>
+          <pc:sldMk cId="1461055297" sldId="274"/>
+        </pc:sldMkLst>
+      </pc:sldChg>
+      <pc:sldChg chg="modNotes">
+        <pc:chgData name="Todd Kelley" userId="d27d4cb4-89b9-4445-97de-d6d70d6b1c5d" providerId="ADAL" clId="{45CD42A0-997B-4F73-9F93-59BF539EDB4D}" dt="2023-02-15T22:00:32.546" v="1300"/>
+        <pc:sldMkLst>
+          <pc:docMk/>
+          <pc:sldMk cId="0" sldId="303"/>
+        </pc:sldMkLst>
+      </pc:sldChg>
+      <pc:sldChg chg="addSp delSp modSp add mod">
+        <pc:chgData name="Todd Kelley" userId="d27d4cb4-89b9-4445-97de-d6d70d6b1c5d" providerId="ADAL" clId="{45CD42A0-997B-4F73-9F93-59BF539EDB4D}" dt="2023-02-16T14:45:07.265" v="1365" actId="1035"/>
+        <pc:sldMkLst>
+          <pc:docMk/>
+          <pc:sldMk cId="555164774" sldId="304"/>
+        </pc:sldMkLst>
+        <pc:spChg chg="mod">
+          <ac:chgData name="Todd Kelley" userId="d27d4cb4-89b9-4445-97de-d6d70d6b1c5d" providerId="ADAL" clId="{45CD42A0-997B-4F73-9F93-59BF539EDB4D}" dt="2023-02-16T14:45:07.265" v="1365" actId="1035"/>
+          <ac:spMkLst>
+            <pc:docMk/>
+            <pc:sldMk cId="555164774" sldId="304"/>
+            <ac:spMk id="5" creationId="{8747CDED-80E6-4A5E-BDB7-AAED6CD52FDE}"/>
+          </ac:spMkLst>
+        </pc:spChg>
+        <pc:picChg chg="del">
+          <ac:chgData name="Todd Kelley" userId="d27d4cb4-89b9-4445-97de-d6d70d6b1c5d" providerId="ADAL" clId="{45CD42A0-997B-4F73-9F93-59BF539EDB4D}" dt="2023-02-15T22:16:37.777" v="1308" actId="478"/>
+          <ac:picMkLst>
+            <pc:docMk/>
+            <pc:sldMk cId="555164774" sldId="304"/>
+            <ac:picMk id="4" creationId="{00000000-0000-0000-0000-000000000000}"/>
+          </ac:picMkLst>
+        </pc:picChg>
+        <pc:picChg chg="add mod">
+          <ac:chgData name="Todd Kelley" userId="d27d4cb4-89b9-4445-97de-d6d70d6b1c5d" providerId="ADAL" clId="{45CD42A0-997B-4F73-9F93-59BF539EDB4D}" dt="2023-02-16T14:44:56.728" v="1362" actId="1076"/>
+          <ac:picMkLst>
+            <pc:docMk/>
+            <pc:sldMk cId="555164774" sldId="304"/>
+            <ac:picMk id="6" creationId="{23E25D55-070D-73A7-0094-C83B9A3C7F0F}"/>
+          </ac:picMkLst>
+        </pc:picChg>
+        <pc:picChg chg="add del">
+          <ac:chgData name="Todd Kelley" userId="d27d4cb4-89b9-4445-97de-d6d70d6b1c5d" providerId="ADAL" clId="{45CD42A0-997B-4F73-9F93-59BF539EDB4D}" dt="2023-02-15T22:16:40.889" v="1310" actId="478"/>
+          <ac:picMkLst>
+            <pc:docMk/>
+            <pc:sldMk cId="555164774" sldId="304"/>
+            <ac:picMk id="11266" creationId="{B468BADB-AD75-8F8A-B3B0-423B1B85E8F7}"/>
+          </ac:picMkLst>
+        </pc:picChg>
+        <pc:picChg chg="add del">
+          <ac:chgData name="Todd Kelley" userId="d27d4cb4-89b9-4445-97de-d6d70d6b1c5d" providerId="ADAL" clId="{45CD42A0-997B-4F73-9F93-59BF539EDB4D}" dt="2023-02-15T22:16:59.875" v="1312"/>
+          <ac:picMkLst>
+            <pc:docMk/>
+            <pc:sldMk cId="555164774" sldId="304"/>
+            <ac:picMk id="11268" creationId="{58983239-09DE-8345-D3C1-ED278D805E94}"/>
+          </ac:picMkLst>
+        </pc:picChg>
+      </pc:sldChg>
+      <pc:sldChg chg="del">
+        <pc:chgData name="Todd Kelley" userId="d27d4cb4-89b9-4445-97de-d6d70d6b1c5d" providerId="ADAL" clId="{45CD42A0-997B-4F73-9F93-59BF539EDB4D}" dt="2023-02-15T19:12:32.739" v="316" actId="2696"/>
+        <pc:sldMkLst>
+          <pc:docMk/>
+          <pc:sldMk cId="1539767755" sldId="304"/>
+        </pc:sldMkLst>
+      </pc:sldChg>
+      <pc:sldChg chg="modSp new mod">
+        <pc:chgData name="Todd Kelley" userId="d27d4cb4-89b9-4445-97de-d6d70d6b1c5d" providerId="ADAL" clId="{45CD42A0-997B-4F73-9F93-59BF539EDB4D}" dt="2023-02-15T19:01:49.506" v="122" actId="14100"/>
+        <pc:sldMkLst>
+          <pc:docMk/>
+          <pc:sldMk cId="84194663" sldId="305"/>
+        </pc:sldMkLst>
+        <pc:spChg chg="mod">
+          <ac:chgData name="Todd Kelley" userId="d27d4cb4-89b9-4445-97de-d6d70d6b1c5d" providerId="ADAL" clId="{45CD42A0-997B-4F73-9F93-59BF539EDB4D}" dt="2023-02-15T19:01:49.506" v="122" actId="14100"/>
+          <ac:spMkLst>
+            <pc:docMk/>
+            <pc:sldMk cId="84194663" sldId="305"/>
+            <ac:spMk id="2" creationId="{F8314A5E-E5F9-6BAD-48F3-C60E02FC2289}"/>
+          </ac:spMkLst>
+        </pc:spChg>
+        <pc:spChg chg="mod">
+          <ac:chgData name="Todd Kelley" userId="d27d4cb4-89b9-4445-97de-d6d70d6b1c5d" providerId="ADAL" clId="{45CD42A0-997B-4F73-9F93-59BF539EDB4D}" dt="2023-02-15T19:01:12.475" v="53" actId="20577"/>
+          <ac:spMkLst>
+            <pc:docMk/>
+            <pc:sldMk cId="84194663" sldId="305"/>
+            <ac:spMk id="3" creationId="{E9632322-30CB-2D42-29E5-7A60E6DEAD92}"/>
+          </ac:spMkLst>
+        </pc:spChg>
+        <pc:spChg chg="mod">
+          <ac:chgData name="Todd Kelley" userId="d27d4cb4-89b9-4445-97de-d6d70d6b1c5d" providerId="ADAL" clId="{45CD42A0-997B-4F73-9F93-59BF539EDB4D}" dt="2023-02-15T19:01:43.770" v="120" actId="20577"/>
+          <ac:spMkLst>
+            <pc:docMk/>
+            <pc:sldMk cId="84194663" sldId="305"/>
+            <ac:spMk id="4" creationId="{A7AC5D90-C7D3-5E9F-8B3B-182690B9DD71}"/>
+          </ac:spMkLst>
+        </pc:spChg>
+      </pc:sldChg>
+      <pc:sldChg chg="addSp delSp modSp new mod">
+        <pc:chgData name="Todd Kelley" userId="d27d4cb4-89b9-4445-97de-d6d70d6b1c5d" providerId="ADAL" clId="{45CD42A0-997B-4F73-9F93-59BF539EDB4D}" dt="2023-02-15T19:23:36.965" v="695" actId="14100"/>
+        <pc:sldMkLst>
+          <pc:docMk/>
+          <pc:sldMk cId="2355176053" sldId="306"/>
+        </pc:sldMkLst>
+        <pc:spChg chg="mod">
+          <ac:chgData name="Todd Kelley" userId="d27d4cb4-89b9-4445-97de-d6d70d6b1c5d" providerId="ADAL" clId="{45CD42A0-997B-4F73-9F93-59BF539EDB4D}" dt="2023-02-15T19:02:21.019" v="146" actId="20577"/>
+          <ac:spMkLst>
+            <pc:docMk/>
+            <pc:sldMk cId="2355176053" sldId="306"/>
+            <ac:spMk id="2" creationId="{78C77A5F-4779-D769-F687-CBE0903988DB}"/>
+          </ac:spMkLst>
+        </pc:spChg>
+        <pc:spChg chg="mod">
+          <ac:chgData name="Todd Kelley" userId="d27d4cb4-89b9-4445-97de-d6d70d6b1c5d" providerId="ADAL" clId="{45CD42A0-997B-4F73-9F93-59BF539EDB4D}" dt="2023-02-15T19:23:36.965" v="695" actId="14100"/>
+          <ac:spMkLst>
+            <pc:docMk/>
+            <pc:sldMk cId="2355176053" sldId="306"/>
+            <ac:spMk id="3" creationId="{B96CDBFF-EC1C-FF56-D521-A7DC65DF443A}"/>
+          </ac:spMkLst>
+        </pc:spChg>
+        <pc:spChg chg="add del mod ord">
+          <ac:chgData name="Todd Kelley" userId="d27d4cb4-89b9-4445-97de-d6d70d6b1c5d" providerId="ADAL" clId="{45CD42A0-997B-4F73-9F93-59BF539EDB4D}" dt="2023-02-15T19:23:28.179" v="691" actId="478"/>
+          <ac:spMkLst>
+            <pc:docMk/>
+            <pc:sldMk cId="2355176053" sldId="306"/>
+            <ac:spMk id="4" creationId="{2003DC51-F26C-D656-F133-424C656BD4AB}"/>
+          </ac:spMkLst>
+        </pc:spChg>
+        <pc:spChg chg="add del">
+          <ac:chgData name="Todd Kelley" userId="d27d4cb4-89b9-4445-97de-d6d70d6b1c5d" providerId="ADAL" clId="{45CD42A0-997B-4F73-9F93-59BF539EDB4D}" dt="2023-02-15T19:08:14.388" v="308"/>
+          <ac:spMkLst>
+            <pc:docMk/>
+            <pc:sldMk cId="2355176053" sldId="306"/>
+            <ac:spMk id="5" creationId="{0E1CAF7C-BD57-FEE2-56B6-D42D81DC4BAD}"/>
+          </ac:spMkLst>
+        </pc:spChg>
+        <pc:spChg chg="add">
+          <ac:chgData name="Todd Kelley" userId="d27d4cb4-89b9-4445-97de-d6d70d6b1c5d" providerId="ADAL" clId="{45CD42A0-997B-4F73-9F93-59BF539EDB4D}" dt="2023-02-15T19:08:21.467" v="309"/>
+          <ac:spMkLst>
+            <pc:docMk/>
+            <pc:sldMk cId="2355176053" sldId="306"/>
+            <ac:spMk id="6" creationId="{14CF55F9-0ECB-A9B6-D9FF-BE17EB395038}"/>
+          </ac:spMkLst>
+        </pc:spChg>
+        <pc:picChg chg="add del mod">
+          <ac:chgData name="Todd Kelley" userId="d27d4cb4-89b9-4445-97de-d6d70d6b1c5d" providerId="ADAL" clId="{45CD42A0-997B-4F73-9F93-59BF539EDB4D}" dt="2023-02-15T19:23:26.544" v="690" actId="478"/>
+          <ac:picMkLst>
+            <pc:docMk/>
+            <pc:sldMk cId="2355176053" sldId="306"/>
+            <ac:picMk id="1026" creationId="{9147E562-CE04-4A94-F7FC-AD58A6D2EB28}"/>
+          </ac:picMkLst>
+        </pc:picChg>
+        <pc:picChg chg="add mod">
+          <ac:chgData name="Todd Kelley" userId="d27d4cb4-89b9-4445-97de-d6d70d6b1c5d" providerId="ADAL" clId="{45CD42A0-997B-4F73-9F93-59BF539EDB4D}" dt="2023-02-15T19:23:34.422" v="694" actId="1076"/>
+          <ac:picMkLst>
+            <pc:docMk/>
+            <pc:sldMk cId="2355176053" sldId="306"/>
+            <ac:picMk id="1032" creationId="{CCCE5D32-2B0A-A2D2-A03A-9149411D6689}"/>
+          </ac:picMkLst>
+        </pc:picChg>
+      </pc:sldChg>
+      <pc:sldChg chg="addSp delSp modSp new mod">
+        <pc:chgData name="Todd Kelley" userId="d27d4cb4-89b9-4445-97de-d6d70d6b1c5d" providerId="ADAL" clId="{45CD42A0-997B-4F73-9F93-59BF539EDB4D}" dt="2023-02-16T14:42:28.061" v="1360" actId="20577"/>
+        <pc:sldMkLst>
+          <pc:docMk/>
+          <pc:sldMk cId="15368112" sldId="307"/>
+        </pc:sldMkLst>
+        <pc:spChg chg="mod">
+          <ac:chgData name="Todd Kelley" userId="d27d4cb4-89b9-4445-97de-d6d70d6b1c5d" providerId="ADAL" clId="{45CD42A0-997B-4F73-9F93-59BF539EDB4D}" dt="2023-02-16T14:42:28.061" v="1360" actId="20577"/>
+          <ac:spMkLst>
+            <pc:docMk/>
+            <pc:sldMk cId="15368112" sldId="307"/>
+            <ac:spMk id="2" creationId="{31F07F08-A9BF-D69C-F34C-60E33D2D0D39}"/>
+          </ac:spMkLst>
+        </pc:spChg>
+        <pc:spChg chg="mod">
+          <ac:chgData name="Todd Kelley" userId="d27d4cb4-89b9-4445-97de-d6d70d6b1c5d" providerId="ADAL" clId="{45CD42A0-997B-4F73-9F93-59BF539EDB4D}" dt="2023-02-15T19:22:34.264" v="689" actId="20577"/>
+          <ac:spMkLst>
+            <pc:docMk/>
+            <pc:sldMk cId="15368112" sldId="307"/>
+            <ac:spMk id="3" creationId="{F8F04196-C3C3-E68B-B395-560482BC2ECB}"/>
+          </ac:spMkLst>
+        </pc:spChg>
+        <pc:spChg chg="add del mod">
+          <ac:chgData name="Todd Kelley" userId="d27d4cb4-89b9-4445-97de-d6d70d6b1c5d" providerId="ADAL" clId="{45CD42A0-997B-4F73-9F93-59BF539EDB4D}" dt="2023-02-15T19:09:43.935" v="313" actId="478"/>
+          <ac:spMkLst>
+            <pc:docMk/>
+            <pc:sldMk cId="15368112" sldId="307"/>
+            <ac:spMk id="4" creationId="{221DEFF7-3AE7-19D8-2A22-8AFA4D0FFC72}"/>
+          </ac:spMkLst>
+        </pc:spChg>
+        <pc:picChg chg="add mod">
+          <ac:chgData name="Todd Kelley" userId="d27d4cb4-89b9-4445-97de-d6d70d6b1c5d" providerId="ADAL" clId="{45CD42A0-997B-4F73-9F93-59BF539EDB4D}" dt="2023-02-15T19:16:17.543" v="449" actId="1076"/>
+          <ac:picMkLst>
+            <pc:docMk/>
+            <pc:sldMk cId="15368112" sldId="307"/>
+            <ac:picMk id="5" creationId="{6960141B-0B4B-799B-5FA3-87B8556D09FB}"/>
+          </ac:picMkLst>
+        </pc:picChg>
+      </pc:sldChg>
+      <pc:sldChg chg="new del">
+        <pc:chgData name="Todd Kelley" userId="d27d4cb4-89b9-4445-97de-d6d70d6b1c5d" providerId="ADAL" clId="{45CD42A0-997B-4F73-9F93-59BF539EDB4D}" dt="2023-02-15T19:24:41.828" v="697" actId="680"/>
+        <pc:sldMkLst>
+          <pc:docMk/>
+          <pc:sldMk cId="297532943" sldId="308"/>
+        </pc:sldMkLst>
+      </pc:sldChg>
+      <pc:sldChg chg="addSp delSp modSp add mod">
+        <pc:chgData name="Todd Kelley" userId="d27d4cb4-89b9-4445-97de-d6d70d6b1c5d" providerId="ADAL" clId="{45CD42A0-997B-4F73-9F93-59BF539EDB4D}" dt="2023-02-15T19:28:13.613" v="713" actId="20577"/>
+        <pc:sldMkLst>
+          <pc:docMk/>
+          <pc:sldMk cId="864066869" sldId="308"/>
+        </pc:sldMkLst>
+        <pc:spChg chg="mod">
+          <ac:chgData name="Todd Kelley" userId="d27d4cb4-89b9-4445-97de-d6d70d6b1c5d" providerId="ADAL" clId="{45CD42A0-997B-4F73-9F93-59BF539EDB4D}" dt="2023-02-15T19:28:13.613" v="713" actId="20577"/>
+          <ac:spMkLst>
+            <pc:docMk/>
+            <pc:sldMk cId="864066869" sldId="308"/>
+            <ac:spMk id="2" creationId="{78C77A5F-4779-D769-F687-CBE0903988DB}"/>
+          </ac:spMkLst>
+        </pc:spChg>
+        <pc:spChg chg="mod">
+          <ac:chgData name="Todd Kelley" userId="d27d4cb4-89b9-4445-97de-d6d70d6b1c5d" providerId="ADAL" clId="{45CD42A0-997B-4F73-9F93-59BF539EDB4D}" dt="2023-02-15T19:27:22.155" v="702" actId="1076"/>
+          <ac:spMkLst>
+            <pc:docMk/>
+            <pc:sldMk cId="864066869" sldId="308"/>
+            <ac:spMk id="3" creationId="{B96CDBFF-EC1C-FF56-D521-A7DC65DF443A}"/>
+          </ac:spMkLst>
+        </pc:spChg>
+        <pc:picChg chg="del">
+          <ac:chgData name="Todd Kelley" userId="d27d4cb4-89b9-4445-97de-d6d70d6b1c5d" providerId="ADAL" clId="{45CD42A0-997B-4F73-9F93-59BF539EDB4D}" dt="2023-02-15T19:24:54.507" v="699" actId="478"/>
+          <ac:picMkLst>
+            <pc:docMk/>
+            <pc:sldMk cId="864066869" sldId="308"/>
+            <ac:picMk id="1032" creationId="{CCCE5D32-2B0A-A2D2-A03A-9149411D6689}"/>
+          </ac:picMkLst>
+        </pc:picChg>
+        <pc:picChg chg="add mod">
+          <ac:chgData name="Todd Kelley" userId="d27d4cb4-89b9-4445-97de-d6d70d6b1c5d" providerId="ADAL" clId="{45CD42A0-997B-4F73-9F93-59BF539EDB4D}" dt="2023-02-15T19:27:22.155" v="702" actId="1076"/>
+          <ac:picMkLst>
+            <pc:docMk/>
+            <pc:sldMk cId="864066869" sldId="308"/>
+            <ac:picMk id="4098" creationId="{CEEEA50F-89D9-D8E4-2E14-F4CB4319F458}"/>
+          </ac:picMkLst>
+        </pc:picChg>
+      </pc:sldChg>
+      <pc:sldChg chg="addSp delSp modSp add mod">
+        <pc:chgData name="Todd Kelley" userId="d27d4cb4-89b9-4445-97de-d6d70d6b1c5d" providerId="ADAL" clId="{45CD42A0-997B-4F73-9F93-59BF539EDB4D}" dt="2023-02-15T20:25:09.629" v="1074" actId="20577"/>
+        <pc:sldMkLst>
+          <pc:docMk/>
+          <pc:sldMk cId="2603866594" sldId="309"/>
+        </pc:sldMkLst>
+        <pc:spChg chg="mod">
+          <ac:chgData name="Todd Kelley" userId="d27d4cb4-89b9-4445-97de-d6d70d6b1c5d" providerId="ADAL" clId="{45CD42A0-997B-4F73-9F93-59BF539EDB4D}" dt="2023-02-15T20:25:09.629" v="1074" actId="20577"/>
+          <ac:spMkLst>
+            <pc:docMk/>
+            <pc:sldMk cId="2603866594" sldId="309"/>
+            <ac:spMk id="3" creationId="{00000000-0000-0000-0000-000000000000}"/>
+          </ac:spMkLst>
+        </pc:spChg>
+        <pc:picChg chg="add del mod">
+          <ac:chgData name="Todd Kelley" userId="d27d4cb4-89b9-4445-97de-d6d70d6b1c5d" providerId="ADAL" clId="{45CD42A0-997B-4F73-9F93-59BF539EDB4D}" dt="2023-02-15T20:13:59.750" v="932" actId="478"/>
+          <ac:picMkLst>
+            <pc:docMk/>
+            <pc:sldMk cId="2603866594" sldId="309"/>
+            <ac:picMk id="6146" creationId="{555C29B1-836C-B754-08C9-EA4F818E2364}"/>
+          </ac:picMkLst>
+        </pc:picChg>
+      </pc:sldChg>
+      <pc:sldChg chg="addSp delSp modSp add mod">
+        <pc:chgData name="Todd Kelley" userId="d27d4cb4-89b9-4445-97de-d6d70d6b1c5d" providerId="ADAL" clId="{45CD42A0-997B-4F73-9F93-59BF539EDB4D}" dt="2023-02-15T20:25:39.902" v="1078" actId="20577"/>
+        <pc:sldMkLst>
+          <pc:docMk/>
+          <pc:sldMk cId="4291562240" sldId="310"/>
+        </pc:sldMkLst>
+        <pc:spChg chg="mod">
+          <ac:chgData name="Todd Kelley" userId="d27d4cb4-89b9-4445-97de-d6d70d6b1c5d" providerId="ADAL" clId="{45CD42A0-997B-4F73-9F93-59BF539EDB4D}" dt="2023-02-15T20:25:39.902" v="1078" actId="20577"/>
+          <ac:spMkLst>
+            <pc:docMk/>
+            <pc:sldMk cId="4291562240" sldId="310"/>
+            <ac:spMk id="3" creationId="{00000000-0000-0000-0000-000000000000}"/>
+          </ac:spMkLst>
+        </pc:spChg>
+        <pc:spChg chg="del">
+          <ac:chgData name="Todd Kelley" userId="d27d4cb4-89b9-4445-97de-d6d70d6b1c5d" providerId="ADAL" clId="{45CD42A0-997B-4F73-9F93-59BF539EDB4D}" dt="2023-02-15T20:14:27.758" v="936" actId="478"/>
+          <ac:spMkLst>
+            <pc:docMk/>
+            <pc:sldMk cId="4291562240" sldId="310"/>
+            <ac:spMk id="6" creationId="{00000000-0000-0000-0000-000000000000}"/>
+          </ac:spMkLst>
+        </pc:spChg>
+        <pc:spChg chg="mod">
+          <ac:chgData name="Todd Kelley" userId="d27d4cb4-89b9-4445-97de-d6d70d6b1c5d" providerId="ADAL" clId="{45CD42A0-997B-4F73-9F93-59BF539EDB4D}" dt="2023-02-15T20:14:33.942" v="937" actId="1076"/>
+          <ac:spMkLst>
+            <pc:docMk/>
+            <pc:sldMk cId="4291562240" sldId="310"/>
+            <ac:spMk id="7" creationId="{00000000-0000-0000-0000-000000000000}"/>
+          </ac:spMkLst>
+        </pc:spChg>
+        <pc:spChg chg="add mod">
+          <ac:chgData name="Todd Kelley" userId="d27d4cb4-89b9-4445-97de-d6d70d6b1c5d" providerId="ADAL" clId="{45CD42A0-997B-4F73-9F93-59BF539EDB4D}" dt="2023-02-15T20:23:26.311" v="982" actId="13926"/>
+          <ac:spMkLst>
+            <pc:docMk/>
+            <pc:sldMk cId="4291562240" sldId="310"/>
+            <ac:spMk id="9" creationId="{F2ABADD1-CAF2-5C09-2E3D-3ED9CABAF100}"/>
+          </ac:spMkLst>
+        </pc:spChg>
+        <pc:picChg chg="del">
+          <ac:chgData name="Todd Kelley" userId="d27d4cb4-89b9-4445-97de-d6d70d6b1c5d" providerId="ADAL" clId="{45CD42A0-997B-4F73-9F93-59BF539EDB4D}" dt="2023-02-15T20:14:25.942" v="935" actId="478"/>
+          <ac:picMkLst>
+            <pc:docMk/>
+            <pc:sldMk cId="4291562240" sldId="310"/>
+            <ac:picMk id="4" creationId="{00000000-0000-0000-0000-000000000000}"/>
+          </ac:picMkLst>
+        </pc:picChg>
+        <pc:picChg chg="add mod">
+          <ac:chgData name="Todd Kelley" userId="d27d4cb4-89b9-4445-97de-d6d70d6b1c5d" providerId="ADAL" clId="{45CD42A0-997B-4F73-9F93-59BF539EDB4D}" dt="2023-02-15T20:14:23.134" v="934" actId="1076"/>
+          <ac:picMkLst>
+            <pc:docMk/>
+            <pc:sldMk cId="4291562240" sldId="310"/>
+            <ac:picMk id="8" creationId="{DEF2C2E2-4DEA-FA73-2B97-1BDC845F12E7}"/>
+          </ac:picMkLst>
+        </pc:picChg>
+      </pc:sldChg>
+      <pc:sldChg chg="delSp modSp add mod">
+        <pc:chgData name="Todd Kelley" userId="d27d4cb4-89b9-4445-97de-d6d70d6b1c5d" providerId="ADAL" clId="{45CD42A0-997B-4F73-9F93-59BF539EDB4D}" dt="2023-02-15T20:30:04.339" v="1163" actId="20577"/>
+        <pc:sldMkLst>
+          <pc:docMk/>
+          <pc:sldMk cId="4144995027" sldId="311"/>
+        </pc:sldMkLst>
+        <pc:spChg chg="mod">
+          <ac:chgData name="Todd Kelley" userId="d27d4cb4-89b9-4445-97de-d6d70d6b1c5d" providerId="ADAL" clId="{45CD42A0-997B-4F73-9F93-59BF539EDB4D}" dt="2023-02-15T20:30:04.339" v="1163" actId="20577"/>
+          <ac:spMkLst>
+            <pc:docMk/>
+            <pc:sldMk cId="4144995027" sldId="311"/>
+            <ac:spMk id="3" creationId="{00000000-0000-0000-0000-000000000000}"/>
+          </ac:spMkLst>
+        </pc:spChg>
+        <pc:picChg chg="mod">
+          <ac:chgData name="Todd Kelley" userId="d27d4cb4-89b9-4445-97de-d6d70d6b1c5d" providerId="ADAL" clId="{45CD42A0-997B-4F73-9F93-59BF539EDB4D}" dt="2023-02-15T20:29:58.620" v="1161" actId="1038"/>
+          <ac:picMkLst>
+            <pc:docMk/>
+            <pc:sldMk cId="4144995027" sldId="311"/>
+            <ac:picMk id="4" creationId="{00000000-0000-0000-0000-000000000000}"/>
+          </ac:picMkLst>
+        </pc:picChg>
+        <pc:picChg chg="del">
+          <ac:chgData name="Todd Kelley" userId="d27d4cb4-89b9-4445-97de-d6d70d6b1c5d" providerId="ADAL" clId="{45CD42A0-997B-4F73-9F93-59BF539EDB4D}" dt="2023-02-15T20:29:15.473" v="1104" actId="478"/>
+          <ac:picMkLst>
+            <pc:docMk/>
+            <pc:sldMk cId="4144995027" sldId="311"/>
+            <ac:picMk id="6" creationId="{8201153A-79D6-1D2C-8B81-FF21D073D66A}"/>
+          </ac:picMkLst>
+        </pc:picChg>
       </pc:sldChg>
     </pc:docChg>
   </pc:docChgLst>
@@ -336,14 +1153,14 @@
         <p:spPr>
           <a:xfrm>
             <a:off x="0" y="0"/>
-            <a:ext cx="2971800" cy="458788"/>
+            <a:ext cx="3056414" cy="467072"/>
           </a:xfrm>
           <a:prstGeom prst="rect">
             <a:avLst/>
           </a:prstGeom>
         </p:spPr>
         <p:txBody>
-          <a:bodyPr vert="horz" lIns="91440" tIns="45720" rIns="91440" bIns="45720" rtlCol="0"/>
+          <a:bodyPr vert="horz" lIns="93497" tIns="46749" rIns="93497" bIns="46749" rtlCol="0"/>
           <a:lstStyle>
             <a:lvl1pPr algn="l">
               <a:defRPr sz="1200"/>
@@ -366,15 +1183,15 @@
         </p:nvSpPr>
         <p:spPr>
           <a:xfrm>
-            <a:off x="3884613" y="0"/>
-            <a:ext cx="2971800" cy="458788"/>
+            <a:off x="3995217" y="0"/>
+            <a:ext cx="3056414" cy="467072"/>
           </a:xfrm>
           <a:prstGeom prst="rect">
             <a:avLst/>
           </a:prstGeom>
         </p:spPr>
         <p:txBody>
-          <a:bodyPr vert="horz" lIns="91440" tIns="45720" rIns="91440" bIns="45720" rtlCol="0"/>
+          <a:bodyPr vert="horz" lIns="93497" tIns="46749" rIns="93497" bIns="46749" rtlCol="0"/>
           <a:lstStyle>
             <a:lvl1pPr algn="r">
               <a:defRPr sz="1200"/>
@@ -383,7 +1200,7 @@
           <a:p>
             <a:fld id="{89DC392C-9050-497D-830E-DA763E318C79}" type="datetimeFigureOut">
               <a:rPr lang="en-US" smtClean="0"/>
-              <a:t>9/22/2022</a:t>
+              <a:t>2/15/2023</a:t>
             </a:fld>
             <a:endParaRPr lang="en-US"/>
           </a:p>
@@ -401,8 +1218,8 @@
         </p:nvSpPr>
         <p:spPr>
           <a:xfrm>
-            <a:off x="685800" y="1143000"/>
-            <a:ext cx="5486400" cy="3086100"/>
+            <a:off x="733425" y="1163638"/>
+            <a:ext cx="5586413" cy="3141662"/>
           </a:xfrm>
           <a:prstGeom prst="rect">
             <a:avLst/>
@@ -415,7 +1232,7 @@
           </a:ln>
         </p:spPr>
         <p:txBody>
-          <a:bodyPr vert="horz" lIns="91440" tIns="45720" rIns="91440" bIns="45720" rtlCol="0" anchor="ctr"/>
+          <a:bodyPr vert="horz" lIns="93497" tIns="46749" rIns="93497" bIns="46749" rtlCol="0" anchor="ctr"/>
           <a:lstStyle/>
           <a:p>
             <a:endParaRPr lang="en-US"/>
@@ -434,15 +1251,15 @@
         </p:nvSpPr>
         <p:spPr>
           <a:xfrm>
-            <a:off x="685800" y="4400550"/>
-            <a:ext cx="5486400" cy="3600450"/>
+            <a:off x="705327" y="4480004"/>
+            <a:ext cx="5642610" cy="3665458"/>
           </a:xfrm>
           <a:prstGeom prst="rect">
             <a:avLst/>
           </a:prstGeom>
         </p:spPr>
         <p:txBody>
-          <a:bodyPr vert="horz" lIns="91440" tIns="45720" rIns="91440" bIns="45720" rtlCol="0"/>
+          <a:bodyPr vert="horz" lIns="93497" tIns="46749" rIns="93497" bIns="46749" rtlCol="0"/>
           <a:lstStyle/>
           <a:p>
             <a:pPr lvl="0"/>
@@ -493,15 +1310,15 @@
         </p:nvSpPr>
         <p:spPr>
           <a:xfrm>
-            <a:off x="0" y="8685213"/>
-            <a:ext cx="2971800" cy="458787"/>
+            <a:off x="0" y="8842030"/>
+            <a:ext cx="3056414" cy="467071"/>
           </a:xfrm>
           <a:prstGeom prst="rect">
             <a:avLst/>
           </a:prstGeom>
         </p:spPr>
         <p:txBody>
-          <a:bodyPr vert="horz" lIns="91440" tIns="45720" rIns="91440" bIns="45720" rtlCol="0" anchor="b"/>
+          <a:bodyPr vert="horz" lIns="93497" tIns="46749" rIns="93497" bIns="46749" rtlCol="0" anchor="b"/>
           <a:lstStyle>
             <a:lvl1pPr algn="l">
               <a:defRPr sz="1200"/>
@@ -524,15 +1341,15 @@
         </p:nvSpPr>
         <p:spPr>
           <a:xfrm>
-            <a:off x="3884613" y="8685213"/>
-            <a:ext cx="2971800" cy="458787"/>
+            <a:off x="3995217" y="8842030"/>
+            <a:ext cx="3056414" cy="467071"/>
           </a:xfrm>
           <a:prstGeom prst="rect">
             <a:avLst/>
           </a:prstGeom>
         </p:spPr>
         <p:txBody>
-          <a:bodyPr vert="horz" lIns="91440" tIns="45720" rIns="91440" bIns="45720" rtlCol="0" anchor="b"/>
+          <a:bodyPr vert="horz" lIns="93497" tIns="46749" rIns="93497" bIns="46749" rtlCol="0" anchor="b"/>
           <a:lstStyle>
             <a:lvl1pPr algn="r">
               <a:defRPr sz="1200"/>
@@ -706,13 +1523,8 @@
             </a:r>
             <a:r>
               <a:rPr lang="en-US" dirty="0"/>
-              <a:t> will refer </a:t>
+              <a:t> will refer to the pins</a:t>
             </a:r>
-            <a:r>
-              <a:rPr lang="en-US"/>
-              <a:t>to the pins</a:t>
-            </a:r>
-            <a:endParaRPr lang="en-US" dirty="0"/>
           </a:p>
         </p:txBody>
       </p:sp>
@@ -733,7 +1545,7 @@
           <a:p>
             <a:fld id="{0C080C5C-2D0A-4FD5-AA40-E940E2D403BC}" type="slidenum">
               <a:rPr lang="en-US" smtClean="0"/>
-              <a:t>19</a:t>
+              <a:t>25</a:t>
             </a:fld>
             <a:endParaRPr lang="en-US"/>
           </a:p>
@@ -781,8 +1593,8 @@
         </p:nvSpPr>
         <p:spPr>
           <a:xfrm>
-            <a:off x="381000" y="685800"/>
-            <a:ext cx="6096000" cy="3429000"/>
+            <a:off x="423863" y="698500"/>
+            <a:ext cx="6205537" cy="3490913"/>
           </a:xfrm>
           <a:custGeom>
             <a:avLst/>
@@ -822,28 +1634,19 @@
         </p:nvSpPr>
         <p:spPr>
           <a:xfrm>
-            <a:off x="685800" y="4343400"/>
-            <a:ext cx="5486400" cy="4114800"/>
+            <a:off x="705327" y="4421823"/>
+            <a:ext cx="5642610" cy="4189095"/>
           </a:xfrm>
           <a:prstGeom prst="rect">
             <a:avLst/>
           </a:prstGeom>
         </p:spPr>
         <p:txBody>
-          <a:bodyPr spcFirstLastPara="1" wrap="square" lIns="91425" tIns="91425" rIns="91425" bIns="91425" anchor="t" anchorCtr="0">
+          <a:bodyPr spcFirstLastPara="1" wrap="square" lIns="93482" tIns="93482" rIns="93482" bIns="93482" anchor="t" anchorCtr="0">
             <a:noAutofit/>
           </a:bodyPr>
           <a:lstStyle/>
           <a:p>
-            <a:pPr marL="0" lvl="0" indent="0" algn="l" rtl="0">
-              <a:spcBef>
-                <a:spcPts val="0"/>
-              </a:spcBef>
-              <a:spcAft>
-                <a:spcPts val="0"/>
-              </a:spcAft>
-              <a:buNone/>
-            </a:pPr>
             <a:endParaRPr/>
           </a:p>
         </p:txBody>
@@ -41376,7 +42179,7 @@
           <a:p>
             <a:fld id="{753AC6FD-C489-4773-8211-D5E6AABF82B7}" type="datetimeFigureOut">
               <a:rPr lang="en-US" smtClean="0"/>
-              <a:t>9/22/2022</a:t>
+              <a:t>2/15/2023</a:t>
             </a:fld>
             <a:endParaRPr lang="en-US"/>
           </a:p>
@@ -53103,7 +53906,7 @@
           <a:p>
             <a:r>
               <a:rPr lang="en-US" dirty="0"/>
-              <a:t>Connect Mouse, Keyboard and HDMI</a:t>
+              <a:t>Download the installer for your system</a:t>
             </a:r>
           </a:p>
         </p:txBody>
@@ -53120,8 +53923,8 @@
         </p:nvSpPr>
         <p:spPr>
           <a:xfrm>
-            <a:off x="838200" y="1825625"/>
-            <a:ext cx="4244792" cy="4351338"/>
+            <a:off x="477980" y="1594716"/>
+            <a:ext cx="2865583" cy="4351338"/>
           </a:xfrm>
         </p:spPr>
         <p:txBody>
@@ -53130,13 +53933,13 @@
           <a:p>
             <a:r>
               <a:rPr lang="en-US" dirty="0"/>
-              <a:t>Be gentle</a:t>
+              <a:t>This will install the latest SW</a:t>
             </a:r>
           </a:p>
           <a:p>
             <a:r>
               <a:rPr lang="en-US" dirty="0"/>
-              <a:t>RPi 4 will need the HDMI to HDMI Micro adapter. Plug into HDMI 1</a:t>
+              <a:t>You have to download a huge file for previous versions.</a:t>
             </a:r>
           </a:p>
         </p:txBody>
@@ -53150,21 +53953,15 @@
           <p:nvPr/>
         </p:nvPicPr>
         <p:blipFill>
-          <a:blip r:embed="rId2">
-            <a:extLst>
-              <a:ext uri="{28A0092B-C50C-407E-A947-70E740481C1C}">
-                <a14:useLocalDpi xmlns:a14="http://schemas.microsoft.com/office/drawing/2010/main" val="0"/>
-              </a:ext>
-            </a:extLst>
-          </a:blip>
+          <a:blip r:embed="rId2"/>
           <a:stretch>
             <a:fillRect/>
           </a:stretch>
         </p:blipFill>
         <p:spPr>
           <a:xfrm>
-            <a:off x="5082992" y="1690688"/>
-            <a:ext cx="6270808" cy="4279826"/>
+            <a:off x="3494671" y="2393991"/>
+            <a:ext cx="8602027" cy="4085780"/>
           </a:xfrm>
           <a:prstGeom prst="rect">
             <a:avLst/>
@@ -53174,7 +53971,7 @@
     </p:spTree>
     <p:extLst>
       <p:ext uri="{BB962C8B-B14F-4D97-AF65-F5344CB8AC3E}">
-        <p14:creationId xmlns:p14="http://schemas.microsoft.com/office/powerpoint/2010/main" val="2648829952"/>
+        <p14:creationId xmlns:p14="http://schemas.microsoft.com/office/powerpoint/2010/main" val="3372413376"/>
       </p:ext>
     </p:extLst>
   </p:cSld>
@@ -53218,7 +54015,399 @@
           <a:p>
             <a:r>
               <a:rPr lang="en-US" dirty="0"/>
-              <a:t>Connect Network Cable</a:t>
+              <a:t>Open Raspberry Pi Imager</a:t>
+            </a:r>
+          </a:p>
+        </p:txBody>
+      </p:sp>
+      <p:pic>
+        <p:nvPicPr>
+          <p:cNvPr id="4" name="Content Placeholder 3"/>
+          <p:cNvPicPr>
+            <a:picLocks noGrp="1" noChangeAspect="1"/>
+          </p:cNvPicPr>
+          <p:nvPr>
+            <p:ph idx="1"/>
+          </p:nvPr>
+        </p:nvPicPr>
+        <p:blipFill>
+          <a:blip r:embed="rId2"/>
+          <a:stretch>
+            <a:fillRect/>
+          </a:stretch>
+        </p:blipFill>
+        <p:spPr>
+          <a:xfrm>
+            <a:off x="2824163" y="1680369"/>
+            <a:ext cx="6543675" cy="4314825"/>
+          </a:xfrm>
+          <a:prstGeom prst="rect">
+            <a:avLst/>
+          </a:prstGeom>
+        </p:spPr>
+      </p:pic>
+    </p:spTree>
+    <p:extLst>
+      <p:ext uri="{BB962C8B-B14F-4D97-AF65-F5344CB8AC3E}">
+        <p14:creationId xmlns:p14="http://schemas.microsoft.com/office/powerpoint/2010/main" val="3625959162"/>
+      </p:ext>
+    </p:extLst>
+  </p:cSld>
+  <p:clrMapOvr>
+    <a:masterClrMapping/>
+  </p:clrMapOvr>
+</p:sld>
+</file>
+
+<file path=ppt/slides/slide12.xml><?xml version="1.0" encoding="utf-8"?>
+<p:sld xmlns:a="http://schemas.openxmlformats.org/drawingml/2006/main" xmlns:r="http://schemas.openxmlformats.org/officeDocument/2006/relationships" xmlns:p="http://schemas.openxmlformats.org/presentationml/2006/main">
+  <p:cSld>
+    <p:spTree>
+      <p:nvGrpSpPr>
+        <p:cNvPr id="1" name=""/>
+        <p:cNvGrpSpPr/>
+        <p:nvPr/>
+      </p:nvGrpSpPr>
+      <p:grpSpPr>
+        <a:xfrm>
+          <a:off x="0" y="0"/>
+          <a:ext cx="0" cy="0"/>
+          <a:chOff x="0" y="0"/>
+          <a:chExt cx="0" cy="0"/>
+        </a:xfrm>
+      </p:grpSpPr>
+      <p:sp>
+        <p:nvSpPr>
+          <p:cNvPr id="2" name="Title 1"/>
+          <p:cNvSpPr>
+            <a:spLocks noGrp="1"/>
+          </p:cNvSpPr>
+          <p:nvPr>
+            <p:ph type="title"/>
+          </p:nvPr>
+        </p:nvSpPr>
+        <p:spPr/>
+        <p:txBody>
+          <a:bodyPr/>
+          <a:lstStyle/>
+          <a:p>
+            <a:r>
+              <a:rPr lang="en-US" dirty="0"/>
+              <a:t>Choose the Raspberry Pi OS (32-bit)</a:t>
+            </a:r>
+          </a:p>
+        </p:txBody>
+      </p:sp>
+      <p:pic>
+        <p:nvPicPr>
+          <p:cNvPr id="4" name="Content Placeholder 3"/>
+          <p:cNvPicPr>
+            <a:picLocks noGrp="1" noChangeAspect="1"/>
+          </p:cNvPicPr>
+          <p:nvPr>
+            <p:ph idx="1"/>
+          </p:nvPr>
+        </p:nvPicPr>
+        <p:blipFill>
+          <a:blip r:embed="rId2"/>
+          <a:stretch>
+            <a:fillRect/>
+          </a:stretch>
+        </p:blipFill>
+        <p:spPr>
+          <a:xfrm>
+            <a:off x="2852738" y="1685131"/>
+            <a:ext cx="6486525" cy="4305300"/>
+          </a:xfrm>
+          <a:prstGeom prst="rect">
+            <a:avLst/>
+          </a:prstGeom>
+        </p:spPr>
+      </p:pic>
+    </p:spTree>
+    <p:extLst>
+      <p:ext uri="{BB962C8B-B14F-4D97-AF65-F5344CB8AC3E}">
+        <p14:creationId xmlns:p14="http://schemas.microsoft.com/office/powerpoint/2010/main" val="4144211197"/>
+      </p:ext>
+    </p:extLst>
+  </p:cSld>
+  <p:clrMapOvr>
+    <a:masterClrMapping/>
+  </p:clrMapOvr>
+</p:sld>
+</file>
+
+<file path=ppt/slides/slide13.xml><?xml version="1.0" encoding="utf-8"?>
+<p:sld xmlns:a="http://schemas.openxmlformats.org/drawingml/2006/main" xmlns:r="http://schemas.openxmlformats.org/officeDocument/2006/relationships" xmlns:p="http://schemas.openxmlformats.org/presentationml/2006/main">
+  <p:cSld>
+    <p:spTree>
+      <p:nvGrpSpPr>
+        <p:cNvPr id="1" name=""/>
+        <p:cNvGrpSpPr/>
+        <p:nvPr/>
+      </p:nvGrpSpPr>
+      <p:grpSpPr>
+        <a:xfrm>
+          <a:off x="0" y="0"/>
+          <a:ext cx="0" cy="0"/>
+          <a:chOff x="0" y="0"/>
+          <a:chExt cx="0" cy="0"/>
+        </a:xfrm>
+      </p:grpSpPr>
+      <p:sp>
+        <p:nvSpPr>
+          <p:cNvPr id="2" name="Title 1"/>
+          <p:cNvSpPr>
+            <a:spLocks noGrp="1"/>
+          </p:cNvSpPr>
+          <p:nvPr>
+            <p:ph type="title"/>
+          </p:nvPr>
+        </p:nvSpPr>
+        <p:spPr/>
+        <p:txBody>
+          <a:bodyPr/>
+          <a:lstStyle/>
+          <a:p>
+            <a:r>
+              <a:rPr lang="en-US" dirty="0"/>
+              <a:t>Plug the SD card into your computer and select Choose Storage.</a:t>
+            </a:r>
+          </a:p>
+        </p:txBody>
+      </p:sp>
+      <p:pic>
+        <p:nvPicPr>
+          <p:cNvPr id="4" name="Content Placeholder 3"/>
+          <p:cNvPicPr>
+            <a:picLocks noGrp="1" noChangeAspect="1"/>
+          </p:cNvPicPr>
+          <p:nvPr>
+            <p:ph idx="1"/>
+          </p:nvPr>
+        </p:nvPicPr>
+        <p:blipFill>
+          <a:blip r:embed="rId2"/>
+          <a:stretch>
+            <a:fillRect/>
+          </a:stretch>
+        </p:blipFill>
+        <p:spPr>
+          <a:xfrm>
+            <a:off x="2843213" y="1694656"/>
+            <a:ext cx="6505575" cy="4286250"/>
+          </a:xfrm>
+          <a:prstGeom prst="rect">
+            <a:avLst/>
+          </a:prstGeom>
+        </p:spPr>
+      </p:pic>
+    </p:spTree>
+    <p:extLst>
+      <p:ext uri="{BB962C8B-B14F-4D97-AF65-F5344CB8AC3E}">
+        <p14:creationId xmlns:p14="http://schemas.microsoft.com/office/powerpoint/2010/main" val="3434798156"/>
+      </p:ext>
+    </p:extLst>
+  </p:cSld>
+  <p:clrMapOvr>
+    <a:masterClrMapping/>
+  </p:clrMapOvr>
+</p:sld>
+</file>
+
+<file path=ppt/slides/slide14.xml><?xml version="1.0" encoding="utf-8"?>
+<p:sld xmlns:a="http://schemas.openxmlformats.org/drawingml/2006/main" xmlns:r="http://schemas.openxmlformats.org/officeDocument/2006/relationships" xmlns:p="http://schemas.openxmlformats.org/presentationml/2006/main">
+  <p:cSld>
+    <p:spTree>
+      <p:nvGrpSpPr>
+        <p:cNvPr id="1" name=""/>
+        <p:cNvGrpSpPr/>
+        <p:nvPr/>
+      </p:nvGrpSpPr>
+      <p:grpSpPr>
+        <a:xfrm>
+          <a:off x="0" y="0"/>
+          <a:ext cx="0" cy="0"/>
+          <a:chOff x="0" y="0"/>
+          <a:chExt cx="0" cy="0"/>
+        </a:xfrm>
+      </p:grpSpPr>
+      <p:sp>
+        <p:nvSpPr>
+          <p:cNvPr id="2" name="Title 1"/>
+          <p:cNvSpPr>
+            <a:spLocks noGrp="1"/>
+          </p:cNvSpPr>
+          <p:nvPr>
+            <p:ph type="title"/>
+          </p:nvPr>
+        </p:nvSpPr>
+        <p:spPr/>
+        <p:txBody>
+          <a:bodyPr>
+            <a:normAutofit fontScale="90000"/>
+          </a:bodyPr>
+          <a:lstStyle/>
+          <a:p>
+            <a:r>
+              <a:rPr lang="en-US" sz="4000" dirty="0"/>
+              <a:t>SD card is P:\ on this system. Verify in Explorer. THIS WILL ERASE EVERYTHING ON THE CARD</a:t>
+            </a:r>
+          </a:p>
+        </p:txBody>
+      </p:sp>
+      <p:pic>
+        <p:nvPicPr>
+          <p:cNvPr id="4" name="Content Placeholder 3"/>
+          <p:cNvPicPr>
+            <a:picLocks noGrp="1" noChangeAspect="1"/>
+          </p:cNvPicPr>
+          <p:nvPr>
+            <p:ph idx="1"/>
+          </p:nvPr>
+        </p:nvPicPr>
+        <p:blipFill>
+          <a:blip r:embed="rId2"/>
+          <a:stretch>
+            <a:fillRect/>
+          </a:stretch>
+        </p:blipFill>
+        <p:spPr>
+          <a:xfrm>
+            <a:off x="2566122" y="2234551"/>
+            <a:ext cx="6505575" cy="4314825"/>
+          </a:xfrm>
+          <a:prstGeom prst="rect">
+            <a:avLst/>
+          </a:prstGeom>
+        </p:spPr>
+      </p:pic>
+    </p:spTree>
+    <p:extLst>
+      <p:ext uri="{BB962C8B-B14F-4D97-AF65-F5344CB8AC3E}">
+        <p14:creationId xmlns:p14="http://schemas.microsoft.com/office/powerpoint/2010/main" val="1360258468"/>
+      </p:ext>
+    </p:extLst>
+  </p:cSld>
+  <p:clrMapOvr>
+    <a:masterClrMapping/>
+  </p:clrMapOvr>
+</p:sld>
+</file>
+
+<file path=ppt/slides/slide15.xml><?xml version="1.0" encoding="utf-8"?>
+<p:sld xmlns:a="http://schemas.openxmlformats.org/drawingml/2006/main" xmlns:r="http://schemas.openxmlformats.org/officeDocument/2006/relationships" xmlns:p="http://schemas.openxmlformats.org/presentationml/2006/main">
+  <p:cSld>
+    <p:spTree>
+      <p:nvGrpSpPr>
+        <p:cNvPr id="1" name=""/>
+        <p:cNvGrpSpPr/>
+        <p:nvPr/>
+      </p:nvGrpSpPr>
+      <p:grpSpPr>
+        <a:xfrm>
+          <a:off x="0" y="0"/>
+          <a:ext cx="0" cy="0"/>
+          <a:chOff x="0" y="0"/>
+          <a:chExt cx="0" cy="0"/>
+        </a:xfrm>
+      </p:grpSpPr>
+      <p:sp>
+        <p:nvSpPr>
+          <p:cNvPr id="2" name="Title 1"/>
+          <p:cNvSpPr>
+            <a:spLocks noGrp="1"/>
+          </p:cNvSpPr>
+          <p:nvPr>
+            <p:ph type="title"/>
+          </p:nvPr>
+        </p:nvSpPr>
+        <p:spPr/>
+        <p:txBody>
+          <a:bodyPr/>
+          <a:lstStyle/>
+          <a:p>
+            <a:r>
+              <a:rPr lang="en-US" dirty="0"/>
+              <a:t>Click Write</a:t>
+            </a:r>
+          </a:p>
+        </p:txBody>
+      </p:sp>
+      <p:pic>
+        <p:nvPicPr>
+          <p:cNvPr id="4" name="Content Placeholder 3"/>
+          <p:cNvPicPr>
+            <a:picLocks noGrp="1" noChangeAspect="1"/>
+          </p:cNvPicPr>
+          <p:nvPr>
+            <p:ph idx="1"/>
+          </p:nvPr>
+        </p:nvPicPr>
+        <p:blipFill>
+          <a:blip r:embed="rId2"/>
+          <a:stretch>
+            <a:fillRect/>
+          </a:stretch>
+        </p:blipFill>
+        <p:spPr>
+          <a:xfrm>
+            <a:off x="2843213" y="1675606"/>
+            <a:ext cx="6505575" cy="4324350"/>
+          </a:xfrm>
+          <a:prstGeom prst="rect">
+            <a:avLst/>
+          </a:prstGeom>
+        </p:spPr>
+      </p:pic>
+    </p:spTree>
+    <p:extLst>
+      <p:ext uri="{BB962C8B-B14F-4D97-AF65-F5344CB8AC3E}">
+        <p14:creationId xmlns:p14="http://schemas.microsoft.com/office/powerpoint/2010/main" val="3132277588"/>
+      </p:ext>
+    </p:extLst>
+  </p:cSld>
+  <p:clrMapOvr>
+    <a:masterClrMapping/>
+  </p:clrMapOvr>
+</p:sld>
+</file>
+
+<file path=ppt/slides/slide16.xml><?xml version="1.0" encoding="utf-8"?>
+<p:sld xmlns:a="http://schemas.openxmlformats.org/drawingml/2006/main" xmlns:r="http://schemas.openxmlformats.org/officeDocument/2006/relationships" xmlns:p="http://schemas.openxmlformats.org/presentationml/2006/main">
+  <p:cSld>
+    <p:spTree>
+      <p:nvGrpSpPr>
+        <p:cNvPr id="1" name=""/>
+        <p:cNvGrpSpPr/>
+        <p:nvPr/>
+      </p:nvGrpSpPr>
+      <p:grpSpPr>
+        <a:xfrm>
+          <a:off x="0" y="0"/>
+          <a:ext cx="0" cy="0"/>
+          <a:chOff x="0" y="0"/>
+          <a:chExt cx="0" cy="0"/>
+        </a:xfrm>
+      </p:grpSpPr>
+      <p:sp>
+        <p:nvSpPr>
+          <p:cNvPr id="2" name="Title 1"/>
+          <p:cNvSpPr>
+            <a:spLocks noGrp="1"/>
+          </p:cNvSpPr>
+          <p:nvPr>
+            <p:ph type="title"/>
+          </p:nvPr>
+        </p:nvSpPr>
+        <p:spPr/>
+        <p:txBody>
+          <a:bodyPr/>
+          <a:lstStyle/>
+          <a:p>
+            <a:r>
+              <a:rPr lang="en-US" dirty="0"/>
+              <a:t>Insert the Imaged SD card into the Raspberry pi</a:t>
             </a:r>
           </a:p>
         </p:txBody>
@@ -53235,109 +54424,58 @@
         </p:nvSpPr>
         <p:spPr>
           <a:xfrm>
-            <a:off x="838200" y="1825625"/>
-            <a:ext cx="4244792" cy="4351338"/>
+            <a:off x="849499" y="1483200"/>
+            <a:ext cx="10290000" cy="2694151"/>
           </a:xfrm>
         </p:spPr>
         <p:txBody>
-          <a:bodyPr/>
+          <a:bodyPr anchor="t"/>
           <a:lstStyle/>
           <a:p>
             <a:r>
               <a:rPr lang="en-US" dirty="0"/>
-              <a:t>Disconnect the network cable from the back of the bench to the computer and plug in the 7 foot network cable into that network port and the RPi.</a:t>
+              <a:t>Be gentle.</a:t>
             </a:r>
+          </a:p>
+          <a:p>
+            <a:endParaRPr lang="en-US" dirty="0"/>
           </a:p>
         </p:txBody>
       </p:sp>
       <p:pic>
         <p:nvPicPr>
-          <p:cNvPr id="4" name="Picture 3"/>
+          <p:cNvPr id="10" name="Picture 9">
+            <a:extLst>
+              <a:ext uri="{FF2B5EF4-FFF2-40B4-BE49-F238E27FC236}">
+                <a16:creationId xmlns:a16="http://schemas.microsoft.com/office/drawing/2014/main" id="{B0666903-8BEF-DAAE-FB07-6ED335EB89A5}"/>
+              </a:ext>
+            </a:extLst>
+          </p:cNvPr>
           <p:cNvPicPr>
             <a:picLocks noChangeAspect="1"/>
           </p:cNvPicPr>
           <p:nvPr/>
         </p:nvPicPr>
         <p:blipFill>
-          <a:blip r:embed="rId2">
-            <a:extLst>
-              <a:ext uri="{28A0092B-C50C-407E-A947-70E740481C1C}">
-                <a14:useLocalDpi xmlns:a14="http://schemas.microsoft.com/office/drawing/2010/main" val="0"/>
-              </a:ext>
-            </a:extLst>
-          </a:blip>
+          <a:blip r:embed="rId2"/>
           <a:stretch>
             <a:fillRect/>
           </a:stretch>
         </p:blipFill>
         <p:spPr>
           <a:xfrm>
-            <a:off x="5082992" y="1690688"/>
-            <a:ext cx="6270808" cy="4279826"/>
+            <a:off x="3748087" y="1909762"/>
+            <a:ext cx="6391275" cy="3819525"/>
           </a:xfrm>
           <a:prstGeom prst="rect">
             <a:avLst/>
           </a:prstGeom>
         </p:spPr>
       </p:pic>
-      <p:sp>
-        <p:nvSpPr>
-          <p:cNvPr id="5" name="Arrow: Left 4">
-            <a:extLst>
-              <a:ext uri="{FF2B5EF4-FFF2-40B4-BE49-F238E27FC236}">
-                <a16:creationId xmlns:a16="http://schemas.microsoft.com/office/drawing/2014/main" id="{8747CDED-80E6-4A5E-BDB7-AAED6CD52FDE}"/>
-              </a:ext>
-            </a:extLst>
-          </p:cNvPr>
-          <p:cNvSpPr/>
-          <p:nvPr/>
-        </p:nvSpPr>
-        <p:spPr>
-          <a:xfrm>
-            <a:off x="9983800" y="3800475"/>
-            <a:ext cx="1144600" cy="609600"/>
-          </a:xfrm>
-          <a:prstGeom prst="leftArrow">
-            <a:avLst/>
-          </a:prstGeom>
-          <a:solidFill>
-            <a:srgbClr val="FF0000"/>
-          </a:solidFill>
-          <a:ln>
-            <a:solidFill>
-              <a:srgbClr val="FF0000"/>
-            </a:solidFill>
-          </a:ln>
-        </p:spPr>
-        <p:style>
-          <a:lnRef idx="2">
-            <a:schemeClr val="accent1">
-              <a:shade val="50000"/>
-            </a:schemeClr>
-          </a:lnRef>
-          <a:fillRef idx="1">
-            <a:schemeClr val="accent1"/>
-          </a:fillRef>
-          <a:effectRef idx="0">
-            <a:schemeClr val="accent1"/>
-          </a:effectRef>
-          <a:fontRef idx="minor">
-            <a:schemeClr val="lt1"/>
-          </a:fontRef>
-        </p:style>
-        <p:txBody>
-          <a:bodyPr rtlCol="0" anchor="ctr"/>
-          <a:lstStyle/>
-          <a:p>
-            <a:pPr algn="ctr"/>
-            <a:endParaRPr lang="en-US"/>
-          </a:p>
-        </p:txBody>
-      </p:sp>
     </p:spTree>
     <p:extLst>
       <p:ext uri="{BB962C8B-B14F-4D97-AF65-F5344CB8AC3E}">
-        <p14:creationId xmlns:p14="http://schemas.microsoft.com/office/powerpoint/2010/main" val="1539767755"/>
+        <p14:creationId xmlns:p14="http://schemas.microsoft.com/office/powerpoint/2010/main" val="1982202001"/>
       </p:ext>
     </p:extLst>
   </p:cSld>
@@ -53347,7 +54485,7 @@
 </p:sld>
 </file>
 
-<file path=ppt/slides/slide12.xml><?xml version="1.0" encoding="utf-8"?>
+<file path=ppt/slides/slide17.xml><?xml version="1.0" encoding="utf-8"?>
 <p:sld xmlns:a="http://schemas.openxmlformats.org/drawingml/2006/main" xmlns:r="http://schemas.openxmlformats.org/officeDocument/2006/relationships" xmlns:p="http://schemas.openxmlformats.org/presentationml/2006/main">
   <p:cSld>
     <p:spTree>
@@ -53399,7 +54537,7 @@
         <p:spPr>
           <a:xfrm>
             <a:off x="849499" y="1483200"/>
-            <a:ext cx="10290000" cy="1892367"/>
+            <a:ext cx="10290000" cy="2564925"/>
           </a:xfrm>
         </p:spPr>
         <p:txBody>
@@ -53430,39 +54568,16 @@
           <a:p>
             <a:r>
               <a:rPr lang="en-US" dirty="0"/>
-              <a:t>Ensure the Display is on HDMI input then </a:t>
+              <a:t>Ensure the Display is on HDMI input then</a:t>
             </a:r>
           </a:p>
           <a:p>
-            <a:r>
-              <a:rPr lang="en-US" dirty="0"/>
-              <a:t>Go thru the set up. Chicago </a:t>
-            </a:r>
-            <a:r>
-              <a:rPr lang="en-US" dirty="0" err="1"/>
-              <a:t>TimeZone</a:t>
-            </a:r>
-            <a:r>
-              <a:rPr lang="en-US" dirty="0"/>
-              <a:t>, </a:t>
-            </a:r>
+            <a:endParaRPr lang="en-US" dirty="0"/>
           </a:p>
           <a:p>
             <a:r>
-              <a:rPr lang="en-US" dirty="0"/>
-              <a:t>Username is pi</a:t>
-            </a:r>
-          </a:p>
-          <a:p>
-            <a:r>
-              <a:rPr lang="en-US" dirty="0"/>
-              <a:t>Password is raspberry</a:t>
-            </a:r>
-          </a:p>
-          <a:p>
-            <a:r>
-              <a:rPr lang="en-US" dirty="0"/>
-              <a:t>This is the standard username and password.</a:t>
+              <a:rPr lang="en-US" b="1" u="sng" dirty="0"/>
+              <a:t>Once the pi completely boots up:  wait before proceeding. </a:t>
             </a:r>
           </a:p>
           <a:p>
@@ -53593,7 +54708,7 @@
     </p:spTree>
     <p:extLst>
       <p:ext uri="{BB962C8B-B14F-4D97-AF65-F5344CB8AC3E}">
-        <p14:creationId xmlns:p14="http://schemas.microsoft.com/office/powerpoint/2010/main" val="1982202001"/>
+        <p14:creationId xmlns:p14="http://schemas.microsoft.com/office/powerpoint/2010/main" val="2603866594"/>
       </p:ext>
     </p:extLst>
   </p:cSld>
@@ -53603,7 +54718,245 @@
 </p:sld>
 </file>
 
-<file path=ppt/slides/slide13.xml><?xml version="1.0" encoding="utf-8"?>
+<file path=ppt/slides/slide18.xml><?xml version="1.0" encoding="utf-8"?>
+<p:sld xmlns:a="http://schemas.openxmlformats.org/drawingml/2006/main" xmlns:r="http://schemas.openxmlformats.org/officeDocument/2006/relationships" xmlns:p="http://schemas.openxmlformats.org/presentationml/2006/main">
+  <p:cSld>
+    <p:spTree>
+      <p:nvGrpSpPr>
+        <p:cNvPr id="1" name=""/>
+        <p:cNvGrpSpPr/>
+        <p:nvPr/>
+      </p:nvGrpSpPr>
+      <p:grpSpPr>
+        <a:xfrm>
+          <a:off x="0" y="0"/>
+          <a:ext cx="0" cy="0"/>
+          <a:chOff x="0" y="0"/>
+          <a:chExt cx="0" cy="0"/>
+        </a:xfrm>
+      </p:grpSpPr>
+      <p:sp>
+        <p:nvSpPr>
+          <p:cNvPr id="2" name="Title 1"/>
+          <p:cNvSpPr>
+            <a:spLocks noGrp="1"/>
+          </p:cNvSpPr>
+          <p:nvPr>
+            <p:ph type="title"/>
+          </p:nvPr>
+        </p:nvSpPr>
+        <p:spPr/>
+        <p:txBody>
+          <a:bodyPr/>
+          <a:lstStyle/>
+          <a:p>
+            <a:r>
+              <a:rPr lang="en-US" dirty="0"/>
+              <a:t>Connect Power</a:t>
+            </a:r>
+          </a:p>
+        </p:txBody>
+      </p:sp>
+      <p:sp>
+        <p:nvSpPr>
+          <p:cNvPr id="3" name="Content Placeholder 2"/>
+          <p:cNvSpPr>
+            <a:spLocks noGrp="1"/>
+          </p:cNvSpPr>
+          <p:nvPr>
+            <p:ph idx="1"/>
+          </p:nvPr>
+        </p:nvSpPr>
+        <p:spPr>
+          <a:xfrm>
+            <a:off x="849499" y="1483200"/>
+            <a:ext cx="10290000" cy="2564925"/>
+          </a:xfrm>
+        </p:spPr>
+        <p:txBody>
+          <a:bodyPr anchor="t"/>
+          <a:lstStyle/>
+          <a:p>
+            <a:r>
+              <a:rPr lang="en-US" dirty="0"/>
+              <a:t>Go thru the set up. Chicago </a:t>
+            </a:r>
+            <a:r>
+              <a:rPr lang="en-US" dirty="0" err="1"/>
+              <a:t>TimeZone</a:t>
+            </a:r>
+            <a:r>
+              <a:rPr lang="en-US" dirty="0"/>
+              <a:t>, </a:t>
+            </a:r>
+          </a:p>
+          <a:p>
+            <a:r>
+              <a:rPr lang="en-US" dirty="0"/>
+              <a:t>Username is:  pi</a:t>
+            </a:r>
+          </a:p>
+          <a:p>
+            <a:r>
+              <a:rPr lang="en-US" dirty="0"/>
+              <a:t>Password is:  raspberry</a:t>
+            </a:r>
+          </a:p>
+          <a:p>
+            <a:r>
+              <a:rPr lang="en-US" dirty="0"/>
+              <a:t>This is the standard username and password.</a:t>
+            </a:r>
+          </a:p>
+          <a:p>
+            <a:endParaRPr lang="en-US" dirty="0"/>
+          </a:p>
+        </p:txBody>
+      </p:sp>
+      <p:pic>
+        <p:nvPicPr>
+          <p:cNvPr id="5" name="Picture 4"/>
+          <p:cNvPicPr>
+            <a:picLocks noChangeAspect="1"/>
+          </p:cNvPicPr>
+          <p:nvPr/>
+        </p:nvPicPr>
+        <p:blipFill>
+          <a:blip r:embed="rId2"/>
+          <a:stretch>
+            <a:fillRect/>
+          </a:stretch>
+        </p:blipFill>
+        <p:spPr>
+          <a:xfrm>
+            <a:off x="7615432" y="4621851"/>
+            <a:ext cx="1958286" cy="1089469"/>
+          </a:xfrm>
+          <a:prstGeom prst="rect">
+            <a:avLst/>
+          </a:prstGeom>
+        </p:spPr>
+      </p:pic>
+      <p:sp>
+        <p:nvSpPr>
+          <p:cNvPr id="7" name="TextBox 6"/>
+          <p:cNvSpPr txBox="1"/>
+          <p:nvPr/>
+        </p:nvSpPr>
+        <p:spPr>
+          <a:xfrm>
+            <a:off x="8172824" y="5742462"/>
+            <a:ext cx="843501" cy="307777"/>
+          </a:xfrm>
+          <a:prstGeom prst="rect">
+            <a:avLst/>
+          </a:prstGeom>
+          <a:noFill/>
+        </p:spPr>
+        <p:txBody>
+          <a:bodyPr wrap="none" rtlCol="0">
+            <a:spAutoFit/>
+          </a:bodyPr>
+          <a:lstStyle/>
+          <a:p>
+            <a:r>
+              <a:rPr lang="en-US" dirty="0">
+                <a:solidFill>
+                  <a:schemeClr val="tx1"/>
+                </a:solidFill>
+              </a:rPr>
+              <a:t>USB - C</a:t>
+            </a:r>
+          </a:p>
+        </p:txBody>
+      </p:sp>
+      <p:pic>
+        <p:nvPicPr>
+          <p:cNvPr id="8" name="Picture 7">
+            <a:extLst>
+              <a:ext uri="{FF2B5EF4-FFF2-40B4-BE49-F238E27FC236}">
+                <a16:creationId xmlns:a16="http://schemas.microsoft.com/office/drawing/2014/main" id="{DEF2C2E2-4DEA-FA73-2B97-1BDC845F12E7}"/>
+              </a:ext>
+            </a:extLst>
+          </p:cNvPr>
+          <p:cNvPicPr>
+            <a:picLocks noChangeAspect="1"/>
+          </p:cNvPicPr>
+          <p:nvPr/>
+        </p:nvPicPr>
+        <p:blipFill>
+          <a:blip r:embed="rId3"/>
+          <a:stretch>
+            <a:fillRect/>
+          </a:stretch>
+        </p:blipFill>
+        <p:spPr>
+          <a:xfrm>
+            <a:off x="6964589" y="1115538"/>
+            <a:ext cx="4495800" cy="3219450"/>
+          </a:xfrm>
+          <a:prstGeom prst="rect">
+            <a:avLst/>
+          </a:prstGeom>
+        </p:spPr>
+      </p:pic>
+      <p:sp>
+        <p:nvSpPr>
+          <p:cNvPr id="9" name="TextBox 8">
+            <a:extLst>
+              <a:ext uri="{FF2B5EF4-FFF2-40B4-BE49-F238E27FC236}">
+                <a16:creationId xmlns:a16="http://schemas.microsoft.com/office/drawing/2014/main" id="{F2ABADD1-CAF2-5C09-2E3D-3ED9CABAF100}"/>
+              </a:ext>
+            </a:extLst>
+          </p:cNvPr>
+          <p:cNvSpPr txBox="1"/>
+          <p:nvPr/>
+        </p:nvSpPr>
+        <p:spPr>
+          <a:xfrm>
+            <a:off x="1028700" y="3362324"/>
+            <a:ext cx="5753100" cy="2585323"/>
+          </a:xfrm>
+          <a:prstGeom prst="rect">
+            <a:avLst/>
+          </a:prstGeom>
+          <a:noFill/>
+        </p:spPr>
+        <p:txBody>
+          <a:bodyPr wrap="square" rtlCol="0">
+            <a:spAutoFit/>
+          </a:bodyPr>
+          <a:lstStyle/>
+          <a:p>
+            <a:pPr algn="ctr"/>
+            <a:r>
+              <a:rPr lang="en-US" sz="5400" b="1" i="1" u="sng" dirty="0">
+                <a:solidFill>
+                  <a:srgbClr val="FF0000"/>
+                </a:solidFill>
+                <a:highlight>
+                  <a:srgbClr val="FFFF00"/>
+                </a:highlight>
+              </a:rPr>
+              <a:t>DO NOT INSTALL UPDATES!</a:t>
+            </a:r>
+          </a:p>
+        </p:txBody>
+      </p:sp>
+    </p:spTree>
+    <p:extLst>
+      <p:ext uri="{BB962C8B-B14F-4D97-AF65-F5344CB8AC3E}">
+        <p14:creationId xmlns:p14="http://schemas.microsoft.com/office/powerpoint/2010/main" val="4291562240"/>
+      </p:ext>
+    </p:extLst>
+  </p:cSld>
+  <p:clrMapOvr>
+    <a:masterClrMapping/>
+  </p:clrMapOvr>
+</p:sld>
+</file>
+
+<file path=ppt/slides/slide19.xml><?xml version="1.0" encoding="utf-8"?>
 <p:sld xmlns:a="http://schemas.openxmlformats.org/drawingml/2006/main" xmlns:r="http://schemas.openxmlformats.org/officeDocument/2006/relationships" xmlns:p="http://schemas.openxmlformats.org/presentationml/2006/main">
   <p:cSld>
     <p:spTree>
@@ -53805,7 +55158,137 @@
 </p:sld>
 </file>
 
-<file path=ppt/slides/slide14.xml><?xml version="1.0" encoding="utf-8"?>
+<file path=ppt/slides/slide2.xml><?xml version="1.0" encoding="utf-8"?>
+<p:sld xmlns:a="http://schemas.openxmlformats.org/drawingml/2006/main" xmlns:r="http://schemas.openxmlformats.org/officeDocument/2006/relationships" xmlns:p="http://schemas.openxmlformats.org/presentationml/2006/main">
+  <p:cSld>
+    <p:spTree>
+      <p:nvGrpSpPr>
+        <p:cNvPr id="1" name=""/>
+        <p:cNvGrpSpPr/>
+        <p:nvPr/>
+      </p:nvGrpSpPr>
+      <p:grpSpPr>
+        <a:xfrm>
+          <a:off x="0" y="0"/>
+          <a:ext cx="0" cy="0"/>
+          <a:chOff x="0" y="0"/>
+          <a:chExt cx="0" cy="0"/>
+        </a:xfrm>
+      </p:grpSpPr>
+      <p:sp>
+        <p:nvSpPr>
+          <p:cNvPr id="2" name="Title 1">
+            <a:extLst>
+              <a:ext uri="{FF2B5EF4-FFF2-40B4-BE49-F238E27FC236}">
+                <a16:creationId xmlns:a16="http://schemas.microsoft.com/office/drawing/2014/main" id="{F8314A5E-E5F9-6BAD-48F3-C60E02FC2289}"/>
+              </a:ext>
+            </a:extLst>
+          </p:cNvPr>
+          <p:cNvSpPr>
+            <a:spLocks noGrp="1"/>
+          </p:cNvSpPr>
+          <p:nvPr>
+            <p:ph type="title"/>
+          </p:nvPr>
+        </p:nvSpPr>
+        <p:spPr>
+          <a:xfrm>
+            <a:off x="1257299" y="4097139"/>
+            <a:ext cx="9563099" cy="822400"/>
+          </a:xfrm>
+        </p:spPr>
+        <p:txBody>
+          <a:bodyPr/>
+          <a:lstStyle/>
+          <a:p>
+            <a:r>
+              <a:rPr lang="en-US" dirty="0"/>
+              <a:t>www.github.com/EELabMan</a:t>
+            </a:r>
+          </a:p>
+        </p:txBody>
+      </p:sp>
+      <p:sp>
+        <p:nvSpPr>
+          <p:cNvPr id="3" name="Title 2">
+            <a:extLst>
+              <a:ext uri="{FF2B5EF4-FFF2-40B4-BE49-F238E27FC236}">
+                <a16:creationId xmlns:a16="http://schemas.microsoft.com/office/drawing/2014/main" id="{E9632322-30CB-2D42-29E5-7A60E6DEAD92}"/>
+              </a:ext>
+            </a:extLst>
+          </p:cNvPr>
+          <p:cNvSpPr>
+            <a:spLocks noGrp="1"/>
+          </p:cNvSpPr>
+          <p:nvPr>
+            <p:ph type="title" idx="2"/>
+          </p:nvPr>
+        </p:nvSpPr>
+        <p:spPr>
+          <a:xfrm>
+            <a:off x="1428750" y="1636768"/>
+            <a:ext cx="9563100" cy="1543200"/>
+          </a:xfrm>
+        </p:spPr>
+        <p:txBody>
+          <a:bodyPr/>
+          <a:lstStyle/>
+          <a:p>
+            <a:r>
+              <a:rPr lang="en-US" sz="5400" dirty="0"/>
+              <a:t>The slides and code are here:</a:t>
+            </a:r>
+            <a:endParaRPr lang="en-US" dirty="0"/>
+          </a:p>
+        </p:txBody>
+      </p:sp>
+      <p:sp>
+        <p:nvSpPr>
+          <p:cNvPr id="4" name="Subtitle 3">
+            <a:extLst>
+              <a:ext uri="{FF2B5EF4-FFF2-40B4-BE49-F238E27FC236}">
+                <a16:creationId xmlns:a16="http://schemas.microsoft.com/office/drawing/2014/main" id="{A7AC5D90-C7D3-5E9F-8B3B-182690B9DD71}"/>
+              </a:ext>
+            </a:extLst>
+          </p:cNvPr>
+          <p:cNvSpPr>
+            <a:spLocks noGrp="1"/>
+          </p:cNvSpPr>
+          <p:nvPr>
+            <p:ph type="subTitle" idx="1"/>
+          </p:nvPr>
+        </p:nvSpPr>
+        <p:spPr>
+          <a:xfrm>
+            <a:off x="3345600" y="5221232"/>
+            <a:ext cx="5500800" cy="559600"/>
+          </a:xfrm>
+        </p:spPr>
+        <p:txBody>
+          <a:bodyPr/>
+          <a:lstStyle/>
+          <a:p>
+            <a:r>
+              <a:rPr lang="en-US" dirty="0"/>
+              <a:t>Please download the slide to follow along</a:t>
+            </a:r>
+          </a:p>
+        </p:txBody>
+      </p:sp>
+    </p:spTree>
+    <p:extLst>
+      <p:ext uri="{BB962C8B-B14F-4D97-AF65-F5344CB8AC3E}">
+        <p14:creationId xmlns:p14="http://schemas.microsoft.com/office/powerpoint/2010/main" val="84194663"/>
+      </p:ext>
+    </p:extLst>
+  </p:cSld>
+  <p:clrMapOvr>
+    <a:masterClrMapping/>
+  </p:clrMapOvr>
+</p:sld>
+</file>
+
+<file path=ppt/slides/slide20.xml><?xml version="1.0" encoding="utf-8"?>
 <p:sld xmlns:a="http://schemas.openxmlformats.org/drawingml/2006/main" xmlns:r="http://schemas.openxmlformats.org/officeDocument/2006/relationships" xmlns:p="http://schemas.openxmlformats.org/presentationml/2006/main">
   <p:cSld>
     <p:spTree>
@@ -53861,7 +55344,7 @@
           </a:xfrm>
         </p:spPr>
         <p:txBody>
-          <a:bodyPr/>
+          <a:bodyPr anchor="t"/>
           <a:lstStyle/>
           <a:p>
             <a:r>
@@ -53871,7 +55354,7 @@
           </a:p>
           <a:p>
             <a:r>
-              <a:rPr lang="en-US"/>
+              <a:rPr lang="en-US" dirty="0"/>
               <a:t>Download </a:t>
             </a:r>
             <a:r>
@@ -53886,31 +55369,43 @@
             </a:r>
           </a:p>
           <a:p>
-            <a:r>
-              <a:rPr lang="en-US" dirty="0"/>
-              <a:t>On the Pi: Preferences-&gt;Raspberry Pi configuration. Interfaces Tab: Enable VNC.</a:t>
-            </a:r>
+            <a:endParaRPr lang="en-US" dirty="0"/>
+          </a:p>
+          <a:p>
+            <a:endParaRPr lang="en-US" dirty="0"/>
           </a:p>
         </p:txBody>
       </p:sp>
       <p:pic>
         <p:nvPicPr>
-          <p:cNvPr id="4" name="Picture 3"/>
+          <p:cNvPr id="6" name="Picture 5" descr="Graphical user interface, application&#10;&#10;Description automatically generated">
+            <a:extLst>
+              <a:ext uri="{FF2B5EF4-FFF2-40B4-BE49-F238E27FC236}">
+                <a16:creationId xmlns:a16="http://schemas.microsoft.com/office/drawing/2014/main" id="{8201153A-79D6-1D2C-8B81-FF21D073D66A}"/>
+              </a:ext>
+            </a:extLst>
+          </p:cNvPr>
           <p:cNvPicPr>
             <a:picLocks noChangeAspect="1"/>
           </p:cNvPicPr>
           <p:nvPr/>
         </p:nvPicPr>
         <p:blipFill>
-          <a:blip r:embed="rId3"/>
+          <a:blip r:embed="rId3">
+            <a:extLst>
+              <a:ext uri="{28A0092B-C50C-407E-A947-70E740481C1C}">
+                <a14:useLocalDpi xmlns:a14="http://schemas.microsoft.com/office/drawing/2010/main" val="0"/>
+              </a:ext>
+            </a:extLst>
+          </a:blip>
           <a:stretch>
             <a:fillRect/>
           </a:stretch>
         </p:blipFill>
         <p:spPr>
           <a:xfrm>
-            <a:off x="8503570" y="1243584"/>
-            <a:ext cx="3296571" cy="3688651"/>
+            <a:off x="3148012" y="3271839"/>
+            <a:ext cx="5003269" cy="2905124"/>
           </a:xfrm>
           <a:prstGeom prst="rect">
             <a:avLst/>
@@ -53930,7 +55425,7 @@
 </p:sld>
 </file>
 
-<file path=ppt/slides/slide15.xml><?xml version="1.0" encoding="utf-8"?>
+<file path=ppt/slides/slide21.xml><?xml version="1.0" encoding="utf-8"?>
 <p:sld xmlns:a="http://schemas.openxmlformats.org/drawingml/2006/main" xmlns:r="http://schemas.openxmlformats.org/officeDocument/2006/relationships" xmlns:p="http://schemas.openxmlformats.org/presentationml/2006/main">
   <p:cSld>
     <p:spTree>
@@ -53964,7 +55459,110 @@
           <a:p>
             <a:r>
               <a:rPr lang="en-US" dirty="0"/>
-              <a:t>Remote control Baby!</a:t>
+              <a:t>Don’t want a display, keyboard or mouse duct taped to your project?</a:t>
+            </a:r>
+          </a:p>
+        </p:txBody>
+      </p:sp>
+      <p:sp>
+        <p:nvSpPr>
+          <p:cNvPr id="3" name="Content Placeholder 2"/>
+          <p:cNvSpPr>
+            <a:spLocks noGrp="1"/>
+          </p:cNvSpPr>
+          <p:nvPr>
+            <p:ph idx="1"/>
+          </p:nvPr>
+        </p:nvSpPr>
+        <p:spPr>
+          <a:xfrm>
+            <a:off x="838199" y="1825625"/>
+            <a:ext cx="4219576" cy="4351338"/>
+          </a:xfrm>
+        </p:spPr>
+        <p:txBody>
+          <a:bodyPr anchor="t"/>
+          <a:lstStyle/>
+          <a:p>
+            <a:r>
+              <a:rPr lang="en-US" dirty="0"/>
+              <a:t>On the Pi: Preferences -&gt; Raspberry Pi configuration. Interfaces Tab: Enable VNC.</a:t>
+            </a:r>
+          </a:p>
+        </p:txBody>
+      </p:sp>
+      <p:pic>
+        <p:nvPicPr>
+          <p:cNvPr id="4" name="Picture 3"/>
+          <p:cNvPicPr>
+            <a:picLocks noChangeAspect="1"/>
+          </p:cNvPicPr>
+          <p:nvPr/>
+        </p:nvPicPr>
+        <p:blipFill>
+          <a:blip r:embed="rId2"/>
+          <a:stretch>
+            <a:fillRect/>
+          </a:stretch>
+        </p:blipFill>
+        <p:spPr>
+          <a:xfrm>
+            <a:off x="5514975" y="1220337"/>
+            <a:ext cx="4970717" cy="5561913"/>
+          </a:xfrm>
+          <a:prstGeom prst="rect">
+            <a:avLst/>
+          </a:prstGeom>
+        </p:spPr>
+      </p:pic>
+    </p:spTree>
+    <p:extLst>
+      <p:ext uri="{BB962C8B-B14F-4D97-AF65-F5344CB8AC3E}">
+        <p14:creationId xmlns:p14="http://schemas.microsoft.com/office/powerpoint/2010/main" val="4144995027"/>
+      </p:ext>
+    </p:extLst>
+  </p:cSld>
+  <p:clrMapOvr>
+    <a:masterClrMapping/>
+  </p:clrMapOvr>
+</p:sld>
+</file>
+
+<file path=ppt/slides/slide22.xml><?xml version="1.0" encoding="utf-8"?>
+<p:sld xmlns:a="http://schemas.openxmlformats.org/drawingml/2006/main" xmlns:r="http://schemas.openxmlformats.org/officeDocument/2006/relationships" xmlns:p="http://schemas.openxmlformats.org/presentationml/2006/main">
+  <p:cSld>
+    <p:spTree>
+      <p:nvGrpSpPr>
+        <p:cNvPr id="1" name=""/>
+        <p:cNvGrpSpPr/>
+        <p:nvPr/>
+      </p:nvGrpSpPr>
+      <p:grpSpPr>
+        <a:xfrm>
+          <a:off x="0" y="0"/>
+          <a:ext cx="0" cy="0"/>
+          <a:chOff x="0" y="0"/>
+          <a:chExt cx="0" cy="0"/>
+        </a:xfrm>
+      </p:grpSpPr>
+      <p:sp>
+        <p:nvSpPr>
+          <p:cNvPr id="2" name="Title 1"/>
+          <p:cNvSpPr>
+            <a:spLocks noGrp="1"/>
+          </p:cNvSpPr>
+          <p:nvPr>
+            <p:ph type="title"/>
+          </p:nvPr>
+        </p:nvSpPr>
+        <p:spPr/>
+        <p:txBody>
+          <a:bodyPr/>
+          <a:lstStyle/>
+          <a:p>
+            <a:r>
+              <a:rPr lang="en-US" dirty="0"/>
+              <a:t>Remote control !</a:t>
             </a:r>
           </a:p>
         </p:txBody>
@@ -53986,7 +55584,7 @@
           </a:xfrm>
         </p:spPr>
         <p:txBody>
-          <a:bodyPr/>
+          <a:bodyPr anchor="t"/>
           <a:lstStyle/>
           <a:p>
             <a:r>
@@ -54060,8 +55658,8 @@
         </p:blipFill>
         <p:spPr>
           <a:xfrm>
-            <a:off x="8055864" y="3126944"/>
-            <a:ext cx="3946882" cy="2322879"/>
+            <a:off x="2536919" y="3429000"/>
+            <a:ext cx="5699443" cy="3354323"/>
           </a:xfrm>
           <a:prstGeom prst="rect">
             <a:avLst/>
@@ -54081,7 +55679,7 @@
 </p:sld>
 </file>
 
-<file path=ppt/slides/slide16.xml><?xml version="1.0" encoding="utf-8"?>
+<file path=ppt/slides/slide23.xml><?xml version="1.0" encoding="utf-8"?>
 <p:sld xmlns:a="http://schemas.openxmlformats.org/drawingml/2006/main" xmlns:r="http://schemas.openxmlformats.org/officeDocument/2006/relationships" xmlns:p="http://schemas.openxmlformats.org/presentationml/2006/main">
   <p:cSld>
     <p:spTree>
@@ -54115,7 +55713,7 @@
           <a:p>
             <a:r>
               <a:rPr lang="en-US" dirty="0"/>
-              <a:t>Blink an LED in Python.</a:t>
+              <a:t>Blink LED’s in Python.</a:t>
             </a:r>
           </a:p>
         </p:txBody>
@@ -54146,10 +55744,10 @@
       </p:pic>
       <p:pic>
         <p:nvPicPr>
-          <p:cNvPr id="1026" name="Picture 2" descr="Simple Guide to the Raspberry Pi GPIO Header - Raspberry Pi Spy">
+          <p:cNvPr id="3074" name="Picture 2" descr="Raspberry Pi GPIO Header with Photo">
             <a:extLst>
               <a:ext uri="{FF2B5EF4-FFF2-40B4-BE49-F238E27FC236}">
-                <a16:creationId xmlns:a16="http://schemas.microsoft.com/office/drawing/2014/main" id="{2E791452-1469-488D-968D-95292D7E8A49}"/>
+                <a16:creationId xmlns:a16="http://schemas.microsoft.com/office/drawing/2014/main" id="{81AEB4C7-EC69-B2F9-22FE-98D8584C74D0}"/>
               </a:ext>
             </a:extLst>
           </p:cNvPr>
@@ -54159,7 +55757,7 @@
           <p:nvPr/>
         </p:nvPicPr>
         <p:blipFill>
-          <a:blip r:embed="rId3" cstate="print">
+          <a:blip r:embed="rId3">
             <a:extLst>
               <a:ext uri="{28A0092B-C50C-407E-A947-70E740481C1C}">
                 <a14:useLocalDpi xmlns:a14="http://schemas.microsoft.com/office/drawing/2010/main" val="0"/>
@@ -54173,8 +55771,8 @@
         </p:blipFill>
         <p:spPr bwMode="auto">
           <a:xfrm>
-            <a:off x="635000" y="1553402"/>
-            <a:ext cx="5158509" cy="5158509"/>
+            <a:off x="70715" y="2505075"/>
+            <a:ext cx="6200775" cy="4133850"/>
           </a:xfrm>
           <a:prstGeom prst="rect">
             <a:avLst/>
@@ -54204,7 +55802,7 @@
 </p:sld>
 </file>
 
-<file path=ppt/slides/slide17.xml><?xml version="1.0" encoding="utf-8"?>
+<file path=ppt/slides/slide24.xml><?xml version="1.0" encoding="utf-8"?>
 <p:sld xmlns:a="http://schemas.openxmlformats.org/drawingml/2006/main" xmlns:r="http://schemas.openxmlformats.org/officeDocument/2006/relationships" xmlns:p="http://schemas.openxmlformats.org/presentationml/2006/main">
   <p:cSld>
     <p:spTree>
@@ -54248,7 +55846,7 @@
             </a:r>
             <a:r>
               <a:rPr lang="en-US" dirty="0" err="1"/>
-              <a:t>Geany</a:t>
+              <a:t>Thonny</a:t>
             </a:r>
             <a:r>
               <a:rPr lang="en-US" dirty="0"/>
@@ -54280,7 +55878,7 @@
           <a:p>
             <a:r>
               <a:rPr lang="en-US" dirty="0"/>
-              <a:t>Download the Button Blink PWM code.py code from the </a:t>
+              <a:t>Download the Button Blink code.py code from the </a:t>
             </a:r>
             <a:r>
               <a:rPr lang="en-US" dirty="0">
@@ -54294,7 +55892,7 @@
             </a:r>
             <a:r>
               <a:rPr lang="en-US" dirty="0" err="1"/>
-              <a:t>Geany</a:t>
+              <a:t>Thonny</a:t>
             </a:r>
             <a:r>
               <a:rPr lang="en-US" dirty="0"/>
@@ -54304,25 +55902,7 @@
           <a:p>
             <a:r>
               <a:rPr lang="en-US" dirty="0"/>
-              <a:t>Save the file as Button Blink PWM code.py </a:t>
-            </a:r>
-          </a:p>
-          <a:p>
-            <a:r>
-              <a:rPr lang="en-US" dirty="0" err="1"/>
-              <a:t>Geany</a:t>
-            </a:r>
-            <a:r>
-              <a:rPr lang="en-US" dirty="0"/>
-              <a:t> can program in several languages, so the .</a:t>
-            </a:r>
-            <a:r>
-              <a:rPr lang="en-US" dirty="0" err="1"/>
-              <a:t>py</a:t>
-            </a:r>
-            <a:r>
-              <a:rPr lang="en-US" dirty="0"/>
-              <a:t> indicated a Python Program.</a:t>
+              <a:t>Save the file as Button Blink code.py </a:t>
             </a:r>
           </a:p>
         </p:txBody>
@@ -54391,6 +55971,53 @@
           </a:p>
         </p:txBody>
       </p:sp>
+      <p:pic>
+        <p:nvPicPr>
+          <p:cNvPr id="8194" name="Picture 2" descr="Get Started with Thonny IDE on Raspberry Pi OS - The Robotics Back-End">
+            <a:extLst>
+              <a:ext uri="{FF2B5EF4-FFF2-40B4-BE49-F238E27FC236}">
+                <a16:creationId xmlns:a16="http://schemas.microsoft.com/office/drawing/2014/main" id="{37CD6E53-0A91-9D55-0E7A-EEDC3DEDF4C1}"/>
+              </a:ext>
+            </a:extLst>
+          </p:cNvPr>
+          <p:cNvPicPr>
+            <a:picLocks noChangeAspect="1" noChangeArrowheads="1"/>
+          </p:cNvPicPr>
+          <p:nvPr/>
+        </p:nvPicPr>
+        <p:blipFill>
+          <a:blip r:embed="rId3">
+            <a:extLst>
+              <a:ext uri="{28A0092B-C50C-407E-A947-70E740481C1C}">
+                <a14:useLocalDpi xmlns:a14="http://schemas.microsoft.com/office/drawing/2010/main" val="0"/>
+              </a:ext>
+            </a:extLst>
+          </a:blip>
+          <a:srcRect/>
+          <a:stretch>
+            <a:fillRect/>
+          </a:stretch>
+        </p:blipFill>
+        <p:spPr bwMode="auto">
+          <a:xfrm>
+            <a:off x="501445" y="2579593"/>
+            <a:ext cx="5478873" cy="4278407"/>
+          </a:xfrm>
+          <a:prstGeom prst="rect">
+            <a:avLst/>
+          </a:prstGeom>
+          <a:noFill/>
+          <a:extLst>
+            <a:ext uri="{909E8E84-426E-40DD-AFC4-6F175D3DCCD1}">
+              <a14:hiddenFill xmlns:a14="http://schemas.microsoft.com/office/drawing/2010/main">
+                <a:solidFill>
+                  <a:srgbClr val="FFFFFF"/>
+                </a:solidFill>
+              </a14:hiddenFill>
+            </a:ext>
+          </a:extLst>
+        </p:spPr>
+      </p:pic>
     </p:spTree>
     <p:extLst>
       <p:ext uri="{BB962C8B-B14F-4D97-AF65-F5344CB8AC3E}">
@@ -54404,7 +56031,7 @@
 </p:sld>
 </file>
 
-<file path=ppt/slides/slide18.xml><?xml version="1.0" encoding="utf-8"?>
+<file path=ppt/slides/slide25.xml><?xml version="1.0" encoding="utf-8"?>
 <p:sld xmlns:a="http://schemas.openxmlformats.org/drawingml/2006/main" xmlns:r="http://schemas.openxmlformats.org/officeDocument/2006/relationships" xmlns:p="http://schemas.openxmlformats.org/presentationml/2006/main">
   <p:cSld>
     <p:spTree>
@@ -54421,639 +56048,6 @@
           <a:chExt cx="0" cy="0"/>
         </a:xfrm>
       </p:grpSpPr>
-      <p:sp>
-        <p:nvSpPr>
-          <p:cNvPr id="2" name="Title 1">
-            <a:extLst>
-              <a:ext uri="{FF2B5EF4-FFF2-40B4-BE49-F238E27FC236}">
-                <a16:creationId xmlns:a16="http://schemas.microsoft.com/office/drawing/2014/main" id="{291B0B22-797D-40AC-849E-4C698941D42B}"/>
-              </a:ext>
-            </a:extLst>
-          </p:cNvPr>
-          <p:cNvSpPr>
-            <a:spLocks noGrp="1"/>
-          </p:cNvSpPr>
-          <p:nvPr>
-            <p:ph type="title"/>
-          </p:nvPr>
-        </p:nvSpPr>
-        <p:spPr/>
-        <p:txBody>
-          <a:bodyPr/>
-          <a:lstStyle/>
-          <a:p>
-            <a:r>
-              <a:rPr lang="en-US" dirty="0"/>
-              <a:t>Try / Except</a:t>
-            </a:r>
-          </a:p>
-        </p:txBody>
-      </p:sp>
-      <p:sp>
-        <p:nvSpPr>
-          <p:cNvPr id="3" name="Content Placeholder 2">
-            <a:extLst>
-              <a:ext uri="{FF2B5EF4-FFF2-40B4-BE49-F238E27FC236}">
-                <a16:creationId xmlns:a16="http://schemas.microsoft.com/office/drawing/2014/main" id="{84B1E52D-70AF-4771-99D3-D514FD1B409E}"/>
-              </a:ext>
-            </a:extLst>
-          </p:cNvPr>
-          <p:cNvSpPr>
-            <a:spLocks noGrp="1"/>
-          </p:cNvSpPr>
-          <p:nvPr>
-            <p:ph idx="1"/>
-          </p:nvPr>
-        </p:nvSpPr>
-        <p:spPr/>
-        <p:txBody>
-          <a:bodyPr anchor="t"/>
-          <a:lstStyle/>
-          <a:p>
-            <a:r>
-              <a:rPr lang="en-US" dirty="0"/>
-              <a:t>A simple Python function</a:t>
-            </a:r>
-          </a:p>
-        </p:txBody>
-      </p:sp>
-      <p:pic>
-        <p:nvPicPr>
-          <p:cNvPr id="5" name="Picture 4">
-            <a:extLst>
-              <a:ext uri="{FF2B5EF4-FFF2-40B4-BE49-F238E27FC236}">
-                <a16:creationId xmlns:a16="http://schemas.microsoft.com/office/drawing/2014/main" id="{39CCFD9D-3FF4-4CD4-A48C-61F610F49526}"/>
-              </a:ext>
-            </a:extLst>
-          </p:cNvPr>
-          <p:cNvPicPr>
-            <a:picLocks noChangeAspect="1"/>
-          </p:cNvPicPr>
-          <p:nvPr/>
-        </p:nvPicPr>
-        <p:blipFill>
-          <a:blip r:embed="rId2"/>
-          <a:stretch>
-            <a:fillRect/>
-          </a:stretch>
-        </p:blipFill>
-        <p:spPr>
-          <a:xfrm>
-            <a:off x="4192400" y="2994983"/>
-            <a:ext cx="7048500" cy="3143250"/>
-          </a:xfrm>
-          <a:prstGeom prst="rect">
-            <a:avLst/>
-          </a:prstGeom>
-        </p:spPr>
-      </p:pic>
-    </p:spTree>
-    <p:extLst>
-      <p:ext uri="{BB962C8B-B14F-4D97-AF65-F5344CB8AC3E}">
-        <p14:creationId xmlns:p14="http://schemas.microsoft.com/office/powerpoint/2010/main" val="1461055297"/>
-      </p:ext>
-    </p:extLst>
-  </p:cSld>
-  <p:clrMapOvr>
-    <a:masterClrMapping/>
-  </p:clrMapOvr>
-</p:sld>
-</file>
-
-<file path=ppt/slides/slide19.xml><?xml version="1.0" encoding="utf-8"?>
-<p:sld xmlns:a="http://schemas.openxmlformats.org/drawingml/2006/main" xmlns:r="http://schemas.openxmlformats.org/officeDocument/2006/relationships" xmlns:p="http://schemas.openxmlformats.org/presentationml/2006/main">
-  <p:cSld>
-    <p:spTree>
-      <p:nvGrpSpPr>
-        <p:cNvPr id="1" name=""/>
-        <p:cNvGrpSpPr/>
-        <p:nvPr/>
-      </p:nvGrpSpPr>
-      <p:grpSpPr>
-        <a:xfrm>
-          <a:off x="0" y="0"/>
-          <a:ext cx="0" cy="0"/>
-          <a:chOff x="0" y="0"/>
-          <a:chExt cx="0" cy="0"/>
-        </a:xfrm>
-      </p:grpSpPr>
-      <p:sp>
-        <p:nvSpPr>
-          <p:cNvPr id="5" name="Rectangle 4"/>
-          <p:cNvSpPr/>
-          <p:nvPr/>
-        </p:nvSpPr>
-        <p:spPr>
-          <a:xfrm>
-            <a:off x="550118" y="1531581"/>
-            <a:ext cx="5231557" cy="5262979"/>
-          </a:xfrm>
-          <a:prstGeom prst="rect">
-            <a:avLst/>
-          </a:prstGeom>
-          <a:solidFill>
-            <a:schemeClr val="tx1"/>
-          </a:solidFill>
-        </p:spPr>
-        <p:txBody>
-          <a:bodyPr wrap="square">
-            <a:spAutoFit/>
-          </a:bodyPr>
-          <a:lstStyle/>
-          <a:p>
-            <a:r>
-              <a:rPr lang="en-US" dirty="0"/>
-              <a:t>import </a:t>
-            </a:r>
-            <a:r>
-              <a:rPr lang="en-US" dirty="0" err="1"/>
-              <a:t>RPi.GPIO</a:t>
-            </a:r>
-            <a:r>
-              <a:rPr lang="en-US" dirty="0"/>
-              <a:t> as GPIO </a:t>
-            </a:r>
-          </a:p>
-          <a:p>
-            <a:r>
-              <a:rPr lang="en-US" dirty="0"/>
-              <a:t>import time</a:t>
-            </a:r>
-          </a:p>
-          <a:p>
-            <a:r>
-              <a:rPr lang="en-US" dirty="0"/>
-              <a:t>import sys </a:t>
-            </a:r>
-          </a:p>
-          <a:p>
-            <a:r>
-              <a:rPr lang="en-US" dirty="0"/>
-              <a:t> </a:t>
-            </a:r>
-          </a:p>
-          <a:p>
-            <a:r>
-              <a:rPr lang="en-US" dirty="0"/>
-              <a:t>#pin definitions </a:t>
-            </a:r>
-          </a:p>
-          <a:p>
-            <a:endParaRPr lang="en-US" dirty="0"/>
-          </a:p>
-          <a:p>
-            <a:r>
-              <a:rPr lang="en-US" dirty="0" err="1"/>
-              <a:t>pwmPin</a:t>
-            </a:r>
-            <a:r>
-              <a:rPr lang="en-US" dirty="0"/>
-              <a:t> = 23 </a:t>
-            </a:r>
-          </a:p>
-          <a:p>
-            <a:r>
-              <a:rPr lang="en-US" dirty="0" err="1"/>
-              <a:t>ledPin</a:t>
-            </a:r>
-            <a:r>
-              <a:rPr lang="en-US" dirty="0"/>
-              <a:t> = 18</a:t>
-            </a:r>
-          </a:p>
-          <a:p>
-            <a:r>
-              <a:rPr lang="en-US" dirty="0" err="1"/>
-              <a:t>butPin</a:t>
-            </a:r>
-            <a:r>
-              <a:rPr lang="en-US" dirty="0"/>
-              <a:t> = 17 </a:t>
-            </a:r>
-          </a:p>
-          <a:p>
-            <a:r>
-              <a:rPr lang="en-US" dirty="0"/>
-              <a:t>duty = 10</a:t>
-            </a:r>
-          </a:p>
-          <a:p>
-            <a:endParaRPr lang="en-US" dirty="0"/>
-          </a:p>
-          <a:p>
-            <a:r>
-              <a:rPr lang="en-US" dirty="0"/>
-              <a:t>##GPIO setup ## </a:t>
-            </a:r>
-          </a:p>
-          <a:p>
-            <a:endParaRPr lang="en-US" dirty="0"/>
-          </a:p>
-          <a:p>
-            <a:r>
-              <a:rPr lang="en-US" dirty="0" err="1"/>
-              <a:t>GPIO.setwarnings</a:t>
-            </a:r>
-            <a:r>
-              <a:rPr lang="en-US" dirty="0"/>
-              <a:t>(False)   </a:t>
-            </a:r>
-          </a:p>
-          <a:p>
-            <a:r>
-              <a:rPr lang="en-US" dirty="0" err="1"/>
-              <a:t>GPIO.setmode</a:t>
-            </a:r>
-            <a:r>
-              <a:rPr lang="en-US" dirty="0"/>
-              <a:t>(GPIO.BCM) # BCM way of referring to pins </a:t>
-            </a:r>
-          </a:p>
-          <a:p>
-            <a:r>
-              <a:rPr lang="en-US" dirty="0" err="1"/>
-              <a:t>GPIO.setup</a:t>
-            </a:r>
-            <a:r>
-              <a:rPr lang="en-US" dirty="0"/>
-              <a:t>(</a:t>
-            </a:r>
-            <a:r>
-              <a:rPr lang="en-US" dirty="0" err="1"/>
-              <a:t>ledPin</a:t>
-            </a:r>
-            <a:r>
-              <a:rPr lang="en-US" dirty="0"/>
-              <a:t>, GPIO.OUT) </a:t>
-            </a:r>
-          </a:p>
-          <a:p>
-            <a:r>
-              <a:rPr lang="en-US" dirty="0" err="1"/>
-              <a:t>GPIO.setup</a:t>
-            </a:r>
-            <a:r>
-              <a:rPr lang="en-US" dirty="0"/>
-              <a:t>(</a:t>
-            </a:r>
-            <a:r>
-              <a:rPr lang="en-US" dirty="0" err="1"/>
-              <a:t>pwmPin</a:t>
-            </a:r>
-            <a:r>
-              <a:rPr lang="en-US" dirty="0"/>
-              <a:t>, GPIO.OUT) </a:t>
-            </a:r>
-          </a:p>
-          <a:p>
-            <a:r>
-              <a:rPr lang="en-US" dirty="0" err="1"/>
-              <a:t>GPIO.setup</a:t>
-            </a:r>
-            <a:r>
-              <a:rPr lang="en-US" dirty="0"/>
-              <a:t>(</a:t>
-            </a:r>
-            <a:r>
-              <a:rPr lang="en-US" dirty="0" err="1"/>
-              <a:t>butPin</a:t>
-            </a:r>
-            <a:r>
-              <a:rPr lang="en-US" dirty="0"/>
-              <a:t>, </a:t>
-            </a:r>
-            <a:r>
-              <a:rPr lang="en-US" dirty="0" err="1"/>
-              <a:t>GPIO.IN,pull_up_down</a:t>
-            </a:r>
-            <a:r>
-              <a:rPr lang="en-US" dirty="0"/>
-              <a:t>=GPIO.PUD_UP) </a:t>
-            </a:r>
-          </a:p>
-          <a:p>
-            <a:endParaRPr lang="en-US" dirty="0"/>
-          </a:p>
-          <a:p>
-            <a:r>
-              <a:rPr lang="en-US" dirty="0" err="1"/>
-              <a:t>pwm</a:t>
-            </a:r>
-            <a:r>
-              <a:rPr lang="en-US" dirty="0"/>
-              <a:t> = GPIO.PWM(</a:t>
-            </a:r>
-            <a:r>
-              <a:rPr lang="en-US" dirty="0" err="1"/>
-              <a:t>pwmPin</a:t>
-            </a:r>
-            <a:r>
-              <a:rPr lang="en-US" dirty="0"/>
-              <a:t>, 2000) # PWM frequency in Hz </a:t>
-            </a:r>
-          </a:p>
-          <a:p>
-            <a:endParaRPr lang="en-US" dirty="0"/>
-          </a:p>
-          <a:p>
-            <a:r>
-              <a:rPr lang="en-US" dirty="0" err="1"/>
-              <a:t>GPIO.output</a:t>
-            </a:r>
-            <a:r>
-              <a:rPr lang="en-US" dirty="0"/>
-              <a:t>(</a:t>
-            </a:r>
-            <a:r>
-              <a:rPr lang="en-US" dirty="0" err="1"/>
-              <a:t>ledPin</a:t>
-            </a:r>
-            <a:r>
-              <a:rPr lang="en-US" dirty="0"/>
-              <a:t>, GPIO.LOW) # default off </a:t>
-            </a:r>
-          </a:p>
-          <a:p>
-            <a:endParaRPr lang="en-US" dirty="0"/>
-          </a:p>
-          <a:p>
-            <a:r>
-              <a:rPr lang="en-US" dirty="0" err="1"/>
-              <a:t>pwm.start</a:t>
-            </a:r>
-            <a:r>
-              <a:rPr lang="en-US" dirty="0"/>
-              <a:t>(duty) # start at 10% </a:t>
-            </a:r>
-          </a:p>
-        </p:txBody>
-      </p:sp>
-      <p:sp>
-        <p:nvSpPr>
-          <p:cNvPr id="3" name="Rectangle 2">
-            <a:extLst>
-              <a:ext uri="{FF2B5EF4-FFF2-40B4-BE49-F238E27FC236}">
-                <a16:creationId xmlns:a16="http://schemas.microsoft.com/office/drawing/2014/main" id="{EE695DDB-8AAA-4685-84F5-4F72B981CA3D}"/>
-              </a:ext>
-            </a:extLst>
-          </p:cNvPr>
-          <p:cNvSpPr/>
-          <p:nvPr/>
-        </p:nvSpPr>
-        <p:spPr>
-          <a:xfrm>
-            <a:off x="6096000" y="1531581"/>
-            <a:ext cx="5600698" cy="4832092"/>
-          </a:xfrm>
-          <a:prstGeom prst="rect">
-            <a:avLst/>
-          </a:prstGeom>
-          <a:solidFill>
-            <a:schemeClr val="tx1"/>
-          </a:solidFill>
-        </p:spPr>
-        <p:txBody>
-          <a:bodyPr wrap="square">
-            <a:spAutoFit/>
-          </a:bodyPr>
-          <a:lstStyle/>
-          <a:p>
-            <a:r>
-              <a:rPr lang="en-US" dirty="0"/>
-              <a:t>try: </a:t>
-            </a:r>
-          </a:p>
-          <a:p>
-            <a:endParaRPr lang="en-US" dirty="0"/>
-          </a:p>
-          <a:p>
-            <a:r>
-              <a:rPr lang="en-US" dirty="0"/>
-              <a:t>    while 1: </a:t>
-            </a:r>
-          </a:p>
-          <a:p>
-            <a:endParaRPr lang="en-US" dirty="0"/>
-          </a:p>
-          <a:p>
-            <a:r>
-              <a:rPr lang="en-US" dirty="0"/>
-              <a:t>        if </a:t>
-            </a:r>
-            <a:r>
-              <a:rPr lang="en-US" dirty="0" err="1"/>
-              <a:t>GPIO.input</a:t>
-            </a:r>
-            <a:r>
-              <a:rPr lang="en-US" dirty="0"/>
-              <a:t>(</a:t>
-            </a:r>
-            <a:r>
-              <a:rPr lang="en-US" dirty="0" err="1"/>
-              <a:t>butPin</a:t>
-            </a:r>
-            <a:r>
-              <a:rPr lang="en-US" dirty="0"/>
-              <a:t>): </a:t>
-            </a:r>
-          </a:p>
-          <a:p>
-            <a:r>
-              <a:rPr lang="en-US" dirty="0"/>
-              <a:t>            </a:t>
-            </a:r>
-            <a:r>
-              <a:rPr lang="en-US" dirty="0" err="1"/>
-              <a:t>pwm.ChangeDutyCycle</a:t>
-            </a:r>
-            <a:r>
-              <a:rPr lang="en-US" dirty="0"/>
-              <a:t>(duty) </a:t>
-            </a:r>
-          </a:p>
-          <a:p>
-            <a:r>
-              <a:rPr lang="en-US" dirty="0"/>
-              <a:t>            </a:t>
-            </a:r>
-            <a:r>
-              <a:rPr lang="en-US" dirty="0" err="1"/>
-              <a:t>GPIO.output</a:t>
-            </a:r>
-            <a:r>
-              <a:rPr lang="en-US" dirty="0"/>
-              <a:t>(</a:t>
-            </a:r>
-            <a:r>
-              <a:rPr lang="en-US" dirty="0" err="1"/>
-              <a:t>ledPin</a:t>
-            </a:r>
-            <a:r>
-              <a:rPr lang="en-US" dirty="0"/>
-              <a:t>, GPIO.HIGH) </a:t>
-            </a:r>
-          </a:p>
-          <a:p>
-            <a:r>
-              <a:rPr lang="en-US" dirty="0"/>
-              <a:t>         </a:t>
-            </a:r>
-          </a:p>
-          <a:p>
-            <a:r>
-              <a:rPr lang="en-US" dirty="0"/>
-              <a:t>            #Pressed </a:t>
-            </a:r>
-          </a:p>
-          <a:p>
-            <a:r>
-              <a:rPr lang="en-US" dirty="0"/>
-              <a:t>        else: </a:t>
-            </a:r>
-          </a:p>
-          <a:p>
-            <a:r>
-              <a:rPr lang="en-US" dirty="0"/>
-              <a:t>            </a:t>
-            </a:r>
-            <a:r>
-              <a:rPr lang="en-US" dirty="0" err="1"/>
-              <a:t>GPIO.output</a:t>
-            </a:r>
-            <a:r>
-              <a:rPr lang="en-US" dirty="0"/>
-              <a:t>(</a:t>
-            </a:r>
-            <a:r>
-              <a:rPr lang="en-US" dirty="0" err="1"/>
-              <a:t>ledPin</a:t>
-            </a:r>
-            <a:r>
-              <a:rPr lang="en-US" dirty="0"/>
-              <a:t>, GPIO.LOW) </a:t>
-            </a:r>
-          </a:p>
-          <a:p>
-            <a:r>
-              <a:rPr lang="en-US" dirty="0"/>
-              <a:t>            for dc in range(1, 101, 1): # Increase duty cycle: 0~100</a:t>
-            </a:r>
-          </a:p>
-          <a:p>
-            <a:r>
-              <a:rPr lang="en-US" dirty="0"/>
-              <a:t>                </a:t>
-            </a:r>
-            <a:r>
-              <a:rPr lang="en-US" dirty="0" err="1"/>
-              <a:t>pwm.ChangeDutyCycle</a:t>
-            </a:r>
-            <a:r>
-              <a:rPr lang="en-US" dirty="0"/>
-              <a:t>(dc) # Change duty cycle</a:t>
-            </a:r>
-          </a:p>
-          <a:p>
-            <a:r>
-              <a:rPr lang="en-US" dirty="0"/>
-              <a:t>                </a:t>
-            </a:r>
-            <a:r>
-              <a:rPr lang="en-US" dirty="0" err="1"/>
-              <a:t>time.sleep</a:t>
-            </a:r>
-            <a:r>
-              <a:rPr lang="en-US" dirty="0"/>
-              <a:t>(0.02)</a:t>
-            </a:r>
-          </a:p>
-          <a:p>
-            <a:r>
-              <a:rPr lang="en-US" dirty="0"/>
-              <a:t>            for dc in range(100, 0, -1): # Decrease duty cycle: 100~0</a:t>
-            </a:r>
-          </a:p>
-          <a:p>
-            <a:r>
-              <a:rPr lang="en-US" dirty="0"/>
-              <a:t>                </a:t>
-            </a:r>
-            <a:r>
-              <a:rPr lang="en-US" dirty="0" err="1"/>
-              <a:t>pwm.ChangeDutyCycle</a:t>
-            </a:r>
-            <a:r>
-              <a:rPr lang="en-US" dirty="0"/>
-              <a:t>(dc)</a:t>
-            </a:r>
-          </a:p>
-          <a:p>
-            <a:r>
-              <a:rPr lang="en-US" dirty="0"/>
-              <a:t>                </a:t>
-            </a:r>
-            <a:r>
-              <a:rPr lang="en-US" dirty="0" err="1"/>
-              <a:t>time.sleep</a:t>
-            </a:r>
-            <a:r>
-              <a:rPr lang="en-US" dirty="0"/>
-              <a:t>(0.02)</a:t>
-            </a:r>
-          </a:p>
-          <a:p>
-            <a:r>
-              <a:rPr lang="en-US" dirty="0"/>
-              <a:t>            </a:t>
-            </a:r>
-          </a:p>
-          <a:p>
-            <a:endParaRPr lang="en-US" dirty="0"/>
-          </a:p>
-          <a:p>
-            <a:r>
-              <a:rPr lang="en-US" dirty="0"/>
-              <a:t>except </a:t>
-            </a:r>
-            <a:r>
-              <a:rPr lang="en-US" dirty="0" err="1"/>
-              <a:t>KeyboardInterrupt</a:t>
-            </a:r>
-            <a:r>
-              <a:rPr lang="en-US" dirty="0"/>
-              <a:t>: </a:t>
-            </a:r>
-          </a:p>
-          <a:p>
-            <a:r>
-              <a:rPr lang="en-US" dirty="0"/>
-              <a:t>    </a:t>
-            </a:r>
-            <a:r>
-              <a:rPr lang="en-US" dirty="0" err="1"/>
-              <a:t>pwm.stop</a:t>
-            </a:r>
-            <a:r>
-              <a:rPr lang="en-US" dirty="0"/>
-              <a:t>() </a:t>
-            </a:r>
-          </a:p>
-          <a:p>
-            <a:r>
-              <a:rPr lang="en-US" dirty="0"/>
-              <a:t>    </a:t>
-            </a:r>
-            <a:r>
-              <a:rPr lang="en-US" dirty="0" err="1"/>
-              <a:t>GPIO.cleanup</a:t>
-            </a:r>
-            <a:r>
-              <a:rPr lang="en-US" dirty="0"/>
-              <a:t>() </a:t>
-            </a:r>
-          </a:p>
-        </p:txBody>
-      </p:sp>
       <p:sp>
         <p:nvSpPr>
           <p:cNvPr id="4" name="Title 1">
@@ -55087,6 +56081,2101 @@
           </a:p>
         </p:txBody>
       </p:sp>
+      <p:sp>
+        <p:nvSpPr>
+          <p:cNvPr id="14" name="Rectangle 8">
+            <a:extLst>
+              <a:ext uri="{FF2B5EF4-FFF2-40B4-BE49-F238E27FC236}">
+                <a16:creationId xmlns:a16="http://schemas.microsoft.com/office/drawing/2014/main" id="{70F696C4-6E74-C8A8-16D4-9867A327643C}"/>
+              </a:ext>
+            </a:extLst>
+          </p:cNvPr>
+          <p:cNvSpPr>
+            <a:spLocks noChangeArrowheads="1"/>
+          </p:cNvSpPr>
+          <p:nvPr/>
+        </p:nvSpPr>
+        <p:spPr bwMode="auto">
+          <a:xfrm>
+            <a:off x="6387963" y="460891"/>
+            <a:ext cx="4852937" cy="6186309"/>
+          </a:xfrm>
+          <a:prstGeom prst="rect">
+            <a:avLst/>
+          </a:prstGeom>
+          <a:solidFill>
+            <a:srgbClr val="2B2B2B"/>
+          </a:solidFill>
+          <a:ln>
+            <a:noFill/>
+          </a:ln>
+          <a:effectLst/>
+          <a:extLst>
+            <a:ext uri="{91240B29-F687-4F45-9708-019B960494DF}">
+              <a14:hiddenLine xmlns:a14="http://schemas.microsoft.com/office/drawing/2010/main" w="9525">
+                <a:solidFill>
+                  <a:schemeClr val="tx1"/>
+                </a:solidFill>
+                <a:miter lim="800000"/>
+                <a:headEnd/>
+                <a:tailEnd/>
+              </a14:hiddenLine>
+            </a:ext>
+            <a:ext uri="{AF507438-7753-43E0-B8FC-AC1667EBCBE1}">
+              <a14:hiddenEffects xmlns:a14="http://schemas.microsoft.com/office/drawing/2010/main">
+                <a:effectLst>
+                  <a:outerShdw dist="35921" dir="2700000" algn="ctr" rotWithShape="0">
+                    <a:schemeClr val="bg2"/>
+                  </a:outerShdw>
+                </a:effectLst>
+              </a14:hiddenEffects>
+            </a:ext>
+          </a:extLst>
+        </p:spPr>
+        <p:txBody>
+          <a:bodyPr vert="horz" wrap="square" lIns="91440" tIns="45720" rIns="91440" bIns="45720" numCol="1" anchor="ctr" anchorCtr="0" compatLnSpc="1">
+            <a:prstTxWarp prst="textNoShape">
+              <a:avLst/>
+            </a:prstTxWarp>
+            <a:spAutoFit/>
+          </a:bodyPr>
+          <a:lstStyle/>
+          <a:p>
+            <a:pPr marL="0" marR="0" lvl="0" indent="0" algn="l" defTabSz="914400" rtl="0" eaLnBrk="0" fontAlgn="base" latinLnBrk="0" hangingPunct="0">
+              <a:lnSpc>
+                <a:spcPct val="100000"/>
+              </a:lnSpc>
+              <a:spcBef>
+                <a:spcPct val="0"/>
+              </a:spcBef>
+              <a:spcAft>
+                <a:spcPct val="0"/>
+              </a:spcAft>
+              <a:buClrTx/>
+              <a:buSzTx/>
+              <a:buFontTx/>
+              <a:buNone/>
+              <a:tabLst/>
+            </a:pPr>
+            <a:br>
+              <a:rPr kumimoji="0" lang="en-US" altLang="en-US" sz="1800" b="0" i="0" u="none" strike="noStrike" cap="none" normalizeH="0" baseline="0" dirty="0">
+                <a:ln>
+                  <a:noFill/>
+                </a:ln>
+                <a:solidFill>
+                  <a:srgbClr val="A9B7C6"/>
+                </a:solidFill>
+                <a:effectLst/>
+                <a:latin typeface="JetBrains Mono"/>
+              </a:rPr>
+            </a:br>
+            <a:r>
+              <a:rPr kumimoji="0" lang="en-US" altLang="en-US" sz="1800" b="0" i="0" u="none" strike="noStrike" cap="none" normalizeH="0" baseline="0" dirty="0">
+                <a:ln>
+                  <a:noFill/>
+                </a:ln>
+                <a:solidFill>
+                  <a:srgbClr val="CC7832"/>
+                </a:solidFill>
+                <a:effectLst/>
+                <a:latin typeface="JetBrains Mono"/>
+              </a:rPr>
+              <a:t>try</a:t>
+            </a:r>
+            <a:r>
+              <a:rPr kumimoji="0" lang="en-US" altLang="en-US" sz="1800" b="0" i="0" u="none" strike="noStrike" cap="none" normalizeH="0" baseline="0" dirty="0">
+                <a:ln>
+                  <a:noFill/>
+                </a:ln>
+                <a:solidFill>
+                  <a:srgbClr val="A9B7C6"/>
+                </a:solidFill>
+                <a:effectLst/>
+                <a:latin typeface="JetBrains Mono"/>
+              </a:rPr>
+              <a:t>: </a:t>
+            </a:r>
+            <a:br>
+              <a:rPr kumimoji="0" lang="en-US" altLang="en-US" sz="1800" b="0" i="0" u="none" strike="noStrike" cap="none" normalizeH="0" baseline="0" dirty="0">
+                <a:ln>
+                  <a:noFill/>
+                </a:ln>
+                <a:solidFill>
+                  <a:srgbClr val="A9B7C6"/>
+                </a:solidFill>
+                <a:effectLst/>
+                <a:latin typeface="JetBrains Mono"/>
+              </a:rPr>
+            </a:br>
+            <a:r>
+              <a:rPr kumimoji="0" lang="en-US" altLang="en-US" sz="1800" b="0" i="0" u="none" strike="noStrike" cap="none" normalizeH="0" baseline="0" dirty="0">
+                <a:ln>
+                  <a:noFill/>
+                </a:ln>
+                <a:solidFill>
+                  <a:srgbClr val="A9B7C6"/>
+                </a:solidFill>
+                <a:effectLst/>
+                <a:latin typeface="JetBrains Mono"/>
+              </a:rPr>
+              <a:t>    </a:t>
+            </a:r>
+            <a:r>
+              <a:rPr kumimoji="0" lang="en-US" altLang="en-US" sz="1800" b="0" i="0" u="none" strike="noStrike" cap="none" normalizeH="0" baseline="0" dirty="0">
+                <a:ln>
+                  <a:noFill/>
+                </a:ln>
+                <a:solidFill>
+                  <a:srgbClr val="CC7832"/>
+                </a:solidFill>
+                <a:effectLst/>
+                <a:latin typeface="JetBrains Mono"/>
+              </a:rPr>
+              <a:t>while </a:t>
+            </a:r>
+            <a:r>
+              <a:rPr kumimoji="0" lang="en-US" altLang="en-US" sz="1800" b="0" i="0" u="none" strike="noStrike" cap="none" normalizeH="0" baseline="0" dirty="0">
+                <a:ln>
+                  <a:noFill/>
+                </a:ln>
+                <a:solidFill>
+                  <a:srgbClr val="6897BB"/>
+                </a:solidFill>
+                <a:effectLst/>
+                <a:latin typeface="JetBrains Mono"/>
+              </a:rPr>
+              <a:t>1</a:t>
+            </a:r>
+            <a:r>
+              <a:rPr kumimoji="0" lang="en-US" altLang="en-US" sz="1800" b="0" i="0" u="none" strike="noStrike" cap="none" normalizeH="0" baseline="0" dirty="0">
+                <a:ln>
+                  <a:noFill/>
+                </a:ln>
+                <a:solidFill>
+                  <a:srgbClr val="A9B7C6"/>
+                </a:solidFill>
+                <a:effectLst/>
+                <a:latin typeface="JetBrains Mono"/>
+              </a:rPr>
+              <a:t>: </a:t>
+            </a:r>
+            <a:br>
+              <a:rPr kumimoji="0" lang="en-US" altLang="en-US" sz="1800" b="0" i="0" u="none" strike="noStrike" cap="none" normalizeH="0" baseline="0" dirty="0">
+                <a:ln>
+                  <a:noFill/>
+                </a:ln>
+                <a:solidFill>
+                  <a:srgbClr val="A9B7C6"/>
+                </a:solidFill>
+                <a:effectLst/>
+                <a:latin typeface="JetBrains Mono"/>
+              </a:rPr>
+            </a:br>
+            <a:r>
+              <a:rPr kumimoji="0" lang="en-US" altLang="en-US" sz="1800" b="0" i="0" u="none" strike="noStrike" cap="none" normalizeH="0" baseline="0" dirty="0">
+                <a:ln>
+                  <a:noFill/>
+                </a:ln>
+                <a:solidFill>
+                  <a:srgbClr val="A9B7C6"/>
+                </a:solidFill>
+                <a:effectLst/>
+                <a:latin typeface="JetBrains Mono"/>
+              </a:rPr>
+              <a:t>        </a:t>
+            </a:r>
+            <a:r>
+              <a:rPr kumimoji="0" lang="en-US" altLang="en-US" sz="1800" b="0" i="0" u="none" strike="noStrike" cap="none" normalizeH="0" baseline="0" dirty="0">
+                <a:ln>
+                  <a:noFill/>
+                </a:ln>
+                <a:solidFill>
+                  <a:srgbClr val="CC7832"/>
+                </a:solidFill>
+                <a:effectLst/>
+                <a:latin typeface="JetBrains Mono"/>
+              </a:rPr>
+              <a:t>if </a:t>
+            </a:r>
+            <a:r>
+              <a:rPr kumimoji="0" lang="en-US" altLang="en-US" sz="1800" b="0" i="0" u="none" strike="noStrike" cap="none" normalizeH="0" baseline="0" dirty="0" err="1">
+                <a:ln>
+                  <a:noFill/>
+                </a:ln>
+                <a:solidFill>
+                  <a:srgbClr val="A9B7C6"/>
+                </a:solidFill>
+                <a:effectLst/>
+                <a:latin typeface="JetBrains Mono"/>
+              </a:rPr>
+              <a:t>GPIO.input</a:t>
+            </a:r>
+            <a:r>
+              <a:rPr kumimoji="0" lang="en-US" altLang="en-US" sz="1800" b="0" i="0" u="none" strike="noStrike" cap="none" normalizeH="0" baseline="0" dirty="0">
+                <a:ln>
+                  <a:noFill/>
+                </a:ln>
+                <a:solidFill>
+                  <a:srgbClr val="A9B7C6"/>
+                </a:solidFill>
+                <a:effectLst/>
+                <a:latin typeface="JetBrains Mono"/>
+              </a:rPr>
+              <a:t>(</a:t>
+            </a:r>
+            <a:r>
+              <a:rPr kumimoji="0" lang="en-US" altLang="en-US" sz="1800" b="0" i="0" u="none" strike="noStrike" cap="none" normalizeH="0" baseline="0" dirty="0" err="1">
+                <a:ln>
+                  <a:noFill/>
+                </a:ln>
+                <a:solidFill>
+                  <a:srgbClr val="A9B7C6"/>
+                </a:solidFill>
+                <a:effectLst/>
+                <a:latin typeface="JetBrains Mono"/>
+              </a:rPr>
+              <a:t>butPin</a:t>
+            </a:r>
+            <a:r>
+              <a:rPr kumimoji="0" lang="en-US" altLang="en-US" sz="1800" b="0" i="0" u="none" strike="noStrike" cap="none" normalizeH="0" baseline="0" dirty="0">
+                <a:ln>
+                  <a:noFill/>
+                </a:ln>
+                <a:solidFill>
+                  <a:srgbClr val="A9B7C6"/>
+                </a:solidFill>
+                <a:effectLst/>
+                <a:latin typeface="JetBrains Mono"/>
+              </a:rPr>
+              <a:t>): </a:t>
+            </a:r>
+            <a:br>
+              <a:rPr kumimoji="0" lang="en-US" altLang="en-US" sz="1800" b="0" i="0" u="none" strike="noStrike" cap="none" normalizeH="0" baseline="0" dirty="0">
+                <a:ln>
+                  <a:noFill/>
+                </a:ln>
+                <a:solidFill>
+                  <a:srgbClr val="A9B7C6"/>
+                </a:solidFill>
+                <a:effectLst/>
+                <a:latin typeface="JetBrains Mono"/>
+              </a:rPr>
+            </a:br>
+            <a:r>
+              <a:rPr kumimoji="0" lang="en-US" altLang="en-US" sz="1800" b="0" i="0" u="none" strike="noStrike" cap="none" normalizeH="0" baseline="0" dirty="0">
+                <a:ln>
+                  <a:noFill/>
+                </a:ln>
+                <a:solidFill>
+                  <a:srgbClr val="A9B7C6"/>
+                </a:solidFill>
+                <a:effectLst/>
+                <a:latin typeface="JetBrains Mono"/>
+              </a:rPr>
+              <a:t>            </a:t>
+            </a:r>
+            <a:r>
+              <a:rPr kumimoji="0" lang="en-US" altLang="en-US" sz="1800" b="0" i="0" u="none" strike="noStrike" cap="none" normalizeH="0" baseline="0" dirty="0" err="1">
+                <a:ln>
+                  <a:noFill/>
+                </a:ln>
+                <a:solidFill>
+                  <a:srgbClr val="A9B7C6"/>
+                </a:solidFill>
+                <a:effectLst/>
+                <a:latin typeface="JetBrains Mono"/>
+              </a:rPr>
+              <a:t>GPIO.output</a:t>
+            </a:r>
+            <a:r>
+              <a:rPr kumimoji="0" lang="en-US" altLang="en-US" sz="1800" b="0" i="0" u="none" strike="noStrike" cap="none" normalizeH="0" baseline="0" dirty="0">
+                <a:ln>
+                  <a:noFill/>
+                </a:ln>
+                <a:solidFill>
+                  <a:srgbClr val="A9B7C6"/>
+                </a:solidFill>
+                <a:effectLst/>
+                <a:latin typeface="JetBrains Mono"/>
+              </a:rPr>
+              <a:t>(</a:t>
+            </a:r>
+            <a:r>
+              <a:rPr kumimoji="0" lang="en-US" altLang="en-US" sz="1800" b="0" i="0" u="none" strike="noStrike" cap="none" normalizeH="0" baseline="0" dirty="0">
+                <a:ln>
+                  <a:noFill/>
+                </a:ln>
+                <a:solidFill>
+                  <a:srgbClr val="6897BB"/>
+                </a:solidFill>
+                <a:effectLst/>
+                <a:latin typeface="JetBrains Mono"/>
+              </a:rPr>
+              <a:t>18</a:t>
+            </a:r>
+            <a:r>
+              <a:rPr kumimoji="0" lang="en-US" altLang="en-US" sz="1800" b="0" i="0" u="none" strike="noStrike" cap="none" normalizeH="0" baseline="0" dirty="0">
+                <a:ln>
+                  <a:noFill/>
+                </a:ln>
+                <a:solidFill>
+                  <a:srgbClr val="CC7832"/>
+                </a:solidFill>
+                <a:effectLst/>
+                <a:latin typeface="JetBrains Mono"/>
+              </a:rPr>
+              <a:t>, </a:t>
+            </a:r>
+            <a:r>
+              <a:rPr kumimoji="0" lang="en-US" altLang="en-US" sz="1800" b="0" i="0" u="none" strike="noStrike" cap="none" normalizeH="0" baseline="0" dirty="0">
+                <a:ln>
+                  <a:noFill/>
+                </a:ln>
+                <a:solidFill>
+                  <a:srgbClr val="A9B7C6"/>
+                </a:solidFill>
+                <a:effectLst/>
+                <a:latin typeface="JetBrains Mono"/>
+              </a:rPr>
+              <a:t>GPIO.HIGH)</a:t>
+            </a:r>
+            <a:br>
+              <a:rPr kumimoji="0" lang="en-US" altLang="en-US" sz="1800" b="0" i="0" u="none" strike="noStrike" cap="none" normalizeH="0" baseline="0" dirty="0">
+                <a:ln>
+                  <a:noFill/>
+                </a:ln>
+                <a:solidFill>
+                  <a:srgbClr val="A9B7C6"/>
+                </a:solidFill>
+                <a:effectLst/>
+                <a:latin typeface="JetBrains Mono"/>
+              </a:rPr>
+            </a:br>
+            <a:r>
+              <a:rPr kumimoji="0" lang="en-US" altLang="en-US" sz="1800" b="0" i="0" u="none" strike="noStrike" cap="none" normalizeH="0" baseline="0" dirty="0">
+                <a:ln>
+                  <a:noFill/>
+                </a:ln>
+                <a:solidFill>
+                  <a:srgbClr val="A9B7C6"/>
+                </a:solidFill>
+                <a:effectLst/>
+                <a:latin typeface="JetBrains Mono"/>
+              </a:rPr>
+              <a:t>            </a:t>
+            </a:r>
+            <a:r>
+              <a:rPr kumimoji="0" lang="en-US" altLang="en-US" sz="1800" b="0" i="0" u="none" strike="noStrike" cap="none" normalizeH="0" baseline="0" dirty="0" err="1">
+                <a:ln>
+                  <a:noFill/>
+                </a:ln>
+                <a:solidFill>
+                  <a:srgbClr val="A9B7C6"/>
+                </a:solidFill>
+                <a:effectLst/>
+                <a:latin typeface="JetBrains Mono"/>
+              </a:rPr>
+              <a:t>GPIO.output</a:t>
+            </a:r>
+            <a:r>
+              <a:rPr kumimoji="0" lang="en-US" altLang="en-US" sz="1800" b="0" i="0" u="none" strike="noStrike" cap="none" normalizeH="0" baseline="0" dirty="0">
+                <a:ln>
+                  <a:noFill/>
+                </a:ln>
+                <a:solidFill>
+                  <a:srgbClr val="A9B7C6"/>
+                </a:solidFill>
+                <a:effectLst/>
+                <a:latin typeface="JetBrains Mono"/>
+              </a:rPr>
+              <a:t>(</a:t>
+            </a:r>
+            <a:r>
+              <a:rPr kumimoji="0" lang="en-US" altLang="en-US" sz="1800" b="0" i="0" u="none" strike="noStrike" cap="none" normalizeH="0" baseline="0" dirty="0">
+                <a:ln>
+                  <a:noFill/>
+                </a:ln>
+                <a:solidFill>
+                  <a:srgbClr val="6897BB"/>
+                </a:solidFill>
+                <a:effectLst/>
+                <a:latin typeface="JetBrains Mono"/>
+              </a:rPr>
+              <a:t>23</a:t>
+            </a:r>
+            <a:r>
+              <a:rPr kumimoji="0" lang="en-US" altLang="en-US" sz="1800" b="0" i="0" u="none" strike="noStrike" cap="none" normalizeH="0" baseline="0" dirty="0">
+                <a:ln>
+                  <a:noFill/>
+                </a:ln>
+                <a:solidFill>
+                  <a:srgbClr val="CC7832"/>
+                </a:solidFill>
+                <a:effectLst/>
+                <a:latin typeface="JetBrains Mono"/>
+              </a:rPr>
+              <a:t>, </a:t>
+            </a:r>
+            <a:r>
+              <a:rPr kumimoji="0" lang="en-US" altLang="en-US" sz="1800" b="0" i="0" u="none" strike="noStrike" cap="none" normalizeH="0" baseline="0" dirty="0">
+                <a:ln>
+                  <a:noFill/>
+                </a:ln>
+                <a:solidFill>
+                  <a:srgbClr val="A9B7C6"/>
+                </a:solidFill>
+                <a:effectLst/>
+                <a:latin typeface="JetBrains Mono"/>
+              </a:rPr>
+              <a:t>GPIO.LOW)</a:t>
+            </a:r>
+            <a:br>
+              <a:rPr kumimoji="0" lang="en-US" altLang="en-US" sz="1800" b="0" i="0" u="none" strike="noStrike" cap="none" normalizeH="0" baseline="0" dirty="0">
+                <a:ln>
+                  <a:noFill/>
+                </a:ln>
+                <a:solidFill>
+                  <a:srgbClr val="A9B7C6"/>
+                </a:solidFill>
+                <a:effectLst/>
+                <a:latin typeface="JetBrains Mono"/>
+              </a:rPr>
+            </a:br>
+            <a:r>
+              <a:rPr kumimoji="0" lang="en-US" altLang="en-US" sz="1800" b="0" i="0" u="none" strike="noStrike" cap="none" normalizeH="0" baseline="0" dirty="0">
+                <a:ln>
+                  <a:noFill/>
+                </a:ln>
+                <a:solidFill>
+                  <a:srgbClr val="A9B7C6"/>
+                </a:solidFill>
+                <a:effectLst/>
+                <a:latin typeface="JetBrains Mono"/>
+              </a:rPr>
+              <a:t>            sleep(</a:t>
+            </a:r>
+            <a:r>
+              <a:rPr kumimoji="0" lang="en-US" altLang="en-US" sz="1800" b="0" i="0" u="none" strike="noStrike" cap="none" normalizeH="0" baseline="0" dirty="0">
+                <a:ln>
+                  <a:noFill/>
+                </a:ln>
+                <a:solidFill>
+                  <a:srgbClr val="6897BB"/>
+                </a:solidFill>
+                <a:effectLst/>
+                <a:latin typeface="JetBrains Mono"/>
+              </a:rPr>
+              <a:t>.2</a:t>
+            </a:r>
+            <a:r>
+              <a:rPr kumimoji="0" lang="en-US" altLang="en-US" sz="1800" b="0" i="0" u="none" strike="noStrike" cap="none" normalizeH="0" baseline="0" dirty="0">
+                <a:ln>
+                  <a:noFill/>
+                </a:ln>
+                <a:solidFill>
+                  <a:srgbClr val="A9B7C6"/>
+                </a:solidFill>
+                <a:effectLst/>
+                <a:latin typeface="JetBrains Mono"/>
+              </a:rPr>
+              <a:t>)</a:t>
+            </a:r>
+            <a:br>
+              <a:rPr kumimoji="0" lang="en-US" altLang="en-US" sz="1800" b="0" i="0" u="none" strike="noStrike" cap="none" normalizeH="0" baseline="0" dirty="0">
+                <a:ln>
+                  <a:noFill/>
+                </a:ln>
+                <a:solidFill>
+                  <a:srgbClr val="A9B7C6"/>
+                </a:solidFill>
+                <a:effectLst/>
+                <a:latin typeface="JetBrains Mono"/>
+              </a:rPr>
+            </a:br>
+            <a:r>
+              <a:rPr kumimoji="0" lang="en-US" altLang="en-US" sz="1800" b="0" i="0" u="none" strike="noStrike" cap="none" normalizeH="0" baseline="0" dirty="0">
+                <a:ln>
+                  <a:noFill/>
+                </a:ln>
+                <a:solidFill>
+                  <a:srgbClr val="A9B7C6"/>
+                </a:solidFill>
+                <a:effectLst/>
+                <a:latin typeface="JetBrains Mono"/>
+              </a:rPr>
+              <a:t>            </a:t>
+            </a:r>
+            <a:r>
+              <a:rPr kumimoji="0" lang="en-US" altLang="en-US" sz="1800" b="0" i="0" u="none" strike="noStrike" cap="none" normalizeH="0" baseline="0" dirty="0" err="1">
+                <a:ln>
+                  <a:noFill/>
+                </a:ln>
+                <a:solidFill>
+                  <a:srgbClr val="A9B7C6"/>
+                </a:solidFill>
+                <a:effectLst/>
+                <a:latin typeface="JetBrains Mono"/>
+              </a:rPr>
+              <a:t>GPIO.output</a:t>
+            </a:r>
+            <a:r>
+              <a:rPr kumimoji="0" lang="en-US" altLang="en-US" sz="1800" b="0" i="0" u="none" strike="noStrike" cap="none" normalizeH="0" baseline="0" dirty="0">
+                <a:ln>
+                  <a:noFill/>
+                </a:ln>
+                <a:solidFill>
+                  <a:srgbClr val="A9B7C6"/>
+                </a:solidFill>
+                <a:effectLst/>
+                <a:latin typeface="JetBrains Mono"/>
+              </a:rPr>
+              <a:t>(</a:t>
+            </a:r>
+            <a:r>
+              <a:rPr kumimoji="0" lang="en-US" altLang="en-US" sz="1800" b="0" i="0" u="none" strike="noStrike" cap="none" normalizeH="0" baseline="0" dirty="0">
+                <a:ln>
+                  <a:noFill/>
+                </a:ln>
+                <a:solidFill>
+                  <a:srgbClr val="6897BB"/>
+                </a:solidFill>
+                <a:effectLst/>
+                <a:latin typeface="JetBrains Mono"/>
+              </a:rPr>
+              <a:t>18</a:t>
+            </a:r>
+            <a:r>
+              <a:rPr kumimoji="0" lang="en-US" altLang="en-US" sz="1800" b="0" i="0" u="none" strike="noStrike" cap="none" normalizeH="0" baseline="0" dirty="0">
+                <a:ln>
+                  <a:noFill/>
+                </a:ln>
+                <a:solidFill>
+                  <a:srgbClr val="CC7832"/>
+                </a:solidFill>
+                <a:effectLst/>
+                <a:latin typeface="JetBrains Mono"/>
+              </a:rPr>
+              <a:t>, </a:t>
+            </a:r>
+            <a:r>
+              <a:rPr kumimoji="0" lang="en-US" altLang="en-US" sz="1800" b="0" i="0" u="none" strike="noStrike" cap="none" normalizeH="0" baseline="0" dirty="0">
+                <a:ln>
+                  <a:noFill/>
+                </a:ln>
+                <a:solidFill>
+                  <a:srgbClr val="A9B7C6"/>
+                </a:solidFill>
+                <a:effectLst/>
+                <a:latin typeface="JetBrains Mono"/>
+              </a:rPr>
+              <a:t>GPIO.LOW)</a:t>
+            </a:r>
+            <a:br>
+              <a:rPr kumimoji="0" lang="en-US" altLang="en-US" sz="1800" b="0" i="0" u="none" strike="noStrike" cap="none" normalizeH="0" baseline="0" dirty="0">
+                <a:ln>
+                  <a:noFill/>
+                </a:ln>
+                <a:solidFill>
+                  <a:srgbClr val="A9B7C6"/>
+                </a:solidFill>
+                <a:effectLst/>
+                <a:latin typeface="JetBrains Mono"/>
+              </a:rPr>
+            </a:br>
+            <a:r>
+              <a:rPr kumimoji="0" lang="en-US" altLang="en-US" sz="1800" b="0" i="0" u="none" strike="noStrike" cap="none" normalizeH="0" baseline="0" dirty="0">
+                <a:ln>
+                  <a:noFill/>
+                </a:ln>
+                <a:solidFill>
+                  <a:srgbClr val="A9B7C6"/>
+                </a:solidFill>
+                <a:effectLst/>
+                <a:latin typeface="JetBrains Mono"/>
+              </a:rPr>
+              <a:t>            </a:t>
+            </a:r>
+            <a:r>
+              <a:rPr kumimoji="0" lang="en-US" altLang="en-US" sz="1800" b="0" i="0" u="none" strike="noStrike" cap="none" normalizeH="0" baseline="0" dirty="0" err="1">
+                <a:ln>
+                  <a:noFill/>
+                </a:ln>
+                <a:solidFill>
+                  <a:srgbClr val="A9B7C6"/>
+                </a:solidFill>
+                <a:effectLst/>
+                <a:latin typeface="JetBrains Mono"/>
+              </a:rPr>
+              <a:t>GPIO.output</a:t>
+            </a:r>
+            <a:r>
+              <a:rPr kumimoji="0" lang="en-US" altLang="en-US" sz="1800" b="0" i="0" u="none" strike="noStrike" cap="none" normalizeH="0" baseline="0" dirty="0">
+                <a:ln>
+                  <a:noFill/>
+                </a:ln>
+                <a:solidFill>
+                  <a:srgbClr val="A9B7C6"/>
+                </a:solidFill>
+                <a:effectLst/>
+                <a:latin typeface="JetBrains Mono"/>
+              </a:rPr>
+              <a:t>(</a:t>
+            </a:r>
+            <a:r>
+              <a:rPr kumimoji="0" lang="en-US" altLang="en-US" sz="1800" b="0" i="0" u="none" strike="noStrike" cap="none" normalizeH="0" baseline="0" dirty="0">
+                <a:ln>
+                  <a:noFill/>
+                </a:ln>
+                <a:solidFill>
+                  <a:srgbClr val="6897BB"/>
+                </a:solidFill>
+                <a:effectLst/>
+                <a:latin typeface="JetBrains Mono"/>
+              </a:rPr>
+              <a:t>23</a:t>
+            </a:r>
+            <a:r>
+              <a:rPr kumimoji="0" lang="en-US" altLang="en-US" sz="1800" b="0" i="0" u="none" strike="noStrike" cap="none" normalizeH="0" baseline="0" dirty="0">
+                <a:ln>
+                  <a:noFill/>
+                </a:ln>
+                <a:solidFill>
+                  <a:srgbClr val="CC7832"/>
+                </a:solidFill>
+                <a:effectLst/>
+                <a:latin typeface="JetBrains Mono"/>
+              </a:rPr>
+              <a:t>, </a:t>
+            </a:r>
+            <a:r>
+              <a:rPr kumimoji="0" lang="en-US" altLang="en-US" sz="1800" b="0" i="0" u="none" strike="noStrike" cap="none" normalizeH="0" baseline="0" dirty="0">
+                <a:ln>
+                  <a:noFill/>
+                </a:ln>
+                <a:solidFill>
+                  <a:srgbClr val="A9B7C6"/>
+                </a:solidFill>
+                <a:effectLst/>
+                <a:latin typeface="JetBrains Mono"/>
+              </a:rPr>
+              <a:t>GPIO.HIGH)</a:t>
+            </a:r>
+            <a:br>
+              <a:rPr kumimoji="0" lang="en-US" altLang="en-US" sz="1800" b="0" i="0" u="none" strike="noStrike" cap="none" normalizeH="0" baseline="0" dirty="0">
+                <a:ln>
+                  <a:noFill/>
+                </a:ln>
+                <a:solidFill>
+                  <a:srgbClr val="A9B7C6"/>
+                </a:solidFill>
+                <a:effectLst/>
+                <a:latin typeface="JetBrains Mono"/>
+              </a:rPr>
+            </a:br>
+            <a:r>
+              <a:rPr kumimoji="0" lang="en-US" altLang="en-US" sz="1800" b="0" i="0" u="none" strike="noStrike" cap="none" normalizeH="0" baseline="0" dirty="0">
+                <a:ln>
+                  <a:noFill/>
+                </a:ln>
+                <a:solidFill>
+                  <a:srgbClr val="A9B7C6"/>
+                </a:solidFill>
+                <a:effectLst/>
+                <a:latin typeface="JetBrains Mono"/>
+              </a:rPr>
+              <a:t>            sleep(</a:t>
+            </a:r>
+            <a:r>
+              <a:rPr kumimoji="0" lang="en-US" altLang="en-US" sz="1800" b="0" i="0" u="none" strike="noStrike" cap="none" normalizeH="0" baseline="0" dirty="0">
+                <a:ln>
+                  <a:noFill/>
+                </a:ln>
+                <a:solidFill>
+                  <a:srgbClr val="6897BB"/>
+                </a:solidFill>
+                <a:effectLst/>
+                <a:latin typeface="JetBrains Mono"/>
+              </a:rPr>
+              <a:t>.2</a:t>
+            </a:r>
+            <a:r>
+              <a:rPr kumimoji="0" lang="en-US" altLang="en-US" sz="1800" b="0" i="0" u="none" strike="noStrike" cap="none" normalizeH="0" baseline="0" dirty="0">
+                <a:ln>
+                  <a:noFill/>
+                </a:ln>
+                <a:solidFill>
+                  <a:srgbClr val="A9B7C6"/>
+                </a:solidFill>
+                <a:effectLst/>
+                <a:latin typeface="JetBrains Mono"/>
+              </a:rPr>
+              <a:t>)</a:t>
+            </a:r>
+            <a:br>
+              <a:rPr kumimoji="0" lang="en-US" altLang="en-US" sz="1800" b="0" i="0" u="none" strike="noStrike" cap="none" normalizeH="0" baseline="0" dirty="0">
+                <a:ln>
+                  <a:noFill/>
+                </a:ln>
+                <a:solidFill>
+                  <a:srgbClr val="A9B7C6"/>
+                </a:solidFill>
+                <a:effectLst/>
+                <a:latin typeface="JetBrains Mono"/>
+              </a:rPr>
+            </a:br>
+            <a:r>
+              <a:rPr kumimoji="0" lang="en-US" altLang="en-US" sz="1800" b="0" i="0" u="none" strike="noStrike" cap="none" normalizeH="0" baseline="0" dirty="0">
+                <a:ln>
+                  <a:noFill/>
+                </a:ln>
+                <a:solidFill>
+                  <a:srgbClr val="A9B7C6"/>
+                </a:solidFill>
+                <a:effectLst/>
+                <a:latin typeface="JetBrains Mono"/>
+              </a:rPr>
+              <a:t>            </a:t>
+            </a:r>
+            <a:r>
+              <a:rPr kumimoji="0" lang="en-US" altLang="en-US" sz="1800" b="0" i="0" u="none" strike="noStrike" cap="none" normalizeH="0" baseline="0" dirty="0">
+                <a:ln>
+                  <a:noFill/>
+                </a:ln>
+                <a:solidFill>
+                  <a:srgbClr val="808080"/>
+                </a:solidFill>
+                <a:effectLst/>
+                <a:latin typeface="JetBrains Mono"/>
+              </a:rPr>
+              <a:t>#Pressed</a:t>
+            </a:r>
+            <a:br>
+              <a:rPr kumimoji="0" lang="en-US" altLang="en-US" sz="1800" b="0" i="0" u="none" strike="noStrike" cap="none" normalizeH="0" baseline="0" dirty="0">
+                <a:ln>
+                  <a:noFill/>
+                </a:ln>
+                <a:solidFill>
+                  <a:srgbClr val="808080"/>
+                </a:solidFill>
+                <a:effectLst/>
+                <a:latin typeface="JetBrains Mono"/>
+              </a:rPr>
+            </a:br>
+            <a:r>
+              <a:rPr kumimoji="0" lang="en-US" altLang="en-US" sz="1800" b="0" i="0" u="none" strike="noStrike" cap="none" normalizeH="0" baseline="0" dirty="0">
+                <a:ln>
+                  <a:noFill/>
+                </a:ln>
+                <a:solidFill>
+                  <a:srgbClr val="808080"/>
+                </a:solidFill>
+                <a:effectLst/>
+                <a:latin typeface="JetBrains Mono"/>
+              </a:rPr>
+              <a:t>            </a:t>
+            </a:r>
+            <a:br>
+              <a:rPr kumimoji="0" lang="en-US" altLang="en-US" sz="1800" b="0" i="0" u="none" strike="noStrike" cap="none" normalizeH="0" baseline="0" dirty="0">
+                <a:ln>
+                  <a:noFill/>
+                </a:ln>
+                <a:solidFill>
+                  <a:srgbClr val="808080"/>
+                </a:solidFill>
+                <a:effectLst/>
+                <a:latin typeface="JetBrains Mono"/>
+              </a:rPr>
+            </a:br>
+            <a:r>
+              <a:rPr kumimoji="0" lang="en-US" altLang="en-US" sz="1800" b="0" i="0" u="none" strike="noStrike" cap="none" normalizeH="0" baseline="0" dirty="0">
+                <a:ln>
+                  <a:noFill/>
+                </a:ln>
+                <a:solidFill>
+                  <a:srgbClr val="808080"/>
+                </a:solidFill>
+                <a:effectLst/>
+                <a:latin typeface="JetBrains Mono"/>
+              </a:rPr>
+              <a:t>        </a:t>
+            </a:r>
+            <a:r>
+              <a:rPr kumimoji="0" lang="en-US" altLang="en-US" sz="1800" b="0" i="0" u="none" strike="noStrike" cap="none" normalizeH="0" baseline="0" dirty="0">
+                <a:ln>
+                  <a:noFill/>
+                </a:ln>
+                <a:solidFill>
+                  <a:srgbClr val="CC7832"/>
+                </a:solidFill>
+                <a:effectLst/>
+                <a:latin typeface="JetBrains Mono"/>
+              </a:rPr>
+              <a:t>else</a:t>
+            </a:r>
+            <a:r>
+              <a:rPr kumimoji="0" lang="en-US" altLang="en-US" sz="1800" b="0" i="0" u="none" strike="noStrike" cap="none" normalizeH="0" baseline="0" dirty="0">
+                <a:ln>
+                  <a:noFill/>
+                </a:ln>
+                <a:solidFill>
+                  <a:srgbClr val="A9B7C6"/>
+                </a:solidFill>
+                <a:effectLst/>
+                <a:latin typeface="JetBrains Mono"/>
+              </a:rPr>
+              <a:t>:</a:t>
+            </a:r>
+            <a:br>
+              <a:rPr kumimoji="0" lang="en-US" altLang="en-US" sz="1800" b="0" i="0" u="none" strike="noStrike" cap="none" normalizeH="0" baseline="0" dirty="0">
+                <a:ln>
+                  <a:noFill/>
+                </a:ln>
+                <a:solidFill>
+                  <a:srgbClr val="A9B7C6"/>
+                </a:solidFill>
+                <a:effectLst/>
+                <a:latin typeface="JetBrains Mono"/>
+              </a:rPr>
+            </a:br>
+            <a:r>
+              <a:rPr kumimoji="0" lang="en-US" altLang="en-US" sz="1800" b="0" i="0" u="none" strike="noStrike" cap="none" normalizeH="0" baseline="0" dirty="0">
+                <a:ln>
+                  <a:noFill/>
+                </a:ln>
+                <a:solidFill>
+                  <a:srgbClr val="A9B7C6"/>
+                </a:solidFill>
+                <a:effectLst/>
+                <a:latin typeface="JetBrains Mono"/>
+              </a:rPr>
+              <a:t>            </a:t>
+            </a:r>
+            <a:r>
+              <a:rPr kumimoji="0" lang="en-US" altLang="en-US" sz="1800" b="0" i="0" u="none" strike="noStrike" cap="none" normalizeH="0" baseline="0" dirty="0" err="1">
+                <a:ln>
+                  <a:noFill/>
+                </a:ln>
+                <a:solidFill>
+                  <a:srgbClr val="A9B7C6"/>
+                </a:solidFill>
+                <a:effectLst/>
+                <a:latin typeface="JetBrains Mono"/>
+              </a:rPr>
+              <a:t>GPIO.output</a:t>
+            </a:r>
+            <a:r>
+              <a:rPr kumimoji="0" lang="en-US" altLang="en-US" sz="1800" b="0" i="0" u="none" strike="noStrike" cap="none" normalizeH="0" baseline="0" dirty="0">
+                <a:ln>
+                  <a:noFill/>
+                </a:ln>
+                <a:solidFill>
+                  <a:srgbClr val="A9B7C6"/>
+                </a:solidFill>
+                <a:effectLst/>
+                <a:latin typeface="JetBrains Mono"/>
+              </a:rPr>
+              <a:t>(</a:t>
+            </a:r>
+            <a:r>
+              <a:rPr kumimoji="0" lang="en-US" altLang="en-US" sz="1800" b="0" i="0" u="none" strike="noStrike" cap="none" normalizeH="0" baseline="0" dirty="0">
+                <a:ln>
+                  <a:noFill/>
+                </a:ln>
+                <a:solidFill>
+                  <a:srgbClr val="6897BB"/>
+                </a:solidFill>
+                <a:effectLst/>
+                <a:latin typeface="JetBrains Mono"/>
+              </a:rPr>
+              <a:t>18</a:t>
+            </a:r>
+            <a:r>
+              <a:rPr kumimoji="0" lang="en-US" altLang="en-US" sz="1800" b="0" i="0" u="none" strike="noStrike" cap="none" normalizeH="0" baseline="0" dirty="0">
+                <a:ln>
+                  <a:noFill/>
+                </a:ln>
+                <a:solidFill>
+                  <a:srgbClr val="CC7832"/>
+                </a:solidFill>
+                <a:effectLst/>
+                <a:latin typeface="JetBrains Mono"/>
+              </a:rPr>
+              <a:t>, </a:t>
+            </a:r>
+            <a:r>
+              <a:rPr kumimoji="0" lang="en-US" altLang="en-US" sz="1800" b="0" i="0" u="none" strike="noStrike" cap="none" normalizeH="0" baseline="0" dirty="0">
+                <a:ln>
+                  <a:noFill/>
+                </a:ln>
+                <a:solidFill>
+                  <a:srgbClr val="A9B7C6"/>
+                </a:solidFill>
+                <a:effectLst/>
+                <a:latin typeface="JetBrains Mono"/>
+              </a:rPr>
+              <a:t>GPIO.LOW)</a:t>
+            </a:r>
+            <a:br>
+              <a:rPr kumimoji="0" lang="en-US" altLang="en-US" sz="1800" b="0" i="0" u="none" strike="noStrike" cap="none" normalizeH="0" baseline="0" dirty="0">
+                <a:ln>
+                  <a:noFill/>
+                </a:ln>
+                <a:solidFill>
+                  <a:srgbClr val="A9B7C6"/>
+                </a:solidFill>
+                <a:effectLst/>
+                <a:latin typeface="JetBrains Mono"/>
+              </a:rPr>
+            </a:br>
+            <a:r>
+              <a:rPr kumimoji="0" lang="en-US" altLang="en-US" sz="1800" b="0" i="0" u="none" strike="noStrike" cap="none" normalizeH="0" baseline="0" dirty="0">
+                <a:ln>
+                  <a:noFill/>
+                </a:ln>
+                <a:solidFill>
+                  <a:srgbClr val="A9B7C6"/>
+                </a:solidFill>
+                <a:effectLst/>
+                <a:latin typeface="JetBrains Mono"/>
+              </a:rPr>
+              <a:t>            </a:t>
+            </a:r>
+            <a:r>
+              <a:rPr kumimoji="0" lang="en-US" altLang="en-US" sz="1800" b="0" i="0" u="none" strike="noStrike" cap="none" normalizeH="0" baseline="0" dirty="0" err="1">
+                <a:ln>
+                  <a:noFill/>
+                </a:ln>
+                <a:solidFill>
+                  <a:srgbClr val="A9B7C6"/>
+                </a:solidFill>
+                <a:effectLst/>
+                <a:latin typeface="JetBrains Mono"/>
+              </a:rPr>
+              <a:t>GPIO.output</a:t>
+            </a:r>
+            <a:r>
+              <a:rPr kumimoji="0" lang="en-US" altLang="en-US" sz="1800" b="0" i="0" u="none" strike="noStrike" cap="none" normalizeH="0" baseline="0" dirty="0">
+                <a:ln>
+                  <a:noFill/>
+                </a:ln>
+                <a:solidFill>
+                  <a:srgbClr val="A9B7C6"/>
+                </a:solidFill>
+                <a:effectLst/>
+                <a:latin typeface="JetBrains Mono"/>
+              </a:rPr>
+              <a:t>(</a:t>
+            </a:r>
+            <a:r>
+              <a:rPr kumimoji="0" lang="en-US" altLang="en-US" sz="1800" b="0" i="0" u="none" strike="noStrike" cap="none" normalizeH="0" baseline="0" dirty="0">
+                <a:ln>
+                  <a:noFill/>
+                </a:ln>
+                <a:solidFill>
+                  <a:srgbClr val="6897BB"/>
+                </a:solidFill>
+                <a:effectLst/>
+                <a:latin typeface="JetBrains Mono"/>
+              </a:rPr>
+              <a:t>23</a:t>
+            </a:r>
+            <a:r>
+              <a:rPr kumimoji="0" lang="en-US" altLang="en-US" sz="1800" b="0" i="0" u="none" strike="noStrike" cap="none" normalizeH="0" baseline="0" dirty="0">
+                <a:ln>
+                  <a:noFill/>
+                </a:ln>
+                <a:solidFill>
+                  <a:srgbClr val="CC7832"/>
+                </a:solidFill>
+                <a:effectLst/>
+                <a:latin typeface="JetBrains Mono"/>
+              </a:rPr>
+              <a:t>, </a:t>
+            </a:r>
+            <a:r>
+              <a:rPr kumimoji="0" lang="en-US" altLang="en-US" sz="1800" b="0" i="0" u="none" strike="noStrike" cap="none" normalizeH="0" baseline="0" dirty="0">
+                <a:ln>
+                  <a:noFill/>
+                </a:ln>
+                <a:solidFill>
+                  <a:srgbClr val="A9B7C6"/>
+                </a:solidFill>
+                <a:effectLst/>
+                <a:latin typeface="JetBrains Mono"/>
+              </a:rPr>
+              <a:t>GPIO.HIGH)</a:t>
+            </a:r>
+            <a:br>
+              <a:rPr kumimoji="0" lang="en-US" altLang="en-US" sz="1800" b="0" i="0" u="none" strike="noStrike" cap="none" normalizeH="0" baseline="0" dirty="0">
+                <a:ln>
+                  <a:noFill/>
+                </a:ln>
+                <a:solidFill>
+                  <a:srgbClr val="A9B7C6"/>
+                </a:solidFill>
+                <a:effectLst/>
+                <a:latin typeface="JetBrains Mono"/>
+              </a:rPr>
+            </a:br>
+            <a:r>
+              <a:rPr kumimoji="0" lang="en-US" altLang="en-US" sz="1800" b="0" i="0" u="none" strike="noStrike" cap="none" normalizeH="0" baseline="0" dirty="0">
+                <a:ln>
+                  <a:noFill/>
+                </a:ln>
+                <a:solidFill>
+                  <a:srgbClr val="A9B7C6"/>
+                </a:solidFill>
+                <a:effectLst/>
+                <a:latin typeface="JetBrains Mono"/>
+              </a:rPr>
+              <a:t>            sleep(</a:t>
+            </a:r>
+            <a:r>
+              <a:rPr kumimoji="0" lang="en-US" altLang="en-US" sz="1800" b="0" i="0" u="none" strike="noStrike" cap="none" normalizeH="0" baseline="0" dirty="0">
+                <a:ln>
+                  <a:noFill/>
+                </a:ln>
+                <a:solidFill>
+                  <a:srgbClr val="6897BB"/>
+                </a:solidFill>
+                <a:effectLst/>
+                <a:latin typeface="JetBrains Mono"/>
+              </a:rPr>
+              <a:t>1</a:t>
+            </a:r>
+            <a:r>
+              <a:rPr kumimoji="0" lang="en-US" altLang="en-US" sz="1800" b="0" i="0" u="none" strike="noStrike" cap="none" normalizeH="0" baseline="0" dirty="0">
+                <a:ln>
+                  <a:noFill/>
+                </a:ln>
+                <a:solidFill>
+                  <a:srgbClr val="A9B7C6"/>
+                </a:solidFill>
+                <a:effectLst/>
+                <a:latin typeface="JetBrains Mono"/>
+              </a:rPr>
+              <a:t>)</a:t>
+            </a:r>
+            <a:br>
+              <a:rPr kumimoji="0" lang="en-US" altLang="en-US" sz="1800" b="0" i="0" u="none" strike="noStrike" cap="none" normalizeH="0" baseline="0" dirty="0">
+                <a:ln>
+                  <a:noFill/>
+                </a:ln>
+                <a:solidFill>
+                  <a:srgbClr val="A9B7C6"/>
+                </a:solidFill>
+                <a:effectLst/>
+                <a:latin typeface="JetBrains Mono"/>
+              </a:rPr>
+            </a:br>
+            <a:r>
+              <a:rPr kumimoji="0" lang="en-US" altLang="en-US" sz="1800" b="0" i="0" u="none" strike="noStrike" cap="none" normalizeH="0" baseline="0" dirty="0">
+                <a:ln>
+                  <a:noFill/>
+                </a:ln>
+                <a:solidFill>
+                  <a:srgbClr val="A9B7C6"/>
+                </a:solidFill>
+                <a:effectLst/>
+                <a:latin typeface="JetBrains Mono"/>
+              </a:rPr>
+              <a:t>            </a:t>
+            </a:r>
+            <a:r>
+              <a:rPr kumimoji="0" lang="en-US" altLang="en-US" sz="1800" b="0" i="0" u="none" strike="noStrike" cap="none" normalizeH="0" baseline="0" dirty="0" err="1">
+                <a:ln>
+                  <a:noFill/>
+                </a:ln>
+                <a:solidFill>
+                  <a:srgbClr val="A9B7C6"/>
+                </a:solidFill>
+                <a:effectLst/>
+                <a:latin typeface="JetBrains Mono"/>
+              </a:rPr>
+              <a:t>GPIO.output</a:t>
+            </a:r>
+            <a:r>
+              <a:rPr kumimoji="0" lang="en-US" altLang="en-US" sz="1800" b="0" i="0" u="none" strike="noStrike" cap="none" normalizeH="0" baseline="0" dirty="0">
+                <a:ln>
+                  <a:noFill/>
+                </a:ln>
+                <a:solidFill>
+                  <a:srgbClr val="A9B7C6"/>
+                </a:solidFill>
+                <a:effectLst/>
+                <a:latin typeface="JetBrains Mono"/>
+              </a:rPr>
+              <a:t>(</a:t>
+            </a:r>
+            <a:r>
+              <a:rPr kumimoji="0" lang="en-US" altLang="en-US" sz="1800" b="0" i="0" u="none" strike="noStrike" cap="none" normalizeH="0" baseline="0" dirty="0">
+                <a:ln>
+                  <a:noFill/>
+                </a:ln>
+                <a:solidFill>
+                  <a:srgbClr val="6897BB"/>
+                </a:solidFill>
+                <a:effectLst/>
+                <a:latin typeface="JetBrains Mono"/>
+              </a:rPr>
+              <a:t>18</a:t>
+            </a:r>
+            <a:r>
+              <a:rPr kumimoji="0" lang="en-US" altLang="en-US" sz="1800" b="0" i="0" u="none" strike="noStrike" cap="none" normalizeH="0" baseline="0" dirty="0">
+                <a:ln>
+                  <a:noFill/>
+                </a:ln>
+                <a:solidFill>
+                  <a:srgbClr val="CC7832"/>
+                </a:solidFill>
+                <a:effectLst/>
+                <a:latin typeface="JetBrains Mono"/>
+              </a:rPr>
+              <a:t>, </a:t>
+            </a:r>
+            <a:r>
+              <a:rPr kumimoji="0" lang="en-US" altLang="en-US" sz="1800" b="0" i="0" u="none" strike="noStrike" cap="none" normalizeH="0" baseline="0" dirty="0">
+                <a:ln>
+                  <a:noFill/>
+                </a:ln>
+                <a:solidFill>
+                  <a:srgbClr val="A9B7C6"/>
+                </a:solidFill>
+                <a:effectLst/>
+                <a:latin typeface="JetBrains Mono"/>
+              </a:rPr>
+              <a:t>GPIO.HIGH)</a:t>
+            </a:r>
+            <a:br>
+              <a:rPr kumimoji="0" lang="en-US" altLang="en-US" sz="1800" b="0" i="0" u="none" strike="noStrike" cap="none" normalizeH="0" baseline="0" dirty="0">
+                <a:ln>
+                  <a:noFill/>
+                </a:ln>
+                <a:solidFill>
+                  <a:srgbClr val="A9B7C6"/>
+                </a:solidFill>
+                <a:effectLst/>
+                <a:latin typeface="JetBrains Mono"/>
+              </a:rPr>
+            </a:br>
+            <a:r>
+              <a:rPr kumimoji="0" lang="en-US" altLang="en-US" sz="1800" b="0" i="0" u="none" strike="noStrike" cap="none" normalizeH="0" baseline="0" dirty="0">
+                <a:ln>
+                  <a:noFill/>
+                </a:ln>
+                <a:solidFill>
+                  <a:srgbClr val="A9B7C6"/>
+                </a:solidFill>
+                <a:effectLst/>
+                <a:latin typeface="JetBrains Mono"/>
+              </a:rPr>
+              <a:t>            </a:t>
+            </a:r>
+            <a:r>
+              <a:rPr kumimoji="0" lang="en-US" altLang="en-US" sz="1800" b="0" i="0" u="none" strike="noStrike" cap="none" normalizeH="0" baseline="0" dirty="0" err="1">
+                <a:ln>
+                  <a:noFill/>
+                </a:ln>
+                <a:solidFill>
+                  <a:srgbClr val="A9B7C6"/>
+                </a:solidFill>
+                <a:effectLst/>
+                <a:latin typeface="JetBrains Mono"/>
+              </a:rPr>
+              <a:t>GPIO.output</a:t>
+            </a:r>
+            <a:r>
+              <a:rPr kumimoji="0" lang="en-US" altLang="en-US" sz="1800" b="0" i="0" u="none" strike="noStrike" cap="none" normalizeH="0" baseline="0" dirty="0">
+                <a:ln>
+                  <a:noFill/>
+                </a:ln>
+                <a:solidFill>
+                  <a:srgbClr val="A9B7C6"/>
+                </a:solidFill>
+                <a:effectLst/>
+                <a:latin typeface="JetBrains Mono"/>
+              </a:rPr>
+              <a:t>(</a:t>
+            </a:r>
+            <a:r>
+              <a:rPr kumimoji="0" lang="en-US" altLang="en-US" sz="1800" b="0" i="0" u="none" strike="noStrike" cap="none" normalizeH="0" baseline="0" dirty="0">
+                <a:ln>
+                  <a:noFill/>
+                </a:ln>
+                <a:solidFill>
+                  <a:srgbClr val="6897BB"/>
+                </a:solidFill>
+                <a:effectLst/>
+                <a:latin typeface="JetBrains Mono"/>
+              </a:rPr>
+              <a:t>23</a:t>
+            </a:r>
+            <a:r>
+              <a:rPr kumimoji="0" lang="en-US" altLang="en-US" sz="1800" b="0" i="0" u="none" strike="noStrike" cap="none" normalizeH="0" baseline="0" dirty="0">
+                <a:ln>
+                  <a:noFill/>
+                </a:ln>
+                <a:solidFill>
+                  <a:srgbClr val="CC7832"/>
+                </a:solidFill>
+                <a:effectLst/>
+                <a:latin typeface="JetBrains Mono"/>
+              </a:rPr>
+              <a:t>, </a:t>
+            </a:r>
+            <a:r>
+              <a:rPr kumimoji="0" lang="en-US" altLang="en-US" sz="1800" b="0" i="0" u="none" strike="noStrike" cap="none" normalizeH="0" baseline="0" dirty="0">
+                <a:ln>
+                  <a:noFill/>
+                </a:ln>
+                <a:solidFill>
+                  <a:srgbClr val="A9B7C6"/>
+                </a:solidFill>
+                <a:effectLst/>
+                <a:latin typeface="JetBrains Mono"/>
+              </a:rPr>
+              <a:t>GPIO.LOW)</a:t>
+            </a:r>
+            <a:br>
+              <a:rPr kumimoji="0" lang="en-US" altLang="en-US" sz="1800" b="0" i="0" u="none" strike="noStrike" cap="none" normalizeH="0" baseline="0" dirty="0">
+                <a:ln>
+                  <a:noFill/>
+                </a:ln>
+                <a:solidFill>
+                  <a:srgbClr val="A9B7C6"/>
+                </a:solidFill>
+                <a:effectLst/>
+                <a:latin typeface="JetBrains Mono"/>
+              </a:rPr>
+            </a:br>
+            <a:r>
+              <a:rPr kumimoji="0" lang="en-US" altLang="en-US" sz="1800" b="0" i="0" u="none" strike="noStrike" cap="none" normalizeH="0" baseline="0" dirty="0">
+                <a:ln>
+                  <a:noFill/>
+                </a:ln>
+                <a:solidFill>
+                  <a:srgbClr val="A9B7C6"/>
+                </a:solidFill>
+                <a:effectLst/>
+                <a:latin typeface="JetBrains Mono"/>
+              </a:rPr>
+              <a:t>            sleep(</a:t>
+            </a:r>
+            <a:r>
+              <a:rPr kumimoji="0" lang="en-US" altLang="en-US" sz="1800" b="0" i="0" u="none" strike="noStrike" cap="none" normalizeH="0" baseline="0" dirty="0">
+                <a:ln>
+                  <a:noFill/>
+                </a:ln>
+                <a:solidFill>
+                  <a:srgbClr val="6897BB"/>
+                </a:solidFill>
+                <a:effectLst/>
+                <a:latin typeface="JetBrains Mono"/>
+              </a:rPr>
+              <a:t>1</a:t>
+            </a:r>
+            <a:r>
+              <a:rPr kumimoji="0" lang="en-US" altLang="en-US" sz="1800" b="0" i="0" u="none" strike="noStrike" cap="none" normalizeH="0" baseline="0" dirty="0">
+                <a:ln>
+                  <a:noFill/>
+                </a:ln>
+                <a:solidFill>
+                  <a:srgbClr val="A9B7C6"/>
+                </a:solidFill>
+                <a:effectLst/>
+                <a:latin typeface="JetBrains Mono"/>
+              </a:rPr>
+              <a:t>)</a:t>
+            </a:r>
+            <a:br>
+              <a:rPr kumimoji="0" lang="en-US" altLang="en-US" sz="1800" b="0" i="0" u="none" strike="noStrike" cap="none" normalizeH="0" baseline="0" dirty="0">
+                <a:ln>
+                  <a:noFill/>
+                </a:ln>
+                <a:solidFill>
+                  <a:srgbClr val="A9B7C6"/>
+                </a:solidFill>
+                <a:effectLst/>
+                <a:latin typeface="JetBrains Mono"/>
+              </a:rPr>
+            </a:br>
+            <a:r>
+              <a:rPr kumimoji="0" lang="en-US" altLang="en-US" sz="1800" b="0" i="0" u="none" strike="noStrike" cap="none" normalizeH="0" baseline="0" dirty="0">
+                <a:ln>
+                  <a:noFill/>
+                </a:ln>
+                <a:solidFill>
+                  <a:srgbClr val="A9B7C6"/>
+                </a:solidFill>
+                <a:effectLst/>
+                <a:latin typeface="JetBrains Mono"/>
+              </a:rPr>
+              <a:t>      </a:t>
+            </a:r>
+            <a:br>
+              <a:rPr kumimoji="0" lang="en-US" altLang="en-US" sz="1800" b="0" i="0" u="none" strike="noStrike" cap="none" normalizeH="0" baseline="0" dirty="0">
+                <a:ln>
+                  <a:noFill/>
+                </a:ln>
+                <a:solidFill>
+                  <a:srgbClr val="A9B7C6"/>
+                </a:solidFill>
+                <a:effectLst/>
+                <a:latin typeface="JetBrains Mono"/>
+              </a:rPr>
+            </a:br>
+            <a:r>
+              <a:rPr kumimoji="0" lang="en-US" altLang="en-US" sz="1800" b="0" i="0" u="none" strike="noStrike" cap="none" normalizeH="0" baseline="0" dirty="0">
+                <a:ln>
+                  <a:noFill/>
+                </a:ln>
+                <a:solidFill>
+                  <a:srgbClr val="CC7832"/>
+                </a:solidFill>
+                <a:effectLst/>
+                <a:latin typeface="JetBrains Mono"/>
+              </a:rPr>
+              <a:t>except </a:t>
+            </a:r>
+            <a:r>
+              <a:rPr kumimoji="0" lang="en-US" altLang="en-US" sz="1800" b="0" i="0" u="none" strike="noStrike" cap="none" normalizeH="0" baseline="0" dirty="0" err="1">
+                <a:ln>
+                  <a:noFill/>
+                </a:ln>
+                <a:solidFill>
+                  <a:srgbClr val="A9B7C6"/>
+                </a:solidFill>
+                <a:effectLst/>
+                <a:latin typeface="JetBrains Mono"/>
+              </a:rPr>
+              <a:t>KeyboardInterrupt</a:t>
+            </a:r>
+            <a:r>
+              <a:rPr kumimoji="0" lang="en-US" altLang="en-US" sz="1800" b="0" i="0" u="none" strike="noStrike" cap="none" normalizeH="0" baseline="0" dirty="0">
+                <a:ln>
+                  <a:noFill/>
+                </a:ln>
+                <a:solidFill>
+                  <a:srgbClr val="A9B7C6"/>
+                </a:solidFill>
+                <a:effectLst/>
+                <a:latin typeface="JetBrains Mono"/>
+              </a:rPr>
+              <a:t>: </a:t>
+            </a:r>
+            <a:br>
+              <a:rPr kumimoji="0" lang="en-US" altLang="en-US" sz="1800" b="0" i="0" u="none" strike="noStrike" cap="none" normalizeH="0" baseline="0" dirty="0">
+                <a:ln>
+                  <a:noFill/>
+                </a:ln>
+                <a:solidFill>
+                  <a:srgbClr val="A9B7C6"/>
+                </a:solidFill>
+                <a:effectLst/>
+                <a:latin typeface="JetBrains Mono"/>
+              </a:rPr>
+            </a:br>
+            <a:r>
+              <a:rPr kumimoji="0" lang="en-US" altLang="en-US" sz="1800" b="0" i="0" u="none" strike="noStrike" cap="none" normalizeH="0" baseline="0" dirty="0">
+                <a:ln>
+                  <a:noFill/>
+                </a:ln>
+                <a:solidFill>
+                  <a:srgbClr val="A9B7C6"/>
+                </a:solidFill>
+                <a:effectLst/>
+                <a:latin typeface="JetBrains Mono"/>
+              </a:rPr>
+              <a:t>    </a:t>
+            </a:r>
+            <a:r>
+              <a:rPr kumimoji="0" lang="en-US" altLang="en-US" sz="1800" b="0" i="0" u="none" strike="noStrike" cap="none" normalizeH="0" baseline="0" dirty="0" err="1">
+                <a:ln>
+                  <a:noFill/>
+                </a:ln>
+                <a:solidFill>
+                  <a:srgbClr val="A9B7C6"/>
+                </a:solidFill>
+                <a:effectLst/>
+                <a:latin typeface="JetBrains Mono"/>
+              </a:rPr>
+              <a:t>GPIO.cleanup</a:t>
+            </a:r>
+            <a:r>
+              <a:rPr kumimoji="0" lang="en-US" altLang="en-US" sz="1800" b="0" i="0" u="none" strike="noStrike" cap="none" normalizeH="0" baseline="0" dirty="0">
+                <a:ln>
+                  <a:noFill/>
+                </a:ln>
+                <a:solidFill>
+                  <a:srgbClr val="A9B7C6"/>
+                </a:solidFill>
+                <a:effectLst/>
+                <a:latin typeface="JetBrains Mono"/>
+              </a:rPr>
+              <a:t>() </a:t>
+            </a:r>
+            <a:endParaRPr kumimoji="0" lang="en-US" altLang="en-US" sz="2800" b="0" i="0" u="none" strike="noStrike" cap="none" normalizeH="0" baseline="0" dirty="0">
+              <a:ln>
+                <a:noFill/>
+              </a:ln>
+              <a:solidFill>
+                <a:schemeClr val="tx1"/>
+              </a:solidFill>
+              <a:effectLst/>
+              <a:latin typeface="Arial" panose="020B0604020202020204" pitchFamily="34" charset="0"/>
+            </a:endParaRPr>
+          </a:p>
+        </p:txBody>
+      </p:sp>
+      <p:sp>
+        <p:nvSpPr>
+          <p:cNvPr id="17" name="TextBox 16">
+            <a:extLst>
+              <a:ext uri="{FF2B5EF4-FFF2-40B4-BE49-F238E27FC236}">
+                <a16:creationId xmlns:a16="http://schemas.microsoft.com/office/drawing/2014/main" id="{4B146D26-08C2-6B48-8B56-8FDF2635ED03}"/>
+              </a:ext>
+            </a:extLst>
+          </p:cNvPr>
+          <p:cNvSpPr txBox="1"/>
+          <p:nvPr/>
+        </p:nvSpPr>
+        <p:spPr>
+          <a:xfrm>
+            <a:off x="638174" y="1483199"/>
+            <a:ext cx="5391151" cy="3785652"/>
+          </a:xfrm>
+          <a:prstGeom prst="rect">
+            <a:avLst/>
+          </a:prstGeom>
+          <a:solidFill>
+            <a:srgbClr val="2B2B2B"/>
+          </a:solidFill>
+        </p:spPr>
+        <p:txBody>
+          <a:bodyPr wrap="square">
+            <a:spAutoFit/>
+          </a:bodyPr>
+          <a:lstStyle/>
+          <a:p>
+            <a:r>
+              <a:rPr kumimoji="0" lang="en-US" altLang="en-US" sz="2000" b="0" i="0" u="none" strike="noStrike" cap="none" normalizeH="0" baseline="0" dirty="0">
+                <a:ln>
+                  <a:noFill/>
+                </a:ln>
+                <a:solidFill>
+                  <a:srgbClr val="CC7832"/>
+                </a:solidFill>
+                <a:effectLst/>
+                <a:latin typeface="JetBrains Mono"/>
+              </a:rPr>
+              <a:t>import </a:t>
+            </a:r>
+            <a:r>
+              <a:rPr kumimoji="0" lang="en-US" altLang="en-US" sz="2000" b="0" i="0" u="none" strike="noStrike" cap="none" normalizeH="0" baseline="0" dirty="0" err="1">
+                <a:ln>
+                  <a:noFill/>
+                </a:ln>
+                <a:solidFill>
+                  <a:srgbClr val="A9B7C6"/>
+                </a:solidFill>
+                <a:effectLst/>
+                <a:latin typeface="JetBrains Mono"/>
+              </a:rPr>
+              <a:t>RPi.GPIO</a:t>
+            </a:r>
+            <a:r>
+              <a:rPr kumimoji="0" lang="en-US" altLang="en-US" sz="2000" b="0" i="0" u="none" strike="noStrike" cap="none" normalizeH="0" baseline="0" dirty="0">
+                <a:ln>
+                  <a:noFill/>
+                </a:ln>
+                <a:solidFill>
+                  <a:srgbClr val="A9B7C6"/>
+                </a:solidFill>
+                <a:effectLst/>
+                <a:latin typeface="JetBrains Mono"/>
+              </a:rPr>
+              <a:t> </a:t>
+            </a:r>
+            <a:r>
+              <a:rPr kumimoji="0" lang="en-US" altLang="en-US" sz="2000" b="0" i="0" u="none" strike="noStrike" cap="none" normalizeH="0" baseline="0" dirty="0">
+                <a:ln>
+                  <a:noFill/>
+                </a:ln>
+                <a:solidFill>
+                  <a:srgbClr val="CC7832"/>
+                </a:solidFill>
+                <a:effectLst/>
+                <a:latin typeface="JetBrains Mono"/>
+              </a:rPr>
+              <a:t>as </a:t>
+            </a:r>
+            <a:r>
+              <a:rPr kumimoji="0" lang="en-US" altLang="en-US" sz="2000" b="0" i="0" u="none" strike="noStrike" cap="none" normalizeH="0" baseline="0" dirty="0">
+                <a:ln>
+                  <a:noFill/>
+                </a:ln>
+                <a:solidFill>
+                  <a:srgbClr val="A9B7C6"/>
+                </a:solidFill>
+                <a:effectLst/>
+                <a:latin typeface="JetBrains Mono"/>
+              </a:rPr>
+              <a:t>GPIO</a:t>
+            </a:r>
+            <a:br>
+              <a:rPr kumimoji="0" lang="en-US" altLang="en-US" sz="2000" b="0" i="0" u="none" strike="noStrike" cap="none" normalizeH="0" baseline="0" dirty="0">
+                <a:ln>
+                  <a:noFill/>
+                </a:ln>
+                <a:solidFill>
+                  <a:srgbClr val="A9B7C6"/>
+                </a:solidFill>
+                <a:effectLst/>
+                <a:latin typeface="JetBrains Mono"/>
+              </a:rPr>
+            </a:br>
+            <a:r>
+              <a:rPr kumimoji="0" lang="en-US" altLang="en-US" sz="2000" b="0" i="0" u="none" strike="noStrike" cap="none" normalizeH="0" baseline="0" dirty="0">
+                <a:ln>
+                  <a:noFill/>
+                </a:ln>
+                <a:solidFill>
+                  <a:srgbClr val="CC7832"/>
+                </a:solidFill>
+                <a:effectLst/>
+                <a:latin typeface="JetBrains Mono"/>
+              </a:rPr>
+              <a:t>import </a:t>
+            </a:r>
+            <a:r>
+              <a:rPr kumimoji="0" lang="en-US" altLang="en-US" sz="2000" b="0" i="0" u="none" strike="noStrike" cap="none" normalizeH="0" baseline="0" dirty="0">
+                <a:ln>
+                  <a:noFill/>
+                </a:ln>
+                <a:solidFill>
+                  <a:srgbClr val="A9B7C6"/>
+                </a:solidFill>
+                <a:effectLst/>
+                <a:latin typeface="JetBrains Mono"/>
+              </a:rPr>
+              <a:t>sys</a:t>
+            </a:r>
+            <a:br>
+              <a:rPr kumimoji="0" lang="en-US" altLang="en-US" sz="2000" b="0" i="0" u="none" strike="noStrike" cap="none" normalizeH="0" baseline="0" dirty="0">
+                <a:ln>
+                  <a:noFill/>
+                </a:ln>
+                <a:solidFill>
+                  <a:srgbClr val="A9B7C6"/>
+                </a:solidFill>
+                <a:effectLst/>
+                <a:latin typeface="JetBrains Mono"/>
+              </a:rPr>
+            </a:br>
+            <a:r>
+              <a:rPr kumimoji="0" lang="en-US" altLang="en-US" sz="2000" b="0" i="0" u="none" strike="noStrike" cap="none" normalizeH="0" baseline="0" dirty="0">
+                <a:ln>
+                  <a:noFill/>
+                </a:ln>
+                <a:solidFill>
+                  <a:srgbClr val="CC7832"/>
+                </a:solidFill>
+                <a:effectLst/>
+                <a:latin typeface="JetBrains Mono"/>
+              </a:rPr>
+              <a:t>from </a:t>
+            </a:r>
+            <a:r>
+              <a:rPr kumimoji="0" lang="en-US" altLang="en-US" sz="2000" b="0" i="0" u="none" strike="noStrike" cap="none" normalizeH="0" baseline="0" dirty="0">
+                <a:ln>
+                  <a:noFill/>
+                </a:ln>
+                <a:solidFill>
+                  <a:srgbClr val="A9B7C6"/>
+                </a:solidFill>
+                <a:effectLst/>
+                <a:latin typeface="JetBrains Mono"/>
+              </a:rPr>
+              <a:t>time </a:t>
+            </a:r>
+            <a:r>
+              <a:rPr kumimoji="0" lang="en-US" altLang="en-US" sz="2000" b="0" i="0" u="none" strike="noStrike" cap="none" normalizeH="0" baseline="0" dirty="0">
+                <a:ln>
+                  <a:noFill/>
+                </a:ln>
+                <a:solidFill>
+                  <a:srgbClr val="CC7832"/>
+                </a:solidFill>
+                <a:effectLst/>
+                <a:latin typeface="JetBrains Mono"/>
+              </a:rPr>
+              <a:t>import </a:t>
+            </a:r>
+            <a:r>
+              <a:rPr kumimoji="0" lang="en-US" altLang="en-US" sz="2000" b="0" i="0" u="none" strike="noStrike" cap="none" normalizeH="0" baseline="0" dirty="0">
+                <a:ln>
+                  <a:noFill/>
+                </a:ln>
+                <a:solidFill>
+                  <a:srgbClr val="A9B7C6"/>
+                </a:solidFill>
+                <a:effectLst/>
+                <a:latin typeface="JetBrains Mono"/>
+              </a:rPr>
+              <a:t>sleep</a:t>
+            </a:r>
+            <a:br>
+              <a:rPr kumimoji="0" lang="en-US" altLang="en-US" sz="2000" b="0" i="0" u="none" strike="noStrike" cap="none" normalizeH="0" baseline="0" dirty="0">
+                <a:ln>
+                  <a:noFill/>
+                </a:ln>
+                <a:solidFill>
+                  <a:srgbClr val="A9B7C6"/>
+                </a:solidFill>
+                <a:effectLst/>
+                <a:latin typeface="JetBrains Mono"/>
+              </a:rPr>
+            </a:br>
+            <a:br>
+              <a:rPr kumimoji="0" lang="en-US" altLang="en-US" sz="2000" b="0" i="0" u="none" strike="noStrike" cap="none" normalizeH="0" baseline="0" dirty="0">
+                <a:ln>
+                  <a:noFill/>
+                </a:ln>
+                <a:solidFill>
+                  <a:srgbClr val="A9B7C6"/>
+                </a:solidFill>
+                <a:effectLst/>
+                <a:latin typeface="JetBrains Mono"/>
+              </a:rPr>
+            </a:br>
+            <a:r>
+              <a:rPr kumimoji="0" lang="en-US" altLang="en-US" sz="2000" b="0" i="0" u="none" strike="noStrike" cap="none" normalizeH="0" baseline="0" dirty="0" err="1">
+                <a:ln>
+                  <a:noFill/>
+                </a:ln>
+                <a:solidFill>
+                  <a:srgbClr val="A9B7C6"/>
+                </a:solidFill>
+                <a:effectLst/>
+                <a:latin typeface="JetBrains Mono"/>
+              </a:rPr>
+              <a:t>butPin</a:t>
+            </a:r>
+            <a:r>
+              <a:rPr kumimoji="0" lang="en-US" altLang="en-US" sz="2000" b="0" i="0" u="none" strike="noStrike" cap="none" normalizeH="0" baseline="0" dirty="0">
+                <a:ln>
+                  <a:noFill/>
+                </a:ln>
+                <a:solidFill>
+                  <a:srgbClr val="A9B7C6"/>
+                </a:solidFill>
+                <a:effectLst/>
+                <a:latin typeface="JetBrains Mono"/>
+              </a:rPr>
+              <a:t> = </a:t>
+            </a:r>
+            <a:r>
+              <a:rPr kumimoji="0" lang="en-US" altLang="en-US" sz="2000" b="0" i="0" u="none" strike="noStrike" cap="none" normalizeH="0" baseline="0" dirty="0">
+                <a:ln>
+                  <a:noFill/>
+                </a:ln>
+                <a:solidFill>
+                  <a:srgbClr val="6897BB"/>
+                </a:solidFill>
+                <a:effectLst/>
+                <a:latin typeface="JetBrains Mono"/>
+              </a:rPr>
+              <a:t>17 </a:t>
+            </a:r>
+            <a:br>
+              <a:rPr kumimoji="0" lang="en-US" altLang="en-US" sz="2000" b="0" i="0" u="none" strike="noStrike" cap="none" normalizeH="0" baseline="0" dirty="0">
+                <a:ln>
+                  <a:noFill/>
+                </a:ln>
+                <a:solidFill>
+                  <a:srgbClr val="6897BB"/>
+                </a:solidFill>
+                <a:effectLst/>
+                <a:latin typeface="JetBrains Mono"/>
+              </a:rPr>
+            </a:br>
+            <a:r>
+              <a:rPr kumimoji="0" lang="en-US" altLang="en-US" sz="2000" b="0" i="0" u="none" strike="noStrike" cap="none" normalizeH="0" baseline="0" dirty="0" err="1">
+                <a:ln>
+                  <a:noFill/>
+                </a:ln>
+                <a:solidFill>
+                  <a:srgbClr val="A9B7C6"/>
+                </a:solidFill>
+                <a:effectLst/>
+                <a:latin typeface="JetBrains Mono"/>
+              </a:rPr>
+              <a:t>GPIO.setwarnings</a:t>
+            </a:r>
+            <a:r>
+              <a:rPr kumimoji="0" lang="en-US" altLang="en-US" sz="2000" b="0" i="0" u="none" strike="noStrike" cap="none" normalizeH="0" baseline="0" dirty="0">
+                <a:ln>
+                  <a:noFill/>
+                </a:ln>
+                <a:solidFill>
+                  <a:srgbClr val="A9B7C6"/>
+                </a:solidFill>
+                <a:effectLst/>
+                <a:latin typeface="JetBrains Mono"/>
+              </a:rPr>
+              <a:t>(</a:t>
+            </a:r>
+            <a:r>
+              <a:rPr kumimoji="0" lang="en-US" altLang="en-US" sz="2000" b="0" i="0" u="none" strike="noStrike" cap="none" normalizeH="0" baseline="0" dirty="0">
+                <a:ln>
+                  <a:noFill/>
+                </a:ln>
+                <a:solidFill>
+                  <a:srgbClr val="CC7832"/>
+                </a:solidFill>
+                <a:effectLst/>
+                <a:latin typeface="JetBrains Mono"/>
+              </a:rPr>
+              <a:t>False</a:t>
+            </a:r>
+            <a:r>
+              <a:rPr kumimoji="0" lang="en-US" altLang="en-US" sz="2000" b="0" i="0" u="none" strike="noStrike" cap="none" normalizeH="0" baseline="0" dirty="0">
+                <a:ln>
+                  <a:noFill/>
+                </a:ln>
+                <a:solidFill>
+                  <a:srgbClr val="A9B7C6"/>
+                </a:solidFill>
+                <a:effectLst/>
+                <a:latin typeface="JetBrains Mono"/>
+              </a:rPr>
+              <a:t>)</a:t>
+            </a:r>
+            <a:br>
+              <a:rPr kumimoji="0" lang="en-US" altLang="en-US" sz="2000" b="0" i="0" u="none" strike="noStrike" cap="none" normalizeH="0" baseline="0" dirty="0">
+                <a:ln>
+                  <a:noFill/>
+                </a:ln>
+                <a:solidFill>
+                  <a:srgbClr val="A9B7C6"/>
+                </a:solidFill>
+                <a:effectLst/>
+                <a:latin typeface="JetBrains Mono"/>
+              </a:rPr>
+            </a:br>
+            <a:r>
+              <a:rPr kumimoji="0" lang="en-US" altLang="en-US" sz="2000" b="0" i="0" u="none" strike="noStrike" cap="none" normalizeH="0" baseline="0" dirty="0" err="1">
+                <a:ln>
+                  <a:noFill/>
+                </a:ln>
+                <a:solidFill>
+                  <a:srgbClr val="A9B7C6"/>
+                </a:solidFill>
+                <a:effectLst/>
+                <a:latin typeface="JetBrains Mono"/>
+              </a:rPr>
+              <a:t>GPIO.setmode</a:t>
+            </a:r>
+            <a:r>
+              <a:rPr kumimoji="0" lang="en-US" altLang="en-US" sz="2000" b="0" i="0" u="none" strike="noStrike" cap="none" normalizeH="0" baseline="0" dirty="0">
+                <a:ln>
+                  <a:noFill/>
+                </a:ln>
+                <a:solidFill>
+                  <a:srgbClr val="A9B7C6"/>
+                </a:solidFill>
+                <a:effectLst/>
+                <a:latin typeface="JetBrains Mono"/>
+              </a:rPr>
+              <a:t>(GPIO.BCM)  </a:t>
+            </a:r>
+            <a:r>
+              <a:rPr kumimoji="0" lang="en-US" altLang="en-US" sz="2000" b="0" i="0" u="none" strike="noStrike" cap="none" normalizeH="0" baseline="0" dirty="0">
+                <a:ln>
+                  <a:noFill/>
+                </a:ln>
+                <a:solidFill>
+                  <a:srgbClr val="808080"/>
+                </a:solidFill>
+                <a:effectLst/>
+                <a:latin typeface="JetBrains Mono"/>
+              </a:rPr>
+              <a:t># GPIO.BOARD to reference pin numbers</a:t>
+            </a:r>
+            <a:br>
+              <a:rPr kumimoji="0" lang="en-US" altLang="en-US" sz="2000" b="0" i="0" u="none" strike="noStrike" cap="none" normalizeH="0" baseline="0" dirty="0">
+                <a:ln>
+                  <a:noFill/>
+                </a:ln>
+                <a:solidFill>
+                  <a:srgbClr val="808080"/>
+                </a:solidFill>
+                <a:effectLst/>
+                <a:latin typeface="JetBrains Mono"/>
+              </a:rPr>
+            </a:br>
+            <a:r>
+              <a:rPr kumimoji="0" lang="en-US" altLang="en-US" sz="2000" b="0" i="0" u="none" strike="noStrike" cap="none" normalizeH="0" baseline="0" dirty="0" err="1">
+                <a:ln>
+                  <a:noFill/>
+                </a:ln>
+                <a:solidFill>
+                  <a:srgbClr val="A9B7C6"/>
+                </a:solidFill>
+                <a:effectLst/>
+                <a:latin typeface="JetBrains Mono"/>
+              </a:rPr>
+              <a:t>GPIO.setup</a:t>
+            </a:r>
+            <a:r>
+              <a:rPr kumimoji="0" lang="en-US" altLang="en-US" sz="2000" b="0" i="0" u="none" strike="noStrike" cap="none" normalizeH="0" baseline="0" dirty="0">
+                <a:ln>
+                  <a:noFill/>
+                </a:ln>
+                <a:solidFill>
+                  <a:srgbClr val="A9B7C6"/>
+                </a:solidFill>
+                <a:effectLst/>
+                <a:latin typeface="JetBrains Mono"/>
+              </a:rPr>
+              <a:t>(</a:t>
+            </a:r>
+            <a:r>
+              <a:rPr kumimoji="0" lang="en-US" altLang="en-US" sz="2000" b="0" i="0" u="none" strike="noStrike" cap="none" normalizeH="0" baseline="0" dirty="0">
+                <a:ln>
+                  <a:noFill/>
+                </a:ln>
+                <a:solidFill>
+                  <a:srgbClr val="6897BB"/>
+                </a:solidFill>
+                <a:effectLst/>
+                <a:latin typeface="JetBrains Mono"/>
+              </a:rPr>
+              <a:t>18</a:t>
+            </a:r>
+            <a:r>
+              <a:rPr kumimoji="0" lang="en-US" altLang="en-US" sz="2000" b="0" i="0" u="none" strike="noStrike" cap="none" normalizeH="0" baseline="0" dirty="0">
+                <a:ln>
+                  <a:noFill/>
+                </a:ln>
+                <a:solidFill>
+                  <a:srgbClr val="CC7832"/>
+                </a:solidFill>
+                <a:effectLst/>
+                <a:latin typeface="JetBrains Mono"/>
+              </a:rPr>
+              <a:t>, </a:t>
+            </a:r>
+            <a:r>
+              <a:rPr kumimoji="0" lang="en-US" altLang="en-US" sz="2000" b="0" i="0" u="none" strike="noStrike" cap="none" normalizeH="0" baseline="0" dirty="0">
+                <a:ln>
+                  <a:noFill/>
+                </a:ln>
+                <a:solidFill>
+                  <a:srgbClr val="A9B7C6"/>
+                </a:solidFill>
+                <a:effectLst/>
+                <a:latin typeface="JetBrains Mono"/>
+              </a:rPr>
+              <a:t>GPIO.OUT)</a:t>
+            </a:r>
+            <a:br>
+              <a:rPr kumimoji="0" lang="en-US" altLang="en-US" sz="2000" b="0" i="0" u="none" strike="noStrike" cap="none" normalizeH="0" baseline="0" dirty="0">
+                <a:ln>
+                  <a:noFill/>
+                </a:ln>
+                <a:solidFill>
+                  <a:srgbClr val="A9B7C6"/>
+                </a:solidFill>
+                <a:effectLst/>
+                <a:latin typeface="JetBrains Mono"/>
+              </a:rPr>
+            </a:br>
+            <a:r>
+              <a:rPr kumimoji="0" lang="en-US" altLang="en-US" sz="2000" b="0" i="0" u="none" strike="noStrike" cap="none" normalizeH="0" baseline="0" dirty="0" err="1">
+                <a:ln>
+                  <a:noFill/>
+                </a:ln>
+                <a:solidFill>
+                  <a:srgbClr val="A9B7C6"/>
+                </a:solidFill>
+                <a:effectLst/>
+                <a:latin typeface="JetBrains Mono"/>
+              </a:rPr>
+              <a:t>GPIO.setup</a:t>
+            </a:r>
+            <a:r>
+              <a:rPr kumimoji="0" lang="en-US" altLang="en-US" sz="2000" b="0" i="0" u="none" strike="noStrike" cap="none" normalizeH="0" baseline="0" dirty="0">
+                <a:ln>
+                  <a:noFill/>
+                </a:ln>
+                <a:solidFill>
+                  <a:srgbClr val="A9B7C6"/>
+                </a:solidFill>
+                <a:effectLst/>
+                <a:latin typeface="JetBrains Mono"/>
+              </a:rPr>
+              <a:t>(</a:t>
+            </a:r>
+            <a:r>
+              <a:rPr kumimoji="0" lang="en-US" altLang="en-US" sz="2000" b="0" i="0" u="none" strike="noStrike" cap="none" normalizeH="0" baseline="0" dirty="0">
+                <a:ln>
+                  <a:noFill/>
+                </a:ln>
+                <a:solidFill>
+                  <a:srgbClr val="6897BB"/>
+                </a:solidFill>
+                <a:effectLst/>
+                <a:latin typeface="JetBrains Mono"/>
+              </a:rPr>
+              <a:t>23</a:t>
+            </a:r>
+            <a:r>
+              <a:rPr kumimoji="0" lang="en-US" altLang="en-US" sz="2000" b="0" i="0" u="none" strike="noStrike" cap="none" normalizeH="0" baseline="0" dirty="0">
+                <a:ln>
+                  <a:noFill/>
+                </a:ln>
+                <a:solidFill>
+                  <a:srgbClr val="CC7832"/>
+                </a:solidFill>
+                <a:effectLst/>
+                <a:latin typeface="JetBrains Mono"/>
+              </a:rPr>
+              <a:t>, </a:t>
+            </a:r>
+            <a:r>
+              <a:rPr kumimoji="0" lang="en-US" altLang="en-US" sz="2000" b="0" i="0" u="none" strike="noStrike" cap="none" normalizeH="0" baseline="0" dirty="0">
+                <a:ln>
+                  <a:noFill/>
+                </a:ln>
+                <a:solidFill>
+                  <a:srgbClr val="A9B7C6"/>
+                </a:solidFill>
+                <a:effectLst/>
+                <a:latin typeface="JetBrains Mono"/>
+              </a:rPr>
+              <a:t>GPIO.OUT)</a:t>
+            </a:r>
+            <a:br>
+              <a:rPr kumimoji="0" lang="en-US" altLang="en-US" sz="2000" b="0" i="0" u="none" strike="noStrike" cap="none" normalizeH="0" baseline="0" dirty="0">
+                <a:ln>
+                  <a:noFill/>
+                </a:ln>
+                <a:solidFill>
+                  <a:srgbClr val="A9B7C6"/>
+                </a:solidFill>
+                <a:effectLst/>
+                <a:latin typeface="JetBrains Mono"/>
+              </a:rPr>
+            </a:br>
+            <a:r>
+              <a:rPr kumimoji="0" lang="en-US" altLang="en-US" sz="2000" b="0" i="0" u="none" strike="noStrike" cap="none" normalizeH="0" baseline="0" dirty="0" err="1">
+                <a:ln>
+                  <a:noFill/>
+                </a:ln>
+                <a:solidFill>
+                  <a:srgbClr val="A9B7C6"/>
+                </a:solidFill>
+                <a:effectLst/>
+                <a:latin typeface="JetBrains Mono"/>
+              </a:rPr>
+              <a:t>GPIO.setup</a:t>
+            </a:r>
+            <a:r>
+              <a:rPr kumimoji="0" lang="en-US" altLang="en-US" sz="2000" b="0" i="0" u="none" strike="noStrike" cap="none" normalizeH="0" baseline="0" dirty="0">
+                <a:ln>
+                  <a:noFill/>
+                </a:ln>
+                <a:solidFill>
+                  <a:srgbClr val="A9B7C6"/>
+                </a:solidFill>
+                <a:effectLst/>
+                <a:latin typeface="JetBrains Mono"/>
+              </a:rPr>
+              <a:t>(</a:t>
+            </a:r>
+            <a:r>
+              <a:rPr kumimoji="0" lang="en-US" altLang="en-US" sz="2000" b="0" i="0" u="none" strike="noStrike" cap="none" normalizeH="0" baseline="0" dirty="0" err="1">
+                <a:ln>
+                  <a:noFill/>
+                </a:ln>
+                <a:solidFill>
+                  <a:srgbClr val="A9B7C6"/>
+                </a:solidFill>
+                <a:effectLst/>
+                <a:latin typeface="JetBrains Mono"/>
+              </a:rPr>
+              <a:t>butPin</a:t>
+            </a:r>
+            <a:r>
+              <a:rPr kumimoji="0" lang="en-US" altLang="en-US" sz="2000" b="0" i="0" u="none" strike="noStrike" cap="none" normalizeH="0" baseline="0" dirty="0">
+                <a:ln>
+                  <a:noFill/>
+                </a:ln>
+                <a:solidFill>
+                  <a:srgbClr val="CC7832"/>
+                </a:solidFill>
+                <a:effectLst/>
+                <a:latin typeface="JetBrains Mono"/>
+              </a:rPr>
+              <a:t>, </a:t>
+            </a:r>
+            <a:r>
+              <a:rPr kumimoji="0" lang="en-US" altLang="en-US" sz="2000" b="0" i="0" u="none" strike="noStrike" cap="none" normalizeH="0" baseline="0" dirty="0">
+                <a:ln>
+                  <a:noFill/>
+                </a:ln>
+                <a:solidFill>
+                  <a:srgbClr val="A9B7C6"/>
+                </a:solidFill>
+                <a:effectLst/>
+                <a:latin typeface="JetBrains Mono"/>
+              </a:rPr>
+              <a:t>GPIO.IN</a:t>
+            </a:r>
+            <a:r>
+              <a:rPr kumimoji="0" lang="en-US" altLang="en-US" sz="2000" b="0" i="0" u="none" strike="noStrike" cap="none" normalizeH="0" baseline="0" dirty="0">
+                <a:ln>
+                  <a:noFill/>
+                </a:ln>
+                <a:solidFill>
+                  <a:srgbClr val="CC7832"/>
+                </a:solidFill>
+                <a:effectLst/>
+                <a:latin typeface="JetBrains Mono"/>
+              </a:rPr>
+              <a:t>, </a:t>
+            </a:r>
+            <a:r>
+              <a:rPr kumimoji="0" lang="en-US" altLang="en-US" sz="2000" b="0" i="0" u="none" strike="noStrike" cap="none" normalizeH="0" baseline="0" dirty="0" err="1">
+                <a:ln>
+                  <a:noFill/>
+                </a:ln>
+                <a:solidFill>
+                  <a:srgbClr val="A9B7C6"/>
+                </a:solidFill>
+                <a:effectLst/>
+                <a:latin typeface="JetBrains Mono"/>
+              </a:rPr>
+              <a:t>pull_up_down</a:t>
+            </a:r>
+            <a:r>
+              <a:rPr kumimoji="0" lang="en-US" altLang="en-US" sz="2000" b="0" i="0" u="none" strike="noStrike" cap="none" normalizeH="0" baseline="0" dirty="0">
+                <a:ln>
+                  <a:noFill/>
+                </a:ln>
+                <a:solidFill>
+                  <a:srgbClr val="A9B7C6"/>
+                </a:solidFill>
+                <a:effectLst/>
+                <a:latin typeface="JetBrains Mono"/>
+              </a:rPr>
+              <a:t>=GPIO.PUD_UP)</a:t>
+            </a:r>
+            <a:endParaRPr lang="en-US" sz="2000" dirty="0"/>
+          </a:p>
+        </p:txBody>
+      </p:sp>
     </p:spTree>
     <p:extLst>
       <p:ext uri="{BB962C8B-B14F-4D97-AF65-F5344CB8AC3E}">
@@ -55100,113 +58189,7 @@
 </p:sld>
 </file>
 
-<file path=ppt/slides/slide2.xml><?xml version="1.0" encoding="utf-8"?>
-<p:sld xmlns:a="http://schemas.openxmlformats.org/drawingml/2006/main" xmlns:r="http://schemas.openxmlformats.org/officeDocument/2006/relationships" xmlns:p="http://schemas.openxmlformats.org/presentationml/2006/main">
-  <p:cSld>
-    <p:spTree>
-      <p:nvGrpSpPr>
-        <p:cNvPr id="1" name=""/>
-        <p:cNvGrpSpPr/>
-        <p:nvPr/>
-      </p:nvGrpSpPr>
-      <p:grpSpPr>
-        <a:xfrm>
-          <a:off x="0" y="0"/>
-          <a:ext cx="0" cy="0"/>
-          <a:chOff x="0" y="0"/>
-          <a:chExt cx="0" cy="0"/>
-        </a:xfrm>
-      </p:grpSpPr>
-      <p:sp>
-        <p:nvSpPr>
-          <p:cNvPr id="2" name="Title 1"/>
-          <p:cNvSpPr>
-            <a:spLocks noGrp="1"/>
-          </p:cNvSpPr>
-          <p:nvPr>
-            <p:ph type="title"/>
-          </p:nvPr>
-        </p:nvSpPr>
-        <p:spPr/>
-        <p:txBody>
-          <a:bodyPr/>
-          <a:lstStyle/>
-          <a:p>
-            <a:r>
-              <a:rPr lang="en-US" dirty="0"/>
-              <a:t>How to format the SD card</a:t>
-            </a:r>
-          </a:p>
-        </p:txBody>
-      </p:sp>
-      <p:sp>
-        <p:nvSpPr>
-          <p:cNvPr id="3" name="Content Placeholder 2"/>
-          <p:cNvSpPr>
-            <a:spLocks noGrp="1"/>
-          </p:cNvSpPr>
-          <p:nvPr>
-            <p:ph idx="1"/>
-          </p:nvPr>
-        </p:nvSpPr>
-        <p:spPr>
-          <a:xfrm>
-            <a:off x="838200" y="1825625"/>
-            <a:ext cx="4053840" cy="4351338"/>
-          </a:xfrm>
-        </p:spPr>
-        <p:txBody>
-          <a:bodyPr/>
-          <a:lstStyle/>
-          <a:p>
-            <a:pPr marL="0" indent="0">
-              <a:buNone/>
-            </a:pPr>
-            <a:r>
-              <a:rPr lang="en-US" dirty="0"/>
-              <a:t>Search for Raspberry Pi OS</a:t>
-            </a:r>
-          </a:p>
-        </p:txBody>
-      </p:sp>
-      <p:pic>
-        <p:nvPicPr>
-          <p:cNvPr id="4" name="Picture 3"/>
-          <p:cNvPicPr>
-            <a:picLocks noChangeAspect="1"/>
-          </p:cNvPicPr>
-          <p:nvPr/>
-        </p:nvPicPr>
-        <p:blipFill>
-          <a:blip r:embed="rId2"/>
-          <a:stretch>
-            <a:fillRect/>
-          </a:stretch>
-        </p:blipFill>
-        <p:spPr>
-          <a:xfrm>
-            <a:off x="5148069" y="1462088"/>
-            <a:ext cx="6506530" cy="4914899"/>
-          </a:xfrm>
-          <a:prstGeom prst="rect">
-            <a:avLst/>
-          </a:prstGeom>
-        </p:spPr>
-      </p:pic>
-    </p:spTree>
-    <p:extLst>
-      <p:ext uri="{BB962C8B-B14F-4D97-AF65-F5344CB8AC3E}">
-        <p14:creationId xmlns:p14="http://schemas.microsoft.com/office/powerpoint/2010/main" val="3339072767"/>
-      </p:ext>
-    </p:extLst>
-  </p:cSld>
-  <p:clrMapOvr>
-    <a:masterClrMapping/>
-  </p:clrMapOvr>
-</p:sld>
-</file>
-
-<file path=ppt/slides/slide20.xml><?xml version="1.0" encoding="utf-8"?>
+<file path=ppt/slides/slide26.xml><?xml version="1.0" encoding="utf-8"?>
 <p:sld xmlns:a="http://schemas.openxmlformats.org/drawingml/2006/main" xmlns:r="http://schemas.openxmlformats.org/officeDocument/2006/relationships" xmlns:p="http://schemas.openxmlformats.org/presentationml/2006/main">
   <p:cSld>
     <p:spTree>
@@ -55316,7 +58299,13 @@
       </p:grpSpPr>
       <p:sp>
         <p:nvSpPr>
-          <p:cNvPr id="2" name="Title 1"/>
+          <p:cNvPr id="2" name="Title 1">
+            <a:extLst>
+              <a:ext uri="{FF2B5EF4-FFF2-40B4-BE49-F238E27FC236}">
+                <a16:creationId xmlns:a16="http://schemas.microsoft.com/office/drawing/2014/main" id="{78C77A5F-4779-D769-F687-CBE0903988DB}"/>
+              </a:ext>
+            </a:extLst>
+          </p:cNvPr>
           <p:cNvSpPr>
             <a:spLocks noGrp="1"/>
           </p:cNvSpPr>
@@ -55331,72 +58320,167 @@
           <a:p>
             <a:r>
               <a:rPr lang="en-US" dirty="0"/>
-              <a:t>Download the installer for your system</a:t>
+              <a:t>What is a Raspberry Pi?</a:t>
             </a:r>
           </a:p>
         </p:txBody>
       </p:sp>
       <p:sp>
         <p:nvSpPr>
-          <p:cNvPr id="3" name="Content Placeholder 2"/>
+          <p:cNvPr id="3" name="Text Placeholder 2">
+            <a:extLst>
+              <a:ext uri="{FF2B5EF4-FFF2-40B4-BE49-F238E27FC236}">
+                <a16:creationId xmlns:a16="http://schemas.microsoft.com/office/drawing/2014/main" id="{B96CDBFF-EC1C-FF56-D521-A7DC65DF443A}"/>
+              </a:ext>
+            </a:extLst>
+          </p:cNvPr>
           <p:cNvSpPr>
             <a:spLocks noGrp="1"/>
           </p:cNvSpPr>
           <p:nvPr>
-            <p:ph idx="1"/>
+            <p:ph type="body" idx="1"/>
           </p:nvPr>
         </p:nvSpPr>
         <p:spPr>
           <a:xfrm>
-            <a:off x="477980" y="1594716"/>
-            <a:ext cx="2865583" cy="4351338"/>
+            <a:off x="951000" y="1789667"/>
+            <a:ext cx="3773400" cy="4348800"/>
           </a:xfrm>
         </p:spPr>
         <p:txBody>
-          <a:bodyPr/>
+          <a:bodyPr anchor="t"/>
           <a:lstStyle/>
           <a:p>
+            <a:pPr algn="l"/>
             <a:r>
               <a:rPr lang="en-US" dirty="0"/>
-              <a:t>This will install the latest SW</a:t>
+              <a:t>The Raspberry Pi is a very, very small computer.</a:t>
             </a:r>
           </a:p>
           <a:p>
+            <a:pPr algn="l"/>
             <a:r>
               <a:rPr lang="en-US" dirty="0"/>
-              <a:t>You have to download a huge file for previous versions.</a:t>
+              <a:t>You can connect camera, speakers, displays, etc.</a:t>
             </a:r>
+          </a:p>
+          <a:p>
+            <a:pPr algn="l"/>
+            <a:r>
+              <a:rPr lang="en-US" dirty="0"/>
+              <a:t>It comes with </a:t>
+            </a:r>
+            <a:r>
+              <a:rPr lang="en-US" dirty="0" err="1"/>
+              <a:t>Wifi</a:t>
+            </a:r>
+            <a:r>
+              <a:rPr lang="en-US" dirty="0"/>
+              <a:t> and Bluetooth built-in.</a:t>
+            </a:r>
+          </a:p>
+          <a:p>
+            <a:pPr algn="l"/>
+            <a:endParaRPr lang="en-US" dirty="0"/>
+          </a:p>
+        </p:txBody>
+      </p:sp>
+      <p:sp>
+        <p:nvSpPr>
+          <p:cNvPr id="6" name="AutoShape 6" descr="Parts of Raspberry Pi 4">
+            <a:extLst>
+              <a:ext uri="{FF2B5EF4-FFF2-40B4-BE49-F238E27FC236}">
+                <a16:creationId xmlns:a16="http://schemas.microsoft.com/office/drawing/2014/main" id="{14CF55F9-0ECB-A9B6-D9FF-BE17EB395038}"/>
+              </a:ext>
+            </a:extLst>
+          </p:cNvPr>
+          <p:cNvSpPr>
+            <a:spLocks noChangeAspect="1" noChangeArrowheads="1"/>
+          </p:cNvSpPr>
+          <p:nvPr/>
+        </p:nvSpPr>
+        <p:spPr bwMode="auto">
+          <a:xfrm>
+            <a:off x="5943600" y="3276600"/>
+            <a:ext cx="304800" cy="304800"/>
+          </a:xfrm>
+          <a:prstGeom prst="rect">
+            <a:avLst/>
+          </a:prstGeom>
+          <a:noFill/>
+          <a:extLst>
+            <a:ext uri="{909E8E84-426E-40DD-AFC4-6F175D3DCCD1}">
+              <a14:hiddenFill xmlns:a14="http://schemas.microsoft.com/office/drawing/2010/main">
+                <a:solidFill>
+                  <a:srgbClr val="FFFFFF"/>
+                </a:solidFill>
+              </a14:hiddenFill>
+            </a:ext>
+          </a:extLst>
+        </p:spPr>
+        <p:txBody>
+          <a:bodyPr vert="horz" wrap="square" lIns="91440" tIns="45720" rIns="91440" bIns="45720" numCol="1" anchor="t" anchorCtr="0" compatLnSpc="1">
+            <a:prstTxWarp prst="textNoShape">
+              <a:avLst/>
+            </a:prstTxWarp>
+          </a:bodyPr>
+          <a:lstStyle/>
+          <a:p>
+            <a:endParaRPr lang="en-US"/>
           </a:p>
         </p:txBody>
       </p:sp>
       <p:pic>
         <p:nvPicPr>
-          <p:cNvPr id="4" name="Picture 3"/>
+          <p:cNvPr id="1032" name="Picture 8" descr="Raspberry Pi 4 Pinout Description, Features, Peripherals , Applications">
+            <a:extLst>
+              <a:ext uri="{FF2B5EF4-FFF2-40B4-BE49-F238E27FC236}">
+                <a16:creationId xmlns:a16="http://schemas.microsoft.com/office/drawing/2014/main" id="{CCCE5D32-2B0A-A2D2-A03A-9149411D6689}"/>
+              </a:ext>
+            </a:extLst>
+          </p:cNvPr>
           <p:cNvPicPr>
-            <a:picLocks noChangeAspect="1"/>
+            <a:picLocks noChangeAspect="1" noChangeArrowheads="1"/>
           </p:cNvPicPr>
           <p:nvPr/>
         </p:nvPicPr>
         <p:blipFill>
-          <a:blip r:embed="rId2"/>
+          <a:blip r:embed="rId2">
+            <a:extLst>
+              <a:ext uri="{28A0092B-C50C-407E-A947-70E740481C1C}">
+                <a14:useLocalDpi xmlns:a14="http://schemas.microsoft.com/office/drawing/2010/main" val="0"/>
+              </a:ext>
+            </a:extLst>
+          </a:blip>
+          <a:srcRect/>
           <a:stretch>
             <a:fillRect/>
           </a:stretch>
         </p:blipFill>
-        <p:spPr>
+        <p:spPr bwMode="auto">
           <a:xfrm>
-            <a:off x="3494671" y="2393991"/>
-            <a:ext cx="8602027" cy="4085780"/>
+            <a:off x="4828140" y="2238375"/>
+            <a:ext cx="6944759" cy="4062413"/>
           </a:xfrm>
           <a:prstGeom prst="rect">
             <a:avLst/>
           </a:prstGeom>
+          <a:noFill/>
+          <a:extLst>
+            <a:ext uri="{909E8E84-426E-40DD-AFC4-6F175D3DCCD1}">
+              <a14:hiddenFill xmlns:a14="http://schemas.microsoft.com/office/drawing/2010/main">
+                <a:solidFill>
+                  <a:srgbClr val="FFFFFF"/>
+                </a:solidFill>
+              </a14:hiddenFill>
+            </a:ext>
+          </a:extLst>
         </p:spPr>
       </p:pic>
     </p:spTree>
     <p:extLst>
       <p:ext uri="{BB962C8B-B14F-4D97-AF65-F5344CB8AC3E}">
-        <p14:creationId xmlns:p14="http://schemas.microsoft.com/office/powerpoint/2010/main" val="3372413376"/>
+        <p14:creationId xmlns:p14="http://schemas.microsoft.com/office/powerpoint/2010/main" val="2355176053"/>
       </p:ext>
     </p:extLst>
   </p:cSld>
@@ -55425,7 +58509,13 @@
       </p:grpSpPr>
       <p:sp>
         <p:nvSpPr>
-          <p:cNvPr id="2" name="Title 1"/>
+          <p:cNvPr id="2" name="Title 1">
+            <a:extLst>
+              <a:ext uri="{FF2B5EF4-FFF2-40B4-BE49-F238E27FC236}">
+                <a16:creationId xmlns:a16="http://schemas.microsoft.com/office/drawing/2014/main" id="{78C77A5F-4779-D769-F687-CBE0903988DB}"/>
+              </a:ext>
+            </a:extLst>
+          </p:cNvPr>
           <p:cNvSpPr>
             <a:spLocks noGrp="1"/>
           </p:cNvSpPr>
@@ -55440,41 +58530,138 @@
           <a:p>
             <a:r>
               <a:rPr lang="en-US" dirty="0"/>
-              <a:t>Open Raspberry Pi Imager</a:t>
+              <a:t>Raspberry Pi Versions</a:t>
             </a:r>
+          </a:p>
+        </p:txBody>
+      </p:sp>
+      <p:sp>
+        <p:nvSpPr>
+          <p:cNvPr id="3" name="Text Placeholder 2">
+            <a:extLst>
+              <a:ext uri="{FF2B5EF4-FFF2-40B4-BE49-F238E27FC236}">
+                <a16:creationId xmlns:a16="http://schemas.microsoft.com/office/drawing/2014/main" id="{B96CDBFF-EC1C-FF56-D521-A7DC65DF443A}"/>
+              </a:ext>
+            </a:extLst>
+          </p:cNvPr>
+          <p:cNvSpPr>
+            <a:spLocks noGrp="1"/>
+          </p:cNvSpPr>
+          <p:nvPr>
+            <p:ph type="body" idx="1"/>
+          </p:nvPr>
+        </p:nvSpPr>
+        <p:spPr>
+          <a:xfrm>
+            <a:off x="950999" y="2122579"/>
+            <a:ext cx="3773400" cy="4348800"/>
+          </a:xfrm>
+        </p:spPr>
+        <p:txBody>
+          <a:bodyPr anchor="t"/>
+          <a:lstStyle/>
+          <a:p>
+            <a:pPr algn="l"/>
+            <a:endParaRPr lang="en-US" dirty="0"/>
+          </a:p>
+        </p:txBody>
+      </p:sp>
+      <p:sp>
+        <p:nvSpPr>
+          <p:cNvPr id="6" name="AutoShape 6" descr="Parts of Raspberry Pi 4">
+            <a:extLst>
+              <a:ext uri="{FF2B5EF4-FFF2-40B4-BE49-F238E27FC236}">
+                <a16:creationId xmlns:a16="http://schemas.microsoft.com/office/drawing/2014/main" id="{14CF55F9-0ECB-A9B6-D9FF-BE17EB395038}"/>
+              </a:ext>
+            </a:extLst>
+          </p:cNvPr>
+          <p:cNvSpPr>
+            <a:spLocks noChangeAspect="1" noChangeArrowheads="1"/>
+          </p:cNvSpPr>
+          <p:nvPr/>
+        </p:nvSpPr>
+        <p:spPr bwMode="auto">
+          <a:xfrm>
+            <a:off x="5943600" y="3276600"/>
+            <a:ext cx="304800" cy="304800"/>
+          </a:xfrm>
+          <a:prstGeom prst="rect">
+            <a:avLst/>
+          </a:prstGeom>
+          <a:noFill/>
+          <a:extLst>
+            <a:ext uri="{909E8E84-426E-40DD-AFC4-6F175D3DCCD1}">
+              <a14:hiddenFill xmlns:a14="http://schemas.microsoft.com/office/drawing/2010/main">
+                <a:solidFill>
+                  <a:srgbClr val="FFFFFF"/>
+                </a:solidFill>
+              </a14:hiddenFill>
+            </a:ext>
+          </a:extLst>
+        </p:spPr>
+        <p:txBody>
+          <a:bodyPr vert="horz" wrap="square" lIns="91440" tIns="45720" rIns="91440" bIns="45720" numCol="1" anchor="t" anchorCtr="0" compatLnSpc="1">
+            <a:prstTxWarp prst="textNoShape">
+              <a:avLst/>
+            </a:prstTxWarp>
+          </a:bodyPr>
+          <a:lstStyle/>
+          <a:p>
+            <a:endParaRPr lang="en-US"/>
           </a:p>
         </p:txBody>
       </p:sp>
       <p:pic>
         <p:nvPicPr>
-          <p:cNvPr id="4" name="Content Placeholder 3"/>
+          <p:cNvPr id="4098" name="Picture 2" descr="10 Years of Raspberry Pi - History of Raspberry Pi and element14 Community  - Documents - Raspberry Pi - element14 Community">
+            <a:extLst>
+              <a:ext uri="{FF2B5EF4-FFF2-40B4-BE49-F238E27FC236}">
+                <a16:creationId xmlns:a16="http://schemas.microsoft.com/office/drawing/2014/main" id="{CEEEA50F-89D9-D8E4-2E14-F4CB4319F458}"/>
+              </a:ext>
+            </a:extLst>
+          </p:cNvPr>
           <p:cNvPicPr>
-            <a:picLocks noGrp="1" noChangeAspect="1"/>
+            <a:picLocks noChangeAspect="1" noChangeArrowheads="1"/>
           </p:cNvPicPr>
-          <p:nvPr>
-            <p:ph idx="1"/>
-          </p:nvPr>
+          <p:nvPr/>
         </p:nvPicPr>
         <p:blipFill>
-          <a:blip r:embed="rId2"/>
+          <a:blip r:embed="rId2">
+            <a:extLst>
+              <a:ext uri="{28A0092B-C50C-407E-A947-70E740481C1C}">
+                <a14:useLocalDpi xmlns:a14="http://schemas.microsoft.com/office/drawing/2010/main" val="0"/>
+              </a:ext>
+            </a:extLst>
+          </a:blip>
+          <a:srcRect/>
           <a:stretch>
             <a:fillRect/>
           </a:stretch>
         </p:blipFill>
-        <p:spPr>
+        <p:spPr bwMode="auto">
           <a:xfrm>
-            <a:off x="2824163" y="1680369"/>
-            <a:ext cx="6543675" cy="4314825"/>
+            <a:off x="957262" y="1385425"/>
+            <a:ext cx="10277475" cy="4752975"/>
           </a:xfrm>
           <a:prstGeom prst="rect">
             <a:avLst/>
           </a:prstGeom>
+          <a:noFill/>
+          <a:extLst>
+            <a:ext uri="{909E8E84-426E-40DD-AFC4-6F175D3DCCD1}">
+              <a14:hiddenFill xmlns:a14="http://schemas.microsoft.com/office/drawing/2010/main">
+                <a:solidFill>
+                  <a:srgbClr val="FFFFFF"/>
+                </a:solidFill>
+              </a14:hiddenFill>
+            </a:ext>
+          </a:extLst>
         </p:spPr>
       </p:pic>
     </p:spTree>
     <p:extLst>
       <p:ext uri="{BB962C8B-B14F-4D97-AF65-F5344CB8AC3E}">
-        <p14:creationId xmlns:p14="http://schemas.microsoft.com/office/powerpoint/2010/main" val="3625959162"/>
+        <p14:creationId xmlns:p14="http://schemas.microsoft.com/office/powerpoint/2010/main" val="864066869"/>
       </p:ext>
     </p:extLst>
   </p:cSld>
@@ -55503,7 +58690,13 @@
       </p:grpSpPr>
       <p:sp>
         <p:nvSpPr>
-          <p:cNvPr id="2" name="Title 1"/>
+          <p:cNvPr id="2" name="Title 1">
+            <a:extLst>
+              <a:ext uri="{FF2B5EF4-FFF2-40B4-BE49-F238E27FC236}">
+                <a16:creationId xmlns:a16="http://schemas.microsoft.com/office/drawing/2014/main" id="{31F07F08-A9BF-D69C-F34C-60E33D2D0D39}"/>
+              </a:ext>
+            </a:extLst>
+          </p:cNvPr>
           <p:cNvSpPr>
             <a:spLocks noGrp="1"/>
           </p:cNvSpPr>
@@ -55518,41 +58711,110 @@
           <a:p>
             <a:r>
               <a:rPr lang="en-US" dirty="0"/>
-              <a:t>Choose the Raspberry Pi OS (32-bit)</a:t>
+              <a:t>Raspberry Pi Pinout</a:t>
+            </a:r>
+          </a:p>
+        </p:txBody>
+      </p:sp>
+      <p:sp>
+        <p:nvSpPr>
+          <p:cNvPr id="3" name="Text Placeholder 2">
+            <a:extLst>
+              <a:ext uri="{FF2B5EF4-FFF2-40B4-BE49-F238E27FC236}">
+                <a16:creationId xmlns:a16="http://schemas.microsoft.com/office/drawing/2014/main" id="{F8F04196-C3C3-E68B-B395-560482BC2ECB}"/>
+              </a:ext>
+            </a:extLst>
+          </p:cNvPr>
+          <p:cNvSpPr>
+            <a:spLocks noGrp="1"/>
+          </p:cNvSpPr>
+          <p:nvPr>
+            <p:ph type="body" idx="1"/>
+          </p:nvPr>
+        </p:nvSpPr>
+        <p:spPr>
+          <a:xfrm>
+            <a:off x="951000" y="1789667"/>
+            <a:ext cx="3878175" cy="4348800"/>
+          </a:xfrm>
+        </p:spPr>
+        <p:txBody>
+          <a:bodyPr anchor="t"/>
+          <a:lstStyle/>
+          <a:p>
+            <a:pPr algn="l"/>
+            <a:r>
+              <a:rPr lang="en-US" dirty="0"/>
+              <a:t>The Raspberry’s 40 pin header make it unique.</a:t>
+            </a:r>
+          </a:p>
+          <a:p>
+            <a:pPr algn="l"/>
+            <a:r>
+              <a:rPr lang="en-US" dirty="0"/>
+              <a:t>You can add sensors, motors, servo’s, LED’s and much more to it and control the inputs and out outputs with code.</a:t>
+            </a:r>
+          </a:p>
+          <a:p>
+            <a:pPr algn="l"/>
+            <a:r>
+              <a:rPr lang="en-US" dirty="0"/>
+              <a:t>Pin Numbers and GPIO numbers are different. </a:t>
             </a:r>
           </a:p>
         </p:txBody>
       </p:sp>
       <p:pic>
         <p:nvPicPr>
-          <p:cNvPr id="4" name="Content Placeholder 3"/>
+          <p:cNvPr id="5" name="Picture 2" descr="Raspberry Pi GPIO Header with Photo">
+            <a:extLst>
+              <a:ext uri="{FF2B5EF4-FFF2-40B4-BE49-F238E27FC236}">
+                <a16:creationId xmlns:a16="http://schemas.microsoft.com/office/drawing/2014/main" id="{6960141B-0B4B-799B-5FA3-87B8556D09FB}"/>
+              </a:ext>
+            </a:extLst>
+          </p:cNvPr>
           <p:cNvPicPr>
-            <a:picLocks noGrp="1" noChangeAspect="1"/>
+            <a:picLocks noChangeAspect="1" noChangeArrowheads="1"/>
           </p:cNvPicPr>
-          <p:nvPr>
-            <p:ph idx="1"/>
-          </p:nvPr>
+          <p:nvPr/>
         </p:nvPicPr>
         <p:blipFill>
-          <a:blip r:embed="rId2"/>
+          <a:blip r:embed="rId2">
+            <a:extLst>
+              <a:ext uri="{28A0092B-C50C-407E-A947-70E740481C1C}">
+                <a14:useLocalDpi xmlns:a14="http://schemas.microsoft.com/office/drawing/2010/main" val="0"/>
+              </a:ext>
+            </a:extLst>
+          </a:blip>
+          <a:srcRect/>
           <a:stretch>
             <a:fillRect/>
           </a:stretch>
         </p:blipFill>
-        <p:spPr>
+        <p:spPr bwMode="auto">
           <a:xfrm>
-            <a:off x="2852738" y="1685131"/>
-            <a:ext cx="6486525" cy="4305300"/>
+            <a:off x="4918940" y="1897142"/>
+            <a:ext cx="6200775" cy="4133850"/>
           </a:xfrm>
           <a:prstGeom prst="rect">
             <a:avLst/>
           </a:prstGeom>
+          <a:noFill/>
+          <a:extLst>
+            <a:ext uri="{909E8E84-426E-40DD-AFC4-6F175D3DCCD1}">
+              <a14:hiddenFill xmlns:a14="http://schemas.microsoft.com/office/drawing/2010/main">
+                <a:solidFill>
+                  <a:srgbClr val="FFFFFF"/>
+                </a:solidFill>
+              </a14:hiddenFill>
+            </a:ext>
+          </a:extLst>
         </p:spPr>
       </p:pic>
     </p:spTree>
     <p:extLst>
       <p:ext uri="{BB962C8B-B14F-4D97-AF65-F5344CB8AC3E}">
-        <p14:creationId xmlns:p14="http://schemas.microsoft.com/office/powerpoint/2010/main" val="4144211197"/>
+        <p14:creationId xmlns:p14="http://schemas.microsoft.com/office/powerpoint/2010/main" val="15368112"/>
       </p:ext>
     </p:extLst>
   </p:cSld>
@@ -55579,6 +58841,35 @@
           <a:chExt cx="0" cy="0"/>
         </a:xfrm>
       </p:grpSpPr>
+      <p:pic>
+        <p:nvPicPr>
+          <p:cNvPr id="4" name="Picture 3"/>
+          <p:cNvPicPr>
+            <a:picLocks noChangeAspect="1"/>
+          </p:cNvPicPr>
+          <p:nvPr/>
+        </p:nvPicPr>
+        <p:blipFill rotWithShape="1">
+          <a:blip r:embed="rId2" cstate="print">
+            <a:extLst>
+              <a:ext uri="{28A0092B-C50C-407E-A947-70E740481C1C}">
+                <a14:useLocalDpi xmlns:a14="http://schemas.microsoft.com/office/drawing/2010/main" val="0"/>
+              </a:ext>
+            </a:extLst>
+          </a:blip>
+          <a:srcRect l="6393" t="5862" r="6107" b="12742"/>
+          <a:stretch/>
+        </p:blipFill>
+        <p:spPr>
+          <a:xfrm>
+            <a:off x="5739078" y="3235334"/>
+            <a:ext cx="5151120" cy="3219450"/>
+          </a:xfrm>
+          <a:prstGeom prst="rect">
+            <a:avLst/>
+          </a:prstGeom>
+        </p:spPr>
+      </p:pic>
       <p:sp>
         <p:nvSpPr>
           <p:cNvPr id="2" name="Title 1"/>
@@ -55596,31 +58887,85 @@
           <a:p>
             <a:r>
               <a:rPr lang="en-US" dirty="0"/>
-              <a:t>Plug the SD card into your computer and select Choose Storage.</a:t>
+              <a:t>Raspberry Pi – Easy to short circuit the bottom pins </a:t>
             </a:r>
+          </a:p>
+        </p:txBody>
+      </p:sp>
+      <p:sp>
+        <p:nvSpPr>
+          <p:cNvPr id="3" name="Content Placeholder 2"/>
+          <p:cNvSpPr>
+            <a:spLocks noGrp="1"/>
+          </p:cNvSpPr>
+          <p:nvPr>
+            <p:ph idx="1"/>
+          </p:nvPr>
+        </p:nvSpPr>
+        <p:spPr>
+          <a:xfrm>
+            <a:off x="951100" y="1536633"/>
+            <a:ext cx="5144900" cy="4601600"/>
+          </a:xfrm>
+        </p:spPr>
+        <p:txBody>
+          <a:bodyPr anchor="t"/>
+          <a:lstStyle/>
+          <a:p>
+            <a:r>
+              <a:rPr lang="en-US" dirty="0"/>
+              <a:t>Wrist-straps not required but touch metal on the </a:t>
+            </a:r>
+            <a:r>
+              <a:rPr lang="en-US" dirty="0" err="1"/>
+              <a:t>Rpi</a:t>
+            </a:r>
+            <a:r>
+              <a:rPr lang="en-US" dirty="0"/>
+              <a:t> USB to dissipate ESD. </a:t>
+            </a:r>
+          </a:p>
+          <a:p>
+            <a:r>
+              <a:rPr lang="en-US" dirty="0"/>
+              <a:t>Never place bare board on metal surface. </a:t>
+            </a:r>
+          </a:p>
+          <a:p>
+            <a:r>
+              <a:rPr lang="en-US" dirty="0"/>
+              <a:t>Be careful not to touch the 40 pin header with any metal also.</a:t>
+            </a:r>
+          </a:p>
+          <a:p>
+            <a:endParaRPr lang="en-US" dirty="0"/>
           </a:p>
         </p:txBody>
       </p:sp>
       <p:pic>
         <p:nvPicPr>
-          <p:cNvPr id="4" name="Content Placeholder 3"/>
+          <p:cNvPr id="8" name="Picture 7">
+            <a:extLst>
+              <a:ext uri="{FF2B5EF4-FFF2-40B4-BE49-F238E27FC236}">
+                <a16:creationId xmlns:a16="http://schemas.microsoft.com/office/drawing/2014/main" id="{464E4E28-A104-1B41-2AFC-EDF5320E98F3}"/>
+              </a:ext>
+            </a:extLst>
+          </p:cNvPr>
           <p:cNvPicPr>
-            <a:picLocks noGrp="1" noChangeAspect="1"/>
+            <a:picLocks noChangeAspect="1"/>
           </p:cNvPicPr>
-          <p:nvPr>
-            <p:ph idx="1"/>
-          </p:nvPr>
+          <p:nvPr/>
         </p:nvPicPr>
         <p:blipFill>
-          <a:blip r:embed="rId2"/>
+          <a:blip r:embed="rId3"/>
           <a:stretch>
             <a:fillRect/>
           </a:stretch>
         </p:blipFill>
         <p:spPr>
           <a:xfrm>
-            <a:off x="2843213" y="1694656"/>
-            <a:ext cx="6505575" cy="4286250"/>
+            <a:off x="1097189" y="3235334"/>
+            <a:ext cx="4495800" cy="3219450"/>
           </a:xfrm>
           <a:prstGeom prst="rect">
             <a:avLst/>
@@ -55630,7 +58975,7 @@
     </p:spTree>
     <p:extLst>
       <p:ext uri="{BB962C8B-B14F-4D97-AF65-F5344CB8AC3E}">
-        <p14:creationId xmlns:p14="http://schemas.microsoft.com/office/powerpoint/2010/main" val="3434798156"/>
+        <p14:creationId xmlns:p14="http://schemas.microsoft.com/office/powerpoint/2010/main" val="2221088527"/>
       </p:ext>
     </p:extLst>
   </p:cSld>
@@ -55669,48 +59014,117 @@
         </p:nvSpPr>
         <p:spPr/>
         <p:txBody>
-          <a:bodyPr>
-            <a:normAutofit fontScale="90000"/>
-          </a:bodyPr>
+          <a:bodyPr/>
           <a:lstStyle/>
           <a:p>
             <a:r>
-              <a:rPr lang="en-US" sz="4000" dirty="0"/>
-              <a:t>SD card is P:\ on this system. Verify in Explorer. THIS WILL ERASE EVERYTHING ON THE CARD</a:t>
+              <a:rPr lang="en-US" dirty="0"/>
+              <a:t>Connect Mouse, Keyboard and HDMI</a:t>
             </a:r>
+          </a:p>
+        </p:txBody>
+      </p:sp>
+      <p:sp>
+        <p:nvSpPr>
+          <p:cNvPr id="3" name="Content Placeholder 2"/>
+          <p:cNvSpPr>
+            <a:spLocks noGrp="1"/>
+          </p:cNvSpPr>
+          <p:nvPr>
+            <p:ph idx="1"/>
+          </p:nvPr>
+        </p:nvSpPr>
+        <p:spPr>
+          <a:xfrm>
+            <a:off x="838200" y="1825625"/>
+            <a:ext cx="4244792" cy="4351338"/>
+          </a:xfrm>
+        </p:spPr>
+        <p:txBody>
+          <a:bodyPr anchor="t"/>
+          <a:lstStyle/>
+          <a:p>
+            <a:r>
+              <a:rPr lang="en-US" dirty="0"/>
+              <a:t>Be gentle</a:t>
+            </a:r>
+          </a:p>
+          <a:p>
+            <a:r>
+              <a:rPr lang="en-US" dirty="0"/>
+              <a:t>RPi 4 will need the HDMI to HDMI Micro adapter. </a:t>
+            </a:r>
+            <a:r>
+              <a:rPr lang="en-US" b="1" dirty="0"/>
+              <a:t>Plug into HDMI 0</a:t>
+            </a:r>
+            <a:r>
+              <a:rPr lang="en-US" dirty="0"/>
+              <a:t>.</a:t>
+            </a:r>
+          </a:p>
+          <a:p>
+            <a:r>
+              <a:rPr lang="en-US" dirty="0"/>
+              <a:t>You will need to plug the HDMI into one of the lab monitors and change the input to HDMI. Let us know if you need help.</a:t>
+            </a:r>
+          </a:p>
+          <a:p>
+            <a:endParaRPr lang="en-US" dirty="0"/>
           </a:p>
         </p:txBody>
       </p:sp>
       <p:pic>
         <p:nvPicPr>
-          <p:cNvPr id="4" name="Content Placeholder 3"/>
+          <p:cNvPr id="10242" name="Picture 2" descr="Everything Else | Using Weird Displays with Raspberry Pi | Adafruit  Learning System">
+            <a:extLst>
+              <a:ext uri="{FF2B5EF4-FFF2-40B4-BE49-F238E27FC236}">
+                <a16:creationId xmlns:a16="http://schemas.microsoft.com/office/drawing/2014/main" id="{8A9706A6-ADC4-1C09-5B05-611591F8FF5B}"/>
+              </a:ext>
+            </a:extLst>
+          </p:cNvPr>
           <p:cNvPicPr>
-            <a:picLocks noGrp="1" noChangeAspect="1"/>
+            <a:picLocks noChangeAspect="1" noChangeArrowheads="1"/>
           </p:cNvPicPr>
-          <p:nvPr>
-            <p:ph idx="1"/>
-          </p:nvPr>
+          <p:nvPr/>
         </p:nvPicPr>
         <p:blipFill>
-          <a:blip r:embed="rId2"/>
+          <a:blip r:embed="rId2">
+            <a:extLst>
+              <a:ext uri="{28A0092B-C50C-407E-A947-70E740481C1C}">
+                <a14:useLocalDpi xmlns:a14="http://schemas.microsoft.com/office/drawing/2010/main" val="0"/>
+              </a:ext>
+            </a:extLst>
+          </a:blip>
+          <a:srcRect/>
           <a:stretch>
             <a:fillRect/>
           </a:stretch>
         </p:blipFill>
-        <p:spPr>
+        <p:spPr bwMode="auto">
           <a:xfrm>
-            <a:off x="2566122" y="2234551"/>
-            <a:ext cx="6505575" cy="4314825"/>
+            <a:off x="5915024" y="2097741"/>
+            <a:ext cx="5153025" cy="3864769"/>
           </a:xfrm>
           <a:prstGeom prst="rect">
             <a:avLst/>
           </a:prstGeom>
+          <a:noFill/>
+          <a:extLst>
+            <a:ext uri="{909E8E84-426E-40DD-AFC4-6F175D3DCCD1}">
+              <a14:hiddenFill xmlns:a14="http://schemas.microsoft.com/office/drawing/2010/main">
+                <a:solidFill>
+                  <a:srgbClr val="FFFFFF"/>
+                </a:solidFill>
+              </a14:hiddenFill>
+            </a:ext>
+          </a:extLst>
         </p:spPr>
       </p:pic>
     </p:spTree>
     <p:extLst>
       <p:ext uri="{BB962C8B-B14F-4D97-AF65-F5344CB8AC3E}">
-        <p14:creationId xmlns:p14="http://schemas.microsoft.com/office/powerpoint/2010/main" val="1360258468"/>
+        <p14:creationId xmlns:p14="http://schemas.microsoft.com/office/powerpoint/2010/main" val="225407785"/>
       </p:ext>
     </p:extLst>
   </p:cSld>
@@ -55754,20 +59168,105 @@
           <a:p>
             <a:r>
               <a:rPr lang="en-US" dirty="0"/>
-              <a:t>Click Write</a:t>
+              <a:t>Connect Network Cable</a:t>
             </a:r>
+          </a:p>
+        </p:txBody>
+      </p:sp>
+      <p:sp>
+        <p:nvSpPr>
+          <p:cNvPr id="3" name="Content Placeholder 2"/>
+          <p:cNvSpPr>
+            <a:spLocks noGrp="1"/>
+          </p:cNvSpPr>
+          <p:nvPr>
+            <p:ph idx="1"/>
+          </p:nvPr>
+        </p:nvSpPr>
+        <p:spPr>
+          <a:xfrm>
+            <a:off x="838200" y="1825625"/>
+            <a:ext cx="4244792" cy="4351338"/>
+          </a:xfrm>
+        </p:spPr>
+        <p:txBody>
+          <a:bodyPr/>
+          <a:lstStyle/>
+          <a:p>
+            <a:r>
+              <a:rPr lang="en-US" dirty="0"/>
+              <a:t>Disconnect the network cable from the back of the bench to the computer and plug in the 7 foot network cable into that network port and the RPi.</a:t>
+            </a:r>
+          </a:p>
+        </p:txBody>
+      </p:sp>
+      <p:sp>
+        <p:nvSpPr>
+          <p:cNvPr id="5" name="Arrow: Left 4">
+            <a:extLst>
+              <a:ext uri="{FF2B5EF4-FFF2-40B4-BE49-F238E27FC236}">
+                <a16:creationId xmlns:a16="http://schemas.microsoft.com/office/drawing/2014/main" id="{8747CDED-80E6-4A5E-BDB7-AAED6CD52FDE}"/>
+              </a:ext>
+            </a:extLst>
+          </p:cNvPr>
+          <p:cNvSpPr/>
+          <p:nvPr/>
+        </p:nvSpPr>
+        <p:spPr>
+          <a:xfrm>
+            <a:off x="10122536" y="2686050"/>
+            <a:ext cx="1144600" cy="609600"/>
+          </a:xfrm>
+          <a:prstGeom prst="leftArrow">
+            <a:avLst/>
+          </a:prstGeom>
+          <a:solidFill>
+            <a:srgbClr val="FF0000"/>
+          </a:solidFill>
+          <a:ln>
+            <a:solidFill>
+              <a:srgbClr val="FF0000"/>
+            </a:solidFill>
+          </a:ln>
+        </p:spPr>
+        <p:style>
+          <a:lnRef idx="2">
+            <a:schemeClr val="accent1">
+              <a:shade val="50000"/>
+            </a:schemeClr>
+          </a:lnRef>
+          <a:fillRef idx="1">
+            <a:schemeClr val="accent1"/>
+          </a:fillRef>
+          <a:effectRef idx="0">
+            <a:schemeClr val="accent1"/>
+          </a:effectRef>
+          <a:fontRef idx="minor">
+            <a:schemeClr val="lt1"/>
+          </a:fontRef>
+        </p:style>
+        <p:txBody>
+          <a:bodyPr rtlCol="0" anchor="ctr"/>
+          <a:lstStyle/>
+          <a:p>
+            <a:pPr algn="ctr"/>
+            <a:endParaRPr lang="en-US"/>
           </a:p>
         </p:txBody>
       </p:sp>
       <p:pic>
         <p:nvPicPr>
-          <p:cNvPr id="4" name="Content Placeholder 3"/>
+          <p:cNvPr id="6" name="Picture 5">
+            <a:extLst>
+              <a:ext uri="{FF2B5EF4-FFF2-40B4-BE49-F238E27FC236}">
+                <a16:creationId xmlns:a16="http://schemas.microsoft.com/office/drawing/2014/main" id="{23E25D55-070D-73A7-0094-C83B9A3C7F0F}"/>
+              </a:ext>
+            </a:extLst>
+          </p:cNvPr>
           <p:cNvPicPr>
-            <a:picLocks noGrp="1" noChangeAspect="1"/>
+            <a:picLocks noChangeAspect="1"/>
           </p:cNvPicPr>
-          <p:nvPr>
-            <p:ph idx="1"/>
-          </p:nvPr>
+          <p:nvPr/>
         </p:nvPicPr>
         <p:blipFill>
           <a:blip r:embed="rId2"/>
@@ -55777,8 +59276,8 @@
         </p:blipFill>
         <p:spPr>
           <a:xfrm>
-            <a:off x="2843213" y="1675606"/>
-            <a:ext cx="6505575" cy="4324350"/>
+            <a:off x="5354864" y="2292359"/>
+            <a:ext cx="4495800" cy="3219450"/>
           </a:xfrm>
           <a:prstGeom prst="rect">
             <a:avLst/>
@@ -55788,7 +59287,7 @@
     </p:spTree>
     <p:extLst>
       <p:ext uri="{BB962C8B-B14F-4D97-AF65-F5344CB8AC3E}">
-        <p14:creationId xmlns:p14="http://schemas.microsoft.com/office/powerpoint/2010/main" val="3132277588"/>
+        <p14:creationId xmlns:p14="http://schemas.microsoft.com/office/powerpoint/2010/main" val="555164774"/>
       </p:ext>
     </p:extLst>
   </p:cSld>
@@ -55815,36 +59314,6 @@
           <a:chExt cx="0" cy="0"/>
         </a:xfrm>
       </p:grpSpPr>
-      <p:pic>
-        <p:nvPicPr>
-          <p:cNvPr id="4" name="Picture 3"/>
-          <p:cNvPicPr>
-            <a:picLocks noChangeAspect="1"/>
-          </p:cNvPicPr>
-          <p:nvPr/>
-        </p:nvPicPr>
-        <p:blipFill>
-          <a:blip r:embed="rId2" cstate="print">
-            <a:extLst>
-              <a:ext uri="{28A0092B-C50C-407E-A947-70E740481C1C}">
-                <a14:useLocalDpi xmlns:a14="http://schemas.microsoft.com/office/drawing/2010/main" val="0"/>
-              </a:ext>
-            </a:extLst>
-          </a:blip>
-          <a:stretch>
-            <a:fillRect/>
-          </a:stretch>
-        </p:blipFill>
-        <p:spPr>
-          <a:xfrm>
-            <a:off x="6675212" y="2205779"/>
-            <a:ext cx="5257800" cy="3506911"/>
-          </a:xfrm>
-          <a:prstGeom prst="rect">
-            <a:avLst/>
-          </a:prstGeom>
-        </p:spPr>
-      </p:pic>
       <p:sp>
         <p:nvSpPr>
           <p:cNvPr id="2" name="Title 1"/>
@@ -55862,7 +59331,7 @@
           <a:p>
             <a:r>
               <a:rPr lang="en-US" dirty="0"/>
-              <a:t>Insert Micro SD into Raspberry Pi.</a:t>
+              <a:t>How to format the SD card</a:t>
             </a:r>
           </a:p>
         </p:txBody>
@@ -55879,45 +59348,52 @@
         </p:nvSpPr>
         <p:spPr>
           <a:xfrm>
-            <a:off x="951100" y="1536633"/>
-            <a:ext cx="5144900" cy="4601600"/>
+            <a:off x="838200" y="1825625"/>
+            <a:ext cx="4053840" cy="4351338"/>
           </a:xfrm>
         </p:spPr>
         <p:txBody>
           <a:bodyPr/>
           <a:lstStyle/>
           <a:p>
+            <a:pPr marL="0" indent="0">
+              <a:buNone/>
+            </a:pPr>
             <a:r>
               <a:rPr lang="en-US" dirty="0"/>
-              <a:t>Wrist-straps not required but touch metal on the </a:t>
-            </a:r>
-            <a:r>
-              <a:rPr lang="en-US" dirty="0" err="1"/>
-              <a:t>Rpi</a:t>
-            </a:r>
-            <a:r>
-              <a:rPr lang="en-US" dirty="0"/>
-              <a:t> USB to dissipate ESD. </a:t>
-            </a:r>
-          </a:p>
-          <a:p>
-            <a:r>
-              <a:rPr lang="en-US" dirty="0"/>
-              <a:t>Be careful not to touch the Micro SD card pins.</a:t>
-            </a:r>
-          </a:p>
-          <a:p>
-            <a:r>
-              <a:rPr lang="en-US" dirty="0"/>
-              <a:t>Never place bare board on metal surface. </a:t>
+              <a:t>Search for Raspberry Pi OS</a:t>
             </a:r>
           </a:p>
         </p:txBody>
       </p:sp>
+      <p:pic>
+        <p:nvPicPr>
+          <p:cNvPr id="4" name="Picture 3"/>
+          <p:cNvPicPr>
+            <a:picLocks noChangeAspect="1"/>
+          </p:cNvPicPr>
+          <p:nvPr/>
+        </p:nvPicPr>
+        <p:blipFill>
+          <a:blip r:embed="rId2"/>
+          <a:stretch>
+            <a:fillRect/>
+          </a:stretch>
+        </p:blipFill>
+        <p:spPr>
+          <a:xfrm>
+            <a:off x="5148069" y="1462088"/>
+            <a:ext cx="6506530" cy="4914899"/>
+          </a:xfrm>
+          <a:prstGeom prst="rect">
+            <a:avLst/>
+          </a:prstGeom>
+        </p:spPr>
+      </p:pic>
     </p:spTree>
     <p:extLst>
       <p:ext uri="{BB962C8B-B14F-4D97-AF65-F5344CB8AC3E}">
-        <p14:creationId xmlns:p14="http://schemas.microsoft.com/office/powerpoint/2010/main" val="338125221"/>
+        <p14:creationId xmlns:p14="http://schemas.microsoft.com/office/powerpoint/2010/main" val="3339072767"/>
       </p:ext>
     </p:extLst>
   </p:cSld>
